--- a/storyboard.pptx
+++ b/storyboard.pptx
@@ -24,7 +24,7 @@
     <p:sldId id="270" r:id="rId19"/>
   </p:sldIdLst>
   <p:sldSz cx="9144000" cy="5143500"/>
-  <p:notesSz cx="6858000" cy="9144000"/>
+  <p:notesSz cx="7559675" cy="10691813"/>
 </p:presentation>
 </file>
 
@@ -59,7 +59,7 @@
         <p:txBody>
           <a:bodyPr/>
           <a:p>
-            <a:fld id="{5BEFF587-F4E3-4AE4-B564-EF334A9D9464}" type="slidenum">
+            <a:fld id="{3957B278-3CAB-4FB9-8542-1F6DB33E761C}" type="slidenum">
               <a:t>&lt;#&gt;</a:t>
             </a:fld>
           </a:p>
@@ -99,8 +99,8 @@
         </p:nvSpPr>
         <p:spPr>
           <a:xfrm>
-            <a:off x="311760" y="555480"/>
-            <a:ext cx="2807640" cy="755280"/>
+            <a:off x="457200" y="205200"/>
+            <a:ext cx="8229240" cy="858600"/>
           </a:xfrm>
           <a:prstGeom prst="rect">
             <a:avLst/>
@@ -115,10 +115,10 @@
             <a:noAutofit/>
           </a:bodyPr>
           <a:p>
-            <a:endParaRPr b="0" lang="en-US" sz="1400" spc="-1" strike="noStrike">
-              <a:solidFill>
-                <a:srgbClr val="000000"/>
-              </a:solidFill>
+            <a:pPr algn="ctr">
+              <a:buNone/>
+            </a:pPr>
+            <a:endParaRPr b="0" lang="en-US" sz="4400" spc="-1" strike="noStrike">
               <a:latin typeface="Arial"/>
             </a:endParaRPr>
           </a:p>
@@ -136,8 +136,8 @@
         </p:nvSpPr>
         <p:spPr>
           <a:xfrm>
-            <a:off x="311760" y="1389600"/>
-            <a:ext cx="2807640" cy="1516320"/>
+            <a:off x="457200" y="1203480"/>
+            <a:ext cx="8229240" cy="1422720"/>
           </a:xfrm>
           <a:prstGeom prst="rect">
             <a:avLst/>
@@ -152,10 +152,7 @@
             <a:normAutofit/>
           </a:bodyPr>
           <a:p>
-            <a:endParaRPr b="0" lang="en-US" sz="1400" spc="-1" strike="noStrike">
-              <a:solidFill>
-                <a:srgbClr val="000000"/>
-              </a:solidFill>
+            <a:endParaRPr b="0" lang="en-US" sz="3200" spc="-1" strike="noStrike">
               <a:latin typeface="Arial"/>
             </a:endParaRPr>
           </a:p>
@@ -173,8 +170,8 @@
         </p:nvSpPr>
         <p:spPr>
           <a:xfrm>
-            <a:off x="311760" y="3050280"/>
-            <a:ext cx="2807640" cy="1516320"/>
+            <a:off x="457200" y="2761920"/>
+            <a:ext cx="8229240" cy="1422720"/>
           </a:xfrm>
           <a:prstGeom prst="rect">
             <a:avLst/>
@@ -189,10 +186,7 @@
             <a:normAutofit/>
           </a:bodyPr>
           <a:p>
-            <a:endParaRPr b="0" lang="en-US" sz="1400" spc="-1" strike="noStrike">
-              <a:solidFill>
-                <a:srgbClr val="000000"/>
-              </a:solidFill>
+            <a:endParaRPr b="0" lang="en-US" sz="3200" spc="-1" strike="noStrike">
               <a:latin typeface="Arial"/>
             </a:endParaRPr>
           </a:p>
@@ -212,7 +206,7 @@
         <p:txBody>
           <a:bodyPr/>
           <a:p>
-            <a:fld id="{215F7CF5-503F-484C-8C59-308F23892CAA}" type="slidenum">
+            <a:fld id="{64FC4D97-900D-4EF8-8A3A-67471197BCD9}" type="slidenum">
               <a:t>&lt;#&gt;</a:t>
             </a:fld>
           </a:p>
@@ -252,8 +246,8 @@
         </p:nvSpPr>
         <p:spPr>
           <a:xfrm>
-            <a:off x="311760" y="555480"/>
-            <a:ext cx="2807640" cy="755280"/>
+            <a:off x="457200" y="205200"/>
+            <a:ext cx="8229240" cy="858600"/>
           </a:xfrm>
           <a:prstGeom prst="rect">
             <a:avLst/>
@@ -268,10 +262,10 @@
             <a:noAutofit/>
           </a:bodyPr>
           <a:p>
-            <a:endParaRPr b="0" lang="en-US" sz="1400" spc="-1" strike="noStrike">
-              <a:solidFill>
-                <a:srgbClr val="000000"/>
-              </a:solidFill>
+            <a:pPr algn="ctr">
+              <a:buNone/>
+            </a:pPr>
+            <a:endParaRPr b="0" lang="en-US" sz="4400" spc="-1" strike="noStrike">
               <a:latin typeface="Arial"/>
             </a:endParaRPr>
           </a:p>
@@ -289,8 +283,8 @@
         </p:nvSpPr>
         <p:spPr>
           <a:xfrm>
-            <a:off x="311760" y="1389600"/>
-            <a:ext cx="1369800" cy="1516320"/>
+            <a:off x="457200" y="1203480"/>
+            <a:ext cx="4015800" cy="1422720"/>
           </a:xfrm>
           <a:prstGeom prst="rect">
             <a:avLst/>
@@ -305,10 +299,7 @@
             <a:normAutofit/>
           </a:bodyPr>
           <a:p>
-            <a:endParaRPr b="0" lang="en-US" sz="1400" spc="-1" strike="noStrike">
-              <a:solidFill>
-                <a:srgbClr val="000000"/>
-              </a:solidFill>
+            <a:endParaRPr b="0" lang="en-US" sz="3200" spc="-1" strike="noStrike">
               <a:latin typeface="Arial"/>
             </a:endParaRPr>
           </a:p>
@@ -326,8 +317,8 @@
         </p:nvSpPr>
         <p:spPr>
           <a:xfrm>
-            <a:off x="1750320" y="1389600"/>
-            <a:ext cx="1369800" cy="1516320"/>
+            <a:off x="4674240" y="1203480"/>
+            <a:ext cx="4015800" cy="1422720"/>
           </a:xfrm>
           <a:prstGeom prst="rect">
             <a:avLst/>
@@ -342,10 +333,7 @@
             <a:normAutofit/>
           </a:bodyPr>
           <a:p>
-            <a:endParaRPr b="0" lang="en-US" sz="1400" spc="-1" strike="noStrike">
-              <a:solidFill>
-                <a:srgbClr val="000000"/>
-              </a:solidFill>
+            <a:endParaRPr b="0" lang="en-US" sz="3200" spc="-1" strike="noStrike">
               <a:latin typeface="Arial"/>
             </a:endParaRPr>
           </a:p>
@@ -363,8 +351,8 @@
         </p:nvSpPr>
         <p:spPr>
           <a:xfrm>
-            <a:off x="311760" y="3050280"/>
-            <a:ext cx="1369800" cy="1516320"/>
+            <a:off x="457200" y="2761920"/>
+            <a:ext cx="4015800" cy="1422720"/>
           </a:xfrm>
           <a:prstGeom prst="rect">
             <a:avLst/>
@@ -379,10 +367,7 @@
             <a:normAutofit/>
           </a:bodyPr>
           <a:p>
-            <a:endParaRPr b="0" lang="en-US" sz="1400" spc="-1" strike="noStrike">
-              <a:solidFill>
-                <a:srgbClr val="000000"/>
-              </a:solidFill>
+            <a:endParaRPr b="0" lang="en-US" sz="3200" spc="-1" strike="noStrike">
               <a:latin typeface="Arial"/>
             </a:endParaRPr>
           </a:p>
@@ -400,8 +385,8 @@
         </p:nvSpPr>
         <p:spPr>
           <a:xfrm>
-            <a:off x="1750320" y="3050280"/>
-            <a:ext cx="1369800" cy="1516320"/>
+            <a:off x="4674240" y="2761920"/>
+            <a:ext cx="4015800" cy="1422720"/>
           </a:xfrm>
           <a:prstGeom prst="rect">
             <a:avLst/>
@@ -416,10 +401,7 @@
             <a:normAutofit/>
           </a:bodyPr>
           <a:p>
-            <a:endParaRPr b="0" lang="en-US" sz="1400" spc="-1" strike="noStrike">
-              <a:solidFill>
-                <a:srgbClr val="000000"/>
-              </a:solidFill>
+            <a:endParaRPr b="0" lang="en-US" sz="3200" spc="-1" strike="noStrike">
               <a:latin typeface="Arial"/>
             </a:endParaRPr>
           </a:p>
@@ -439,7 +421,7 @@
         <p:txBody>
           <a:bodyPr/>
           <a:p>
-            <a:fld id="{CB4B966E-D2A9-4916-BD68-CD33F2916218}" type="slidenum">
+            <a:fld id="{6A07CB7B-DE24-45A3-A97F-95199CEE2F28}" type="slidenum">
               <a:t>&lt;#&gt;</a:t>
             </a:fld>
           </a:p>
@@ -479,8 +461,8 @@
         </p:nvSpPr>
         <p:spPr>
           <a:xfrm>
-            <a:off x="311760" y="555480"/>
-            <a:ext cx="2807640" cy="755280"/>
+            <a:off x="457200" y="205200"/>
+            <a:ext cx="8229240" cy="858600"/>
           </a:xfrm>
           <a:prstGeom prst="rect">
             <a:avLst/>
@@ -495,10 +477,10 @@
             <a:noAutofit/>
           </a:bodyPr>
           <a:p>
-            <a:endParaRPr b="0" lang="en-US" sz="1400" spc="-1" strike="noStrike">
-              <a:solidFill>
-                <a:srgbClr val="000000"/>
-              </a:solidFill>
+            <a:pPr algn="ctr">
+              <a:buNone/>
+            </a:pPr>
+            <a:endParaRPr b="0" lang="en-US" sz="4400" spc="-1" strike="noStrike">
               <a:latin typeface="Arial"/>
             </a:endParaRPr>
           </a:p>
@@ -516,8 +498,8 @@
         </p:nvSpPr>
         <p:spPr>
           <a:xfrm>
-            <a:off x="311760" y="1389600"/>
-            <a:ext cx="903960" cy="1516320"/>
+            <a:off x="457200" y="1203480"/>
+            <a:ext cx="2649600" cy="1422720"/>
           </a:xfrm>
           <a:prstGeom prst="rect">
             <a:avLst/>
@@ -532,10 +514,7 @@
             <a:normAutofit/>
           </a:bodyPr>
           <a:p>
-            <a:endParaRPr b="0" lang="en-US" sz="1400" spc="-1" strike="noStrike">
-              <a:solidFill>
-                <a:srgbClr val="000000"/>
-              </a:solidFill>
+            <a:endParaRPr b="0" lang="en-US" sz="3200" spc="-1" strike="noStrike">
               <a:latin typeface="Arial"/>
             </a:endParaRPr>
           </a:p>
@@ -553,8 +532,8 @@
         </p:nvSpPr>
         <p:spPr>
           <a:xfrm>
-            <a:off x="1261440" y="1389600"/>
-            <a:ext cx="903960" cy="1516320"/>
+            <a:off x="3239640" y="1203480"/>
+            <a:ext cx="2649600" cy="1422720"/>
           </a:xfrm>
           <a:prstGeom prst="rect">
             <a:avLst/>
@@ -569,10 +548,7 @@
             <a:normAutofit/>
           </a:bodyPr>
           <a:p>
-            <a:endParaRPr b="0" lang="en-US" sz="1400" spc="-1" strike="noStrike">
-              <a:solidFill>
-                <a:srgbClr val="000000"/>
-              </a:solidFill>
+            <a:endParaRPr b="0" lang="en-US" sz="3200" spc="-1" strike="noStrike">
               <a:latin typeface="Arial"/>
             </a:endParaRPr>
           </a:p>
@@ -590,8 +566,8 @@
         </p:nvSpPr>
         <p:spPr>
           <a:xfrm>
-            <a:off x="2210760" y="1389600"/>
-            <a:ext cx="903960" cy="1516320"/>
+            <a:off x="6022080" y="1203480"/>
+            <a:ext cx="2649600" cy="1422720"/>
           </a:xfrm>
           <a:prstGeom prst="rect">
             <a:avLst/>
@@ -606,10 +582,7 @@
             <a:normAutofit/>
           </a:bodyPr>
           <a:p>
-            <a:endParaRPr b="0" lang="en-US" sz="1400" spc="-1" strike="noStrike">
-              <a:solidFill>
-                <a:srgbClr val="000000"/>
-              </a:solidFill>
+            <a:endParaRPr b="0" lang="en-US" sz="3200" spc="-1" strike="noStrike">
               <a:latin typeface="Arial"/>
             </a:endParaRPr>
           </a:p>
@@ -627,8 +600,8 @@
         </p:nvSpPr>
         <p:spPr>
           <a:xfrm>
-            <a:off x="311760" y="3050280"/>
-            <a:ext cx="903960" cy="1516320"/>
+            <a:off x="457200" y="2761920"/>
+            <a:ext cx="2649600" cy="1422720"/>
           </a:xfrm>
           <a:prstGeom prst="rect">
             <a:avLst/>
@@ -643,10 +616,7 @@
             <a:normAutofit/>
           </a:bodyPr>
           <a:p>
-            <a:endParaRPr b="0" lang="en-US" sz="1400" spc="-1" strike="noStrike">
-              <a:solidFill>
-                <a:srgbClr val="000000"/>
-              </a:solidFill>
+            <a:endParaRPr b="0" lang="en-US" sz="3200" spc="-1" strike="noStrike">
               <a:latin typeface="Arial"/>
             </a:endParaRPr>
           </a:p>
@@ -664,8 +634,8 @@
         </p:nvSpPr>
         <p:spPr>
           <a:xfrm>
-            <a:off x="1261440" y="3050280"/>
-            <a:ext cx="903960" cy="1516320"/>
+            <a:off x="3239640" y="2761920"/>
+            <a:ext cx="2649600" cy="1422720"/>
           </a:xfrm>
           <a:prstGeom prst="rect">
             <a:avLst/>
@@ -680,10 +650,7 @@
             <a:normAutofit/>
           </a:bodyPr>
           <a:p>
-            <a:endParaRPr b="0" lang="en-US" sz="1400" spc="-1" strike="noStrike">
-              <a:solidFill>
-                <a:srgbClr val="000000"/>
-              </a:solidFill>
+            <a:endParaRPr b="0" lang="en-US" sz="3200" spc="-1" strike="noStrike">
               <a:latin typeface="Arial"/>
             </a:endParaRPr>
           </a:p>
@@ -701,8 +668,8 @@
         </p:nvSpPr>
         <p:spPr>
           <a:xfrm>
-            <a:off x="2210760" y="3050280"/>
-            <a:ext cx="903960" cy="1516320"/>
+            <a:off x="6022080" y="2761920"/>
+            <a:ext cx="2649600" cy="1422720"/>
           </a:xfrm>
           <a:prstGeom prst="rect">
             <a:avLst/>
@@ -717,10 +684,7 @@
             <a:normAutofit/>
           </a:bodyPr>
           <a:p>
-            <a:endParaRPr b="0" lang="en-US" sz="1400" spc="-1" strike="noStrike">
-              <a:solidFill>
-                <a:srgbClr val="000000"/>
-              </a:solidFill>
+            <a:endParaRPr b="0" lang="en-US" sz="3200" spc="-1" strike="noStrike">
               <a:latin typeface="Arial"/>
             </a:endParaRPr>
           </a:p>
@@ -740,7 +704,7 @@
         <p:txBody>
           <a:bodyPr/>
           <a:p>
-            <a:fld id="{259EBC4F-D8BD-48D8-80FF-096BC4C83B2E}" type="slidenum">
+            <a:fld id="{E342A3B1-3437-4914-B41B-F419973290F1}" type="slidenum">
               <a:t>&lt;#&gt;</a:t>
             </a:fld>
           </a:p>
@@ -782,7 +746,7 @@
         <p:txBody>
           <a:bodyPr/>
           <a:p>
-            <a:fld id="{C5145949-1FBF-4BC9-9BA0-D4DD2245B467}" type="slidenum">
+            <a:fld id="{01E6CD19-8FC2-4D9C-8E88-92D1E72BD8C8}" type="slidenum">
               <a:t>&lt;#&gt;</a:t>
             </a:fld>
           </a:p>
@@ -822,8 +786,8 @@
         </p:nvSpPr>
         <p:spPr>
           <a:xfrm>
-            <a:off x="311760" y="555480"/>
-            <a:ext cx="2807640" cy="755280"/>
+            <a:off x="457200" y="205200"/>
+            <a:ext cx="8229240" cy="858600"/>
           </a:xfrm>
           <a:prstGeom prst="rect">
             <a:avLst/>
@@ -838,10 +802,10 @@
             <a:noAutofit/>
           </a:bodyPr>
           <a:p>
-            <a:endParaRPr b="0" lang="en-US" sz="1400" spc="-1" strike="noStrike">
-              <a:solidFill>
-                <a:srgbClr val="000000"/>
-              </a:solidFill>
+            <a:pPr algn="ctr">
+              <a:buNone/>
+            </a:pPr>
+            <a:endParaRPr b="0" lang="en-US" sz="4400" spc="-1" strike="noStrike">
               <a:latin typeface="Arial"/>
             </a:endParaRPr>
           </a:p>
@@ -859,8 +823,8 @@
         </p:nvSpPr>
         <p:spPr>
           <a:xfrm>
-            <a:off x="311760" y="1389600"/>
-            <a:ext cx="2807640" cy="3179160"/>
+            <a:off x="457200" y="1203480"/>
+            <a:ext cx="8229240" cy="2982960"/>
           </a:xfrm>
           <a:prstGeom prst="rect">
             <a:avLst/>
@@ -898,7 +862,7 @@
         <p:txBody>
           <a:bodyPr/>
           <a:p>
-            <a:fld id="{15118446-6B73-4095-9CB9-AB66E13176A9}" type="slidenum">
+            <a:fld id="{DCEB124D-0635-4648-B6DD-86E588CF3EAF}" type="slidenum">
               <a:t>&lt;#&gt;</a:t>
             </a:fld>
           </a:p>
@@ -938,8 +902,8 @@
         </p:nvSpPr>
         <p:spPr>
           <a:xfrm>
-            <a:off x="311760" y="555480"/>
-            <a:ext cx="2807640" cy="755280"/>
+            <a:off x="457200" y="205200"/>
+            <a:ext cx="8229240" cy="858600"/>
           </a:xfrm>
           <a:prstGeom prst="rect">
             <a:avLst/>
@@ -954,10 +918,10 @@
             <a:noAutofit/>
           </a:bodyPr>
           <a:p>
-            <a:endParaRPr b="0" lang="en-US" sz="1400" spc="-1" strike="noStrike">
-              <a:solidFill>
-                <a:srgbClr val="000000"/>
-              </a:solidFill>
+            <a:pPr algn="ctr">
+              <a:buNone/>
+            </a:pPr>
+            <a:endParaRPr b="0" lang="en-US" sz="4400" spc="-1" strike="noStrike">
               <a:latin typeface="Arial"/>
             </a:endParaRPr>
           </a:p>
@@ -975,8 +939,8 @@
         </p:nvSpPr>
         <p:spPr>
           <a:xfrm>
-            <a:off x="311760" y="1389600"/>
-            <a:ext cx="2807640" cy="3179160"/>
+            <a:off x="457200" y="1203480"/>
+            <a:ext cx="8229240" cy="2982960"/>
           </a:xfrm>
           <a:prstGeom prst="rect">
             <a:avLst/>
@@ -991,10 +955,7 @@
             <a:normAutofit/>
           </a:bodyPr>
           <a:p>
-            <a:endParaRPr b="0" lang="en-US" sz="1400" spc="-1" strike="noStrike">
-              <a:solidFill>
-                <a:srgbClr val="000000"/>
-              </a:solidFill>
+            <a:endParaRPr b="0" lang="en-US" sz="3200" spc="-1" strike="noStrike">
               <a:latin typeface="Arial"/>
             </a:endParaRPr>
           </a:p>
@@ -1014,7 +975,7 @@
         <p:txBody>
           <a:bodyPr/>
           <a:p>
-            <a:fld id="{AA774205-83B7-43C9-8207-8A577834B37A}" type="slidenum">
+            <a:fld id="{016152FA-7073-4B94-98C8-D4E0DBD6963B}" type="slidenum">
               <a:t>&lt;#&gt;</a:t>
             </a:fld>
           </a:p>
@@ -1054,8 +1015,8 @@
         </p:nvSpPr>
         <p:spPr>
           <a:xfrm>
-            <a:off x="311760" y="555480"/>
-            <a:ext cx="2807640" cy="755280"/>
+            <a:off x="457200" y="205200"/>
+            <a:ext cx="8229240" cy="858600"/>
           </a:xfrm>
           <a:prstGeom prst="rect">
             <a:avLst/>
@@ -1070,10 +1031,10 @@
             <a:noAutofit/>
           </a:bodyPr>
           <a:p>
-            <a:endParaRPr b="0" lang="en-US" sz="1400" spc="-1" strike="noStrike">
-              <a:solidFill>
-                <a:srgbClr val="000000"/>
-              </a:solidFill>
+            <a:pPr algn="ctr">
+              <a:buNone/>
+            </a:pPr>
+            <a:endParaRPr b="0" lang="en-US" sz="4400" spc="-1" strike="noStrike">
               <a:latin typeface="Arial"/>
             </a:endParaRPr>
           </a:p>
@@ -1091,8 +1052,8 @@
         </p:nvSpPr>
         <p:spPr>
           <a:xfrm>
-            <a:off x="311760" y="1389600"/>
-            <a:ext cx="1369800" cy="3179160"/>
+            <a:off x="457200" y="1203480"/>
+            <a:ext cx="4015800" cy="2982960"/>
           </a:xfrm>
           <a:prstGeom prst="rect">
             <a:avLst/>
@@ -1107,10 +1068,7 @@
             <a:normAutofit/>
           </a:bodyPr>
           <a:p>
-            <a:endParaRPr b="0" lang="en-US" sz="1400" spc="-1" strike="noStrike">
-              <a:solidFill>
-                <a:srgbClr val="000000"/>
-              </a:solidFill>
+            <a:endParaRPr b="0" lang="en-US" sz="3200" spc="-1" strike="noStrike">
               <a:latin typeface="Arial"/>
             </a:endParaRPr>
           </a:p>
@@ -1128,8 +1086,8 @@
         </p:nvSpPr>
         <p:spPr>
           <a:xfrm>
-            <a:off x="1750320" y="1389600"/>
-            <a:ext cx="1369800" cy="3179160"/>
+            <a:off x="4674240" y="1203480"/>
+            <a:ext cx="4015800" cy="2982960"/>
           </a:xfrm>
           <a:prstGeom prst="rect">
             <a:avLst/>
@@ -1144,10 +1102,7 @@
             <a:normAutofit/>
           </a:bodyPr>
           <a:p>
-            <a:endParaRPr b="0" lang="en-US" sz="1400" spc="-1" strike="noStrike">
-              <a:solidFill>
-                <a:srgbClr val="000000"/>
-              </a:solidFill>
+            <a:endParaRPr b="0" lang="en-US" sz="3200" spc="-1" strike="noStrike">
               <a:latin typeface="Arial"/>
             </a:endParaRPr>
           </a:p>
@@ -1167,7 +1122,7 @@
         <p:txBody>
           <a:bodyPr/>
           <a:p>
-            <a:fld id="{D26E295E-3328-43B3-9C7E-D534F33F0F36}" type="slidenum">
+            <a:fld id="{FB60FC6B-3433-4304-9C13-F23E0C7CC41F}" type="slidenum">
               <a:t>&lt;#&gt;</a:t>
             </a:fld>
           </a:p>
@@ -1207,8 +1162,8 @@
         </p:nvSpPr>
         <p:spPr>
           <a:xfrm>
-            <a:off x="311760" y="555480"/>
-            <a:ext cx="2807640" cy="755280"/>
+            <a:off x="457200" y="205200"/>
+            <a:ext cx="8229240" cy="858600"/>
           </a:xfrm>
           <a:prstGeom prst="rect">
             <a:avLst/>
@@ -1223,10 +1178,10 @@
             <a:noAutofit/>
           </a:bodyPr>
           <a:p>
-            <a:endParaRPr b="0" lang="en-US" sz="1400" spc="-1" strike="noStrike">
-              <a:solidFill>
-                <a:srgbClr val="000000"/>
-              </a:solidFill>
+            <a:pPr algn="ctr">
+              <a:buNone/>
+            </a:pPr>
+            <a:endParaRPr b="0" lang="en-US" sz="4400" spc="-1" strike="noStrike">
               <a:latin typeface="Arial"/>
             </a:endParaRPr>
           </a:p>
@@ -1246,7 +1201,7 @@
         <p:txBody>
           <a:bodyPr/>
           <a:p>
-            <a:fld id="{F845C55A-1159-4A67-8B87-D0BE168BF4A5}" type="slidenum">
+            <a:fld id="{485BA0DC-88D7-44CC-801B-8FB04B18478C}" type="slidenum">
               <a:t>&lt;#&gt;</a:t>
             </a:fld>
           </a:p>
@@ -1286,8 +1241,8 @@
         </p:nvSpPr>
         <p:spPr>
           <a:xfrm>
-            <a:off x="311760" y="555480"/>
-            <a:ext cx="2807640" cy="3502440"/>
+            <a:off x="457200" y="205200"/>
+            <a:ext cx="8229240" cy="3981240"/>
           </a:xfrm>
           <a:prstGeom prst="rect">
             <a:avLst/>
@@ -1325,7 +1280,7 @@
         <p:txBody>
           <a:bodyPr/>
           <a:p>
-            <a:fld id="{9C29A554-361E-4234-8B34-68C196B982E9}" type="slidenum">
+            <a:fld id="{38D9C613-6A8E-436A-A3DA-5BD59A04A660}" type="slidenum">
               <a:t>&lt;#&gt;</a:t>
             </a:fld>
           </a:p>
@@ -1365,8 +1320,8 @@
         </p:nvSpPr>
         <p:spPr>
           <a:xfrm>
-            <a:off x="311760" y="555480"/>
-            <a:ext cx="2807640" cy="755280"/>
+            <a:off x="457200" y="205200"/>
+            <a:ext cx="8229240" cy="858600"/>
           </a:xfrm>
           <a:prstGeom prst="rect">
             <a:avLst/>
@@ -1381,10 +1336,10 @@
             <a:noAutofit/>
           </a:bodyPr>
           <a:p>
-            <a:endParaRPr b="0" lang="en-US" sz="1400" spc="-1" strike="noStrike">
-              <a:solidFill>
-                <a:srgbClr val="000000"/>
-              </a:solidFill>
+            <a:pPr algn="ctr">
+              <a:buNone/>
+            </a:pPr>
+            <a:endParaRPr b="0" lang="en-US" sz="4400" spc="-1" strike="noStrike">
               <a:latin typeface="Arial"/>
             </a:endParaRPr>
           </a:p>
@@ -1402,8 +1357,8 @@
         </p:nvSpPr>
         <p:spPr>
           <a:xfrm>
-            <a:off x="311760" y="1389600"/>
-            <a:ext cx="1369800" cy="1516320"/>
+            <a:off x="457200" y="1203480"/>
+            <a:ext cx="4015800" cy="1422720"/>
           </a:xfrm>
           <a:prstGeom prst="rect">
             <a:avLst/>
@@ -1418,10 +1373,7 @@
             <a:normAutofit/>
           </a:bodyPr>
           <a:p>
-            <a:endParaRPr b="0" lang="en-US" sz="1400" spc="-1" strike="noStrike">
-              <a:solidFill>
-                <a:srgbClr val="000000"/>
-              </a:solidFill>
+            <a:endParaRPr b="0" lang="en-US" sz="3200" spc="-1" strike="noStrike">
               <a:latin typeface="Arial"/>
             </a:endParaRPr>
           </a:p>
@@ -1439,8 +1391,8 @@
         </p:nvSpPr>
         <p:spPr>
           <a:xfrm>
-            <a:off x="1750320" y="1389600"/>
-            <a:ext cx="1369800" cy="3179160"/>
+            <a:off x="4674240" y="1203480"/>
+            <a:ext cx="4015800" cy="2982960"/>
           </a:xfrm>
           <a:prstGeom prst="rect">
             <a:avLst/>
@@ -1455,10 +1407,7 @@
             <a:normAutofit/>
           </a:bodyPr>
           <a:p>
-            <a:endParaRPr b="0" lang="en-US" sz="1400" spc="-1" strike="noStrike">
-              <a:solidFill>
-                <a:srgbClr val="000000"/>
-              </a:solidFill>
+            <a:endParaRPr b="0" lang="en-US" sz="3200" spc="-1" strike="noStrike">
               <a:latin typeface="Arial"/>
             </a:endParaRPr>
           </a:p>
@@ -1476,8 +1425,8 @@
         </p:nvSpPr>
         <p:spPr>
           <a:xfrm>
-            <a:off x="311760" y="3050280"/>
-            <a:ext cx="1369800" cy="1516320"/>
+            <a:off x="457200" y="2761920"/>
+            <a:ext cx="4015800" cy="1422720"/>
           </a:xfrm>
           <a:prstGeom prst="rect">
             <a:avLst/>
@@ -1492,10 +1441,7 @@
             <a:normAutofit/>
           </a:bodyPr>
           <a:p>
-            <a:endParaRPr b="0" lang="en-US" sz="1400" spc="-1" strike="noStrike">
-              <a:solidFill>
-                <a:srgbClr val="000000"/>
-              </a:solidFill>
+            <a:endParaRPr b="0" lang="en-US" sz="3200" spc="-1" strike="noStrike">
               <a:latin typeface="Arial"/>
             </a:endParaRPr>
           </a:p>
@@ -1515,7 +1461,7 @@
         <p:txBody>
           <a:bodyPr/>
           <a:p>
-            <a:fld id="{AC310F55-0CB4-48D0-87EA-8F404D992B05}" type="slidenum">
+            <a:fld id="{8F89063E-F948-4F40-922C-61B7B448D568}" type="slidenum">
               <a:t>&lt;#&gt;</a:t>
             </a:fld>
           </a:p>
@@ -1555,8 +1501,8 @@
         </p:nvSpPr>
         <p:spPr>
           <a:xfrm>
-            <a:off x="311760" y="555480"/>
-            <a:ext cx="2807640" cy="755280"/>
+            <a:off x="457200" y="205200"/>
+            <a:ext cx="8229240" cy="858600"/>
           </a:xfrm>
           <a:prstGeom prst="rect">
             <a:avLst/>
@@ -1571,10 +1517,10 @@
             <a:noAutofit/>
           </a:bodyPr>
           <a:p>
-            <a:endParaRPr b="0" lang="en-US" sz="1400" spc="-1" strike="noStrike">
-              <a:solidFill>
-                <a:srgbClr val="000000"/>
-              </a:solidFill>
+            <a:pPr algn="ctr">
+              <a:buNone/>
+            </a:pPr>
+            <a:endParaRPr b="0" lang="en-US" sz="4400" spc="-1" strike="noStrike">
               <a:latin typeface="Arial"/>
             </a:endParaRPr>
           </a:p>
@@ -1592,8 +1538,8 @@
         </p:nvSpPr>
         <p:spPr>
           <a:xfrm>
-            <a:off x="311760" y="1389600"/>
-            <a:ext cx="2807640" cy="3179160"/>
+            <a:off x="457200" y="1203480"/>
+            <a:ext cx="8229240" cy="2982960"/>
           </a:xfrm>
           <a:prstGeom prst="rect">
             <a:avLst/>
@@ -1631,7 +1577,7 @@
         <p:txBody>
           <a:bodyPr/>
           <a:p>
-            <a:fld id="{47B3C684-AC0F-4840-A2EF-DC0D40B6DCEE}" type="slidenum">
+            <a:fld id="{ADB76C90-4456-48D1-AEC3-712ADFCDD111}" type="slidenum">
               <a:t>&lt;#&gt;</a:t>
             </a:fld>
           </a:p>
@@ -1671,8 +1617,8 @@
         </p:nvSpPr>
         <p:spPr>
           <a:xfrm>
-            <a:off x="311760" y="555480"/>
-            <a:ext cx="2807640" cy="755280"/>
+            <a:off x="457200" y="205200"/>
+            <a:ext cx="8229240" cy="858600"/>
           </a:xfrm>
           <a:prstGeom prst="rect">
             <a:avLst/>
@@ -1687,10 +1633,10 @@
             <a:noAutofit/>
           </a:bodyPr>
           <a:p>
-            <a:endParaRPr b="0" lang="en-US" sz="1400" spc="-1" strike="noStrike">
-              <a:solidFill>
-                <a:srgbClr val="000000"/>
-              </a:solidFill>
+            <a:pPr algn="ctr">
+              <a:buNone/>
+            </a:pPr>
+            <a:endParaRPr b="0" lang="en-US" sz="4400" spc="-1" strike="noStrike">
               <a:latin typeface="Arial"/>
             </a:endParaRPr>
           </a:p>
@@ -1708,8 +1654,8 @@
         </p:nvSpPr>
         <p:spPr>
           <a:xfrm>
-            <a:off x="311760" y="1389600"/>
-            <a:ext cx="1369800" cy="3179160"/>
+            <a:off x="457200" y="1203480"/>
+            <a:ext cx="4015800" cy="2982960"/>
           </a:xfrm>
           <a:prstGeom prst="rect">
             <a:avLst/>
@@ -1724,10 +1670,7 @@
             <a:normAutofit/>
           </a:bodyPr>
           <a:p>
-            <a:endParaRPr b="0" lang="en-US" sz="1400" spc="-1" strike="noStrike">
-              <a:solidFill>
-                <a:srgbClr val="000000"/>
-              </a:solidFill>
+            <a:endParaRPr b="0" lang="en-US" sz="3200" spc="-1" strike="noStrike">
               <a:latin typeface="Arial"/>
             </a:endParaRPr>
           </a:p>
@@ -1745,8 +1688,8 @@
         </p:nvSpPr>
         <p:spPr>
           <a:xfrm>
-            <a:off x="1750320" y="1389600"/>
-            <a:ext cx="1369800" cy="1516320"/>
+            <a:off x="4674240" y="1203480"/>
+            <a:ext cx="4015800" cy="1422720"/>
           </a:xfrm>
           <a:prstGeom prst="rect">
             <a:avLst/>
@@ -1761,10 +1704,7 @@
             <a:normAutofit/>
           </a:bodyPr>
           <a:p>
-            <a:endParaRPr b="0" lang="en-US" sz="1400" spc="-1" strike="noStrike">
-              <a:solidFill>
-                <a:srgbClr val="000000"/>
-              </a:solidFill>
+            <a:endParaRPr b="0" lang="en-US" sz="3200" spc="-1" strike="noStrike">
               <a:latin typeface="Arial"/>
             </a:endParaRPr>
           </a:p>
@@ -1782,8 +1722,8 @@
         </p:nvSpPr>
         <p:spPr>
           <a:xfrm>
-            <a:off x="1750320" y="3050280"/>
-            <a:ext cx="1369800" cy="1516320"/>
+            <a:off x="4674240" y="2761920"/>
+            <a:ext cx="4015800" cy="1422720"/>
           </a:xfrm>
           <a:prstGeom prst="rect">
             <a:avLst/>
@@ -1798,10 +1738,7 @@
             <a:normAutofit/>
           </a:bodyPr>
           <a:p>
-            <a:endParaRPr b="0" lang="en-US" sz="1400" spc="-1" strike="noStrike">
-              <a:solidFill>
-                <a:srgbClr val="000000"/>
-              </a:solidFill>
+            <a:endParaRPr b="0" lang="en-US" sz="3200" spc="-1" strike="noStrike">
               <a:latin typeface="Arial"/>
             </a:endParaRPr>
           </a:p>
@@ -1821,7 +1758,7 @@
         <p:txBody>
           <a:bodyPr/>
           <a:p>
-            <a:fld id="{62FDEEC2-5CCF-47D0-818F-9E2EA98C754E}" type="slidenum">
+            <a:fld id="{387EADE6-51E8-41C1-8515-10F0B5CCFB58}" type="slidenum">
               <a:t>&lt;#&gt;</a:t>
             </a:fld>
           </a:p>
@@ -1861,8 +1798,8 @@
         </p:nvSpPr>
         <p:spPr>
           <a:xfrm>
-            <a:off x="311760" y="555480"/>
-            <a:ext cx="2807640" cy="755280"/>
+            <a:off x="457200" y="205200"/>
+            <a:ext cx="8229240" cy="858600"/>
           </a:xfrm>
           <a:prstGeom prst="rect">
             <a:avLst/>
@@ -1877,10 +1814,10 @@
             <a:noAutofit/>
           </a:bodyPr>
           <a:p>
-            <a:endParaRPr b="0" lang="en-US" sz="1400" spc="-1" strike="noStrike">
-              <a:solidFill>
-                <a:srgbClr val="000000"/>
-              </a:solidFill>
+            <a:pPr algn="ctr">
+              <a:buNone/>
+            </a:pPr>
+            <a:endParaRPr b="0" lang="en-US" sz="4400" spc="-1" strike="noStrike">
               <a:latin typeface="Arial"/>
             </a:endParaRPr>
           </a:p>
@@ -1898,8 +1835,8 @@
         </p:nvSpPr>
         <p:spPr>
           <a:xfrm>
-            <a:off x="311760" y="1389600"/>
-            <a:ext cx="1369800" cy="1516320"/>
+            <a:off x="457200" y="1203480"/>
+            <a:ext cx="4015800" cy="1422720"/>
           </a:xfrm>
           <a:prstGeom prst="rect">
             <a:avLst/>
@@ -1914,10 +1851,7 @@
             <a:normAutofit/>
           </a:bodyPr>
           <a:p>
-            <a:endParaRPr b="0" lang="en-US" sz="1400" spc="-1" strike="noStrike">
-              <a:solidFill>
-                <a:srgbClr val="000000"/>
-              </a:solidFill>
+            <a:endParaRPr b="0" lang="en-US" sz="3200" spc="-1" strike="noStrike">
               <a:latin typeface="Arial"/>
             </a:endParaRPr>
           </a:p>
@@ -1935,8 +1869,8 @@
         </p:nvSpPr>
         <p:spPr>
           <a:xfrm>
-            <a:off x="1750320" y="1389600"/>
-            <a:ext cx="1369800" cy="1516320"/>
+            <a:off x="4674240" y="1203480"/>
+            <a:ext cx="4015800" cy="1422720"/>
           </a:xfrm>
           <a:prstGeom prst="rect">
             <a:avLst/>
@@ -1951,10 +1885,7 @@
             <a:normAutofit/>
           </a:bodyPr>
           <a:p>
-            <a:endParaRPr b="0" lang="en-US" sz="1400" spc="-1" strike="noStrike">
-              <a:solidFill>
-                <a:srgbClr val="000000"/>
-              </a:solidFill>
+            <a:endParaRPr b="0" lang="en-US" sz="3200" spc="-1" strike="noStrike">
               <a:latin typeface="Arial"/>
             </a:endParaRPr>
           </a:p>
@@ -1972,8 +1903,8 @@
         </p:nvSpPr>
         <p:spPr>
           <a:xfrm>
-            <a:off x="311760" y="3050280"/>
-            <a:ext cx="2807640" cy="1516320"/>
+            <a:off x="457200" y="2761920"/>
+            <a:ext cx="8229240" cy="1422720"/>
           </a:xfrm>
           <a:prstGeom prst="rect">
             <a:avLst/>
@@ -1988,10 +1919,7 @@
             <a:normAutofit/>
           </a:bodyPr>
           <a:p>
-            <a:endParaRPr b="0" lang="en-US" sz="1400" spc="-1" strike="noStrike">
-              <a:solidFill>
-                <a:srgbClr val="000000"/>
-              </a:solidFill>
+            <a:endParaRPr b="0" lang="en-US" sz="3200" spc="-1" strike="noStrike">
               <a:latin typeface="Arial"/>
             </a:endParaRPr>
           </a:p>
@@ -2011,7 +1939,7 @@
         <p:txBody>
           <a:bodyPr/>
           <a:p>
-            <a:fld id="{5A9EA12A-6F12-4645-806F-83FD23420D7E}" type="slidenum">
+            <a:fld id="{86C7FEC2-7A3F-45DA-BE9E-D23533A204BE}" type="slidenum">
               <a:t>&lt;#&gt;</a:t>
             </a:fld>
           </a:p>
@@ -2051,8 +1979,8 @@
         </p:nvSpPr>
         <p:spPr>
           <a:xfrm>
-            <a:off x="311760" y="555480"/>
-            <a:ext cx="2807640" cy="755280"/>
+            <a:off x="457200" y="205200"/>
+            <a:ext cx="8229240" cy="858600"/>
           </a:xfrm>
           <a:prstGeom prst="rect">
             <a:avLst/>
@@ -2067,10 +1995,10 @@
             <a:noAutofit/>
           </a:bodyPr>
           <a:p>
-            <a:endParaRPr b="0" lang="en-US" sz="1400" spc="-1" strike="noStrike">
-              <a:solidFill>
-                <a:srgbClr val="000000"/>
-              </a:solidFill>
+            <a:pPr algn="ctr">
+              <a:buNone/>
+            </a:pPr>
+            <a:endParaRPr b="0" lang="en-US" sz="4400" spc="-1" strike="noStrike">
               <a:latin typeface="Arial"/>
             </a:endParaRPr>
           </a:p>
@@ -2088,8 +2016,8 @@
         </p:nvSpPr>
         <p:spPr>
           <a:xfrm>
-            <a:off x="311760" y="1389600"/>
-            <a:ext cx="2807640" cy="1516320"/>
+            <a:off x="457200" y="1203480"/>
+            <a:ext cx="8229240" cy="1422720"/>
           </a:xfrm>
           <a:prstGeom prst="rect">
             <a:avLst/>
@@ -2104,10 +2032,7 @@
             <a:normAutofit/>
           </a:bodyPr>
           <a:p>
-            <a:endParaRPr b="0" lang="en-US" sz="1400" spc="-1" strike="noStrike">
-              <a:solidFill>
-                <a:srgbClr val="000000"/>
-              </a:solidFill>
+            <a:endParaRPr b="0" lang="en-US" sz="3200" spc="-1" strike="noStrike">
               <a:latin typeface="Arial"/>
             </a:endParaRPr>
           </a:p>
@@ -2125,8 +2050,8 @@
         </p:nvSpPr>
         <p:spPr>
           <a:xfrm>
-            <a:off x="311760" y="3050280"/>
-            <a:ext cx="2807640" cy="1516320"/>
+            <a:off x="457200" y="2761920"/>
+            <a:ext cx="8229240" cy="1422720"/>
           </a:xfrm>
           <a:prstGeom prst="rect">
             <a:avLst/>
@@ -2141,10 +2066,7 @@
             <a:normAutofit/>
           </a:bodyPr>
           <a:p>
-            <a:endParaRPr b="0" lang="en-US" sz="1400" spc="-1" strike="noStrike">
-              <a:solidFill>
-                <a:srgbClr val="000000"/>
-              </a:solidFill>
+            <a:endParaRPr b="0" lang="en-US" sz="3200" spc="-1" strike="noStrike">
               <a:latin typeface="Arial"/>
             </a:endParaRPr>
           </a:p>
@@ -2164,7 +2086,7 @@
         <p:txBody>
           <a:bodyPr/>
           <a:p>
-            <a:fld id="{49CFA85A-C908-41AB-9487-A857E54B2FCA}" type="slidenum">
+            <a:fld id="{7110D879-D002-4B69-9F96-BA515387A7F3}" type="slidenum">
               <a:t>&lt;#&gt;</a:t>
             </a:fld>
           </a:p>
@@ -2204,8 +2126,8 @@
         </p:nvSpPr>
         <p:spPr>
           <a:xfrm>
-            <a:off x="311760" y="555480"/>
-            <a:ext cx="2807640" cy="755280"/>
+            <a:off x="457200" y="205200"/>
+            <a:ext cx="8229240" cy="858600"/>
           </a:xfrm>
           <a:prstGeom prst="rect">
             <a:avLst/>
@@ -2220,10 +2142,10 @@
             <a:noAutofit/>
           </a:bodyPr>
           <a:p>
-            <a:endParaRPr b="0" lang="en-US" sz="1400" spc="-1" strike="noStrike">
-              <a:solidFill>
-                <a:srgbClr val="000000"/>
-              </a:solidFill>
+            <a:pPr algn="ctr">
+              <a:buNone/>
+            </a:pPr>
+            <a:endParaRPr b="0" lang="en-US" sz="4400" spc="-1" strike="noStrike">
               <a:latin typeface="Arial"/>
             </a:endParaRPr>
           </a:p>
@@ -2241,8 +2163,8 @@
         </p:nvSpPr>
         <p:spPr>
           <a:xfrm>
-            <a:off x="311760" y="1389600"/>
-            <a:ext cx="1369800" cy="1516320"/>
+            <a:off x="457200" y="1203480"/>
+            <a:ext cx="4015800" cy="1422720"/>
           </a:xfrm>
           <a:prstGeom prst="rect">
             <a:avLst/>
@@ -2257,10 +2179,7 @@
             <a:normAutofit/>
           </a:bodyPr>
           <a:p>
-            <a:endParaRPr b="0" lang="en-US" sz="1400" spc="-1" strike="noStrike">
-              <a:solidFill>
-                <a:srgbClr val="000000"/>
-              </a:solidFill>
+            <a:endParaRPr b="0" lang="en-US" sz="3200" spc="-1" strike="noStrike">
               <a:latin typeface="Arial"/>
             </a:endParaRPr>
           </a:p>
@@ -2278,8 +2197,8 @@
         </p:nvSpPr>
         <p:spPr>
           <a:xfrm>
-            <a:off x="1750320" y="1389600"/>
-            <a:ext cx="1369800" cy="1516320"/>
+            <a:off x="4674240" y="1203480"/>
+            <a:ext cx="4015800" cy="1422720"/>
           </a:xfrm>
           <a:prstGeom prst="rect">
             <a:avLst/>
@@ -2294,10 +2213,7 @@
             <a:normAutofit/>
           </a:bodyPr>
           <a:p>
-            <a:endParaRPr b="0" lang="en-US" sz="1400" spc="-1" strike="noStrike">
-              <a:solidFill>
-                <a:srgbClr val="000000"/>
-              </a:solidFill>
+            <a:endParaRPr b="0" lang="en-US" sz="3200" spc="-1" strike="noStrike">
               <a:latin typeface="Arial"/>
             </a:endParaRPr>
           </a:p>
@@ -2315,8 +2231,8 @@
         </p:nvSpPr>
         <p:spPr>
           <a:xfrm>
-            <a:off x="311760" y="3050280"/>
-            <a:ext cx="1369800" cy="1516320"/>
+            <a:off x="457200" y="2761920"/>
+            <a:ext cx="4015800" cy="1422720"/>
           </a:xfrm>
           <a:prstGeom prst="rect">
             <a:avLst/>
@@ -2331,10 +2247,7 @@
             <a:normAutofit/>
           </a:bodyPr>
           <a:p>
-            <a:endParaRPr b="0" lang="en-US" sz="1400" spc="-1" strike="noStrike">
-              <a:solidFill>
-                <a:srgbClr val="000000"/>
-              </a:solidFill>
+            <a:endParaRPr b="0" lang="en-US" sz="3200" spc="-1" strike="noStrike">
               <a:latin typeface="Arial"/>
             </a:endParaRPr>
           </a:p>
@@ -2352,8 +2265,8 @@
         </p:nvSpPr>
         <p:spPr>
           <a:xfrm>
-            <a:off x="1750320" y="3050280"/>
-            <a:ext cx="1369800" cy="1516320"/>
+            <a:off x="4674240" y="2761920"/>
+            <a:ext cx="4015800" cy="1422720"/>
           </a:xfrm>
           <a:prstGeom prst="rect">
             <a:avLst/>
@@ -2368,10 +2281,7 @@
             <a:normAutofit/>
           </a:bodyPr>
           <a:p>
-            <a:endParaRPr b="0" lang="en-US" sz="1400" spc="-1" strike="noStrike">
-              <a:solidFill>
-                <a:srgbClr val="000000"/>
-              </a:solidFill>
+            <a:endParaRPr b="0" lang="en-US" sz="3200" spc="-1" strike="noStrike">
               <a:latin typeface="Arial"/>
             </a:endParaRPr>
           </a:p>
@@ -2391,7 +2301,7 @@
         <p:txBody>
           <a:bodyPr/>
           <a:p>
-            <a:fld id="{D76DEEEF-58FE-47BA-A210-B3A1DF6F5589}" type="slidenum">
+            <a:fld id="{DB5B34CF-F223-4E33-9D02-933BDB5EE2FB}" type="slidenum">
               <a:t>&lt;#&gt;</a:t>
             </a:fld>
           </a:p>
@@ -2431,8 +2341,8 @@
         </p:nvSpPr>
         <p:spPr>
           <a:xfrm>
-            <a:off x="311760" y="555480"/>
-            <a:ext cx="2807640" cy="755280"/>
+            <a:off x="457200" y="205200"/>
+            <a:ext cx="8229240" cy="858600"/>
           </a:xfrm>
           <a:prstGeom prst="rect">
             <a:avLst/>
@@ -2447,10 +2357,10 @@
             <a:noAutofit/>
           </a:bodyPr>
           <a:p>
-            <a:endParaRPr b="0" lang="en-US" sz="1400" spc="-1" strike="noStrike">
-              <a:solidFill>
-                <a:srgbClr val="000000"/>
-              </a:solidFill>
+            <a:pPr algn="ctr">
+              <a:buNone/>
+            </a:pPr>
+            <a:endParaRPr b="0" lang="en-US" sz="4400" spc="-1" strike="noStrike">
               <a:latin typeface="Arial"/>
             </a:endParaRPr>
           </a:p>
@@ -2468,8 +2378,8 @@
         </p:nvSpPr>
         <p:spPr>
           <a:xfrm>
-            <a:off x="311760" y="1389600"/>
-            <a:ext cx="903960" cy="1516320"/>
+            <a:off x="457200" y="1203480"/>
+            <a:ext cx="2649600" cy="1422720"/>
           </a:xfrm>
           <a:prstGeom prst="rect">
             <a:avLst/>
@@ -2484,10 +2394,7 @@
             <a:normAutofit/>
           </a:bodyPr>
           <a:p>
-            <a:endParaRPr b="0" lang="en-US" sz="1400" spc="-1" strike="noStrike">
-              <a:solidFill>
-                <a:srgbClr val="000000"/>
-              </a:solidFill>
+            <a:endParaRPr b="0" lang="en-US" sz="3200" spc="-1" strike="noStrike">
               <a:latin typeface="Arial"/>
             </a:endParaRPr>
           </a:p>
@@ -2505,8 +2412,8 @@
         </p:nvSpPr>
         <p:spPr>
           <a:xfrm>
-            <a:off x="1261440" y="1389600"/>
-            <a:ext cx="903960" cy="1516320"/>
+            <a:off x="3239640" y="1203480"/>
+            <a:ext cx="2649600" cy="1422720"/>
           </a:xfrm>
           <a:prstGeom prst="rect">
             <a:avLst/>
@@ -2521,10 +2428,7 @@
             <a:normAutofit/>
           </a:bodyPr>
           <a:p>
-            <a:endParaRPr b="0" lang="en-US" sz="1400" spc="-1" strike="noStrike">
-              <a:solidFill>
-                <a:srgbClr val="000000"/>
-              </a:solidFill>
+            <a:endParaRPr b="0" lang="en-US" sz="3200" spc="-1" strike="noStrike">
               <a:latin typeface="Arial"/>
             </a:endParaRPr>
           </a:p>
@@ -2542,8 +2446,8 @@
         </p:nvSpPr>
         <p:spPr>
           <a:xfrm>
-            <a:off x="2210760" y="1389600"/>
-            <a:ext cx="903960" cy="1516320"/>
+            <a:off x="6022080" y="1203480"/>
+            <a:ext cx="2649600" cy="1422720"/>
           </a:xfrm>
           <a:prstGeom prst="rect">
             <a:avLst/>
@@ -2558,10 +2462,7 @@
             <a:normAutofit/>
           </a:bodyPr>
           <a:p>
-            <a:endParaRPr b="0" lang="en-US" sz="1400" spc="-1" strike="noStrike">
-              <a:solidFill>
-                <a:srgbClr val="000000"/>
-              </a:solidFill>
+            <a:endParaRPr b="0" lang="en-US" sz="3200" spc="-1" strike="noStrike">
               <a:latin typeface="Arial"/>
             </a:endParaRPr>
           </a:p>
@@ -2579,8 +2480,8 @@
         </p:nvSpPr>
         <p:spPr>
           <a:xfrm>
-            <a:off x="311760" y="3050280"/>
-            <a:ext cx="903960" cy="1516320"/>
+            <a:off x="457200" y="2761920"/>
+            <a:ext cx="2649600" cy="1422720"/>
           </a:xfrm>
           <a:prstGeom prst="rect">
             <a:avLst/>
@@ -2595,10 +2496,7 @@
             <a:normAutofit/>
           </a:bodyPr>
           <a:p>
-            <a:endParaRPr b="0" lang="en-US" sz="1400" spc="-1" strike="noStrike">
-              <a:solidFill>
-                <a:srgbClr val="000000"/>
-              </a:solidFill>
+            <a:endParaRPr b="0" lang="en-US" sz="3200" spc="-1" strike="noStrike">
               <a:latin typeface="Arial"/>
             </a:endParaRPr>
           </a:p>
@@ -2616,8 +2514,8 @@
         </p:nvSpPr>
         <p:spPr>
           <a:xfrm>
-            <a:off x="1261440" y="3050280"/>
-            <a:ext cx="903960" cy="1516320"/>
+            <a:off x="3239640" y="2761920"/>
+            <a:ext cx="2649600" cy="1422720"/>
           </a:xfrm>
           <a:prstGeom prst="rect">
             <a:avLst/>
@@ -2632,10 +2530,7 @@
             <a:normAutofit/>
           </a:bodyPr>
           <a:p>
-            <a:endParaRPr b="0" lang="en-US" sz="1400" spc="-1" strike="noStrike">
-              <a:solidFill>
-                <a:srgbClr val="000000"/>
-              </a:solidFill>
+            <a:endParaRPr b="0" lang="en-US" sz="3200" spc="-1" strike="noStrike">
               <a:latin typeface="Arial"/>
             </a:endParaRPr>
           </a:p>
@@ -2653,8 +2548,8 @@
         </p:nvSpPr>
         <p:spPr>
           <a:xfrm>
-            <a:off x="2210760" y="3050280"/>
-            <a:ext cx="903960" cy="1516320"/>
+            <a:off x="6022080" y="2761920"/>
+            <a:ext cx="2649600" cy="1422720"/>
           </a:xfrm>
           <a:prstGeom prst="rect">
             <a:avLst/>
@@ -2669,10 +2564,7 @@
             <a:normAutofit/>
           </a:bodyPr>
           <a:p>
-            <a:endParaRPr b="0" lang="en-US" sz="1400" spc="-1" strike="noStrike">
-              <a:solidFill>
-                <a:srgbClr val="000000"/>
-              </a:solidFill>
+            <a:endParaRPr b="0" lang="en-US" sz="3200" spc="-1" strike="noStrike">
               <a:latin typeface="Arial"/>
             </a:endParaRPr>
           </a:p>
@@ -2692,7 +2584,7 @@
         <p:txBody>
           <a:bodyPr/>
           <a:p>
-            <a:fld id="{6FED8167-9928-430A-92B4-8B81A9BA067B}" type="slidenum">
+            <a:fld id="{B7D721B7-78C9-42B8-8A08-8B27C69C9D35}" type="slidenum">
               <a:t>&lt;#&gt;</a:t>
             </a:fld>
           </a:p>
@@ -2734,7 +2626,7 @@
         <p:txBody>
           <a:bodyPr/>
           <a:p>
-            <a:fld id="{9CF1D06F-8BF6-489B-9EEC-CA270511AF50}" type="slidenum">
+            <a:fld id="{59373B31-F809-4A68-BA48-F3BA5EA46A6F}" type="slidenum">
               <a:t>&lt;#&gt;</a:t>
             </a:fld>
           </a:p>
@@ -2774,8 +2666,8 @@
         </p:nvSpPr>
         <p:spPr>
           <a:xfrm>
-            <a:off x="311760" y="555480"/>
-            <a:ext cx="2807640" cy="755280"/>
+            <a:off x="457200" y="205200"/>
+            <a:ext cx="8229240" cy="858600"/>
           </a:xfrm>
           <a:prstGeom prst="rect">
             <a:avLst/>
@@ -2790,10 +2682,10 @@
             <a:noAutofit/>
           </a:bodyPr>
           <a:p>
-            <a:endParaRPr b="0" lang="en-US" sz="1400" spc="-1" strike="noStrike">
-              <a:solidFill>
-                <a:srgbClr val="000000"/>
-              </a:solidFill>
+            <a:pPr algn="ctr">
+              <a:buNone/>
+            </a:pPr>
+            <a:endParaRPr b="0" lang="en-US" sz="4400" spc="-1" strike="noStrike">
               <a:latin typeface="Arial"/>
             </a:endParaRPr>
           </a:p>
@@ -2811,8 +2703,8 @@
         </p:nvSpPr>
         <p:spPr>
           <a:xfrm>
-            <a:off x="311760" y="1389600"/>
-            <a:ext cx="2807640" cy="3179160"/>
+            <a:off x="457200" y="1203480"/>
+            <a:ext cx="8229240" cy="2982960"/>
           </a:xfrm>
           <a:prstGeom prst="rect">
             <a:avLst/>
@@ -2850,7 +2742,7 @@
         <p:txBody>
           <a:bodyPr/>
           <a:p>
-            <a:fld id="{F0CE545E-203A-4342-962B-C70952B6E5DA}" type="slidenum">
+            <a:fld id="{7471D19B-915E-4F46-9B81-627AB559225F}" type="slidenum">
               <a:t>&lt;#&gt;</a:t>
             </a:fld>
           </a:p>
@@ -2890,8 +2782,8 @@
         </p:nvSpPr>
         <p:spPr>
           <a:xfrm>
-            <a:off x="311760" y="555480"/>
-            <a:ext cx="2807640" cy="755280"/>
+            <a:off x="457200" y="205200"/>
+            <a:ext cx="8229240" cy="858600"/>
           </a:xfrm>
           <a:prstGeom prst="rect">
             <a:avLst/>
@@ -2906,10 +2798,10 @@
             <a:noAutofit/>
           </a:bodyPr>
           <a:p>
-            <a:endParaRPr b="0" lang="en-US" sz="1400" spc="-1" strike="noStrike">
-              <a:solidFill>
-                <a:srgbClr val="000000"/>
-              </a:solidFill>
+            <a:pPr algn="ctr">
+              <a:buNone/>
+            </a:pPr>
+            <a:endParaRPr b="0" lang="en-US" sz="4400" spc="-1" strike="noStrike">
               <a:latin typeface="Arial"/>
             </a:endParaRPr>
           </a:p>
@@ -2927,8 +2819,8 @@
         </p:nvSpPr>
         <p:spPr>
           <a:xfrm>
-            <a:off x="311760" y="1389600"/>
-            <a:ext cx="2807640" cy="3179160"/>
+            <a:off x="457200" y="1203480"/>
+            <a:ext cx="8229240" cy="2982960"/>
           </a:xfrm>
           <a:prstGeom prst="rect">
             <a:avLst/>
@@ -2943,10 +2835,7 @@
             <a:normAutofit/>
           </a:bodyPr>
           <a:p>
-            <a:endParaRPr b="0" lang="en-US" sz="1400" spc="-1" strike="noStrike">
-              <a:solidFill>
-                <a:srgbClr val="000000"/>
-              </a:solidFill>
+            <a:endParaRPr b="0" lang="en-US" sz="3200" spc="-1" strike="noStrike">
               <a:latin typeface="Arial"/>
             </a:endParaRPr>
           </a:p>
@@ -2966,7 +2855,7 @@
         <p:txBody>
           <a:bodyPr/>
           <a:p>
-            <a:fld id="{84D45C86-7162-4465-BD19-DAFE01900F04}" type="slidenum">
+            <a:fld id="{781FE591-79B7-43C5-920A-4F16621F3CF1}" type="slidenum">
               <a:t>&lt;#&gt;</a:t>
             </a:fld>
           </a:p>
@@ -3006,8 +2895,8 @@
         </p:nvSpPr>
         <p:spPr>
           <a:xfrm>
-            <a:off x="311760" y="555480"/>
-            <a:ext cx="2807640" cy="755280"/>
+            <a:off x="457200" y="205200"/>
+            <a:ext cx="8229240" cy="858600"/>
           </a:xfrm>
           <a:prstGeom prst="rect">
             <a:avLst/>
@@ -3022,10 +2911,10 @@
             <a:noAutofit/>
           </a:bodyPr>
           <a:p>
-            <a:endParaRPr b="0" lang="en-US" sz="1400" spc="-1" strike="noStrike">
-              <a:solidFill>
-                <a:srgbClr val="000000"/>
-              </a:solidFill>
+            <a:pPr algn="ctr">
+              <a:buNone/>
+            </a:pPr>
+            <a:endParaRPr b="0" lang="en-US" sz="4400" spc="-1" strike="noStrike">
               <a:latin typeface="Arial"/>
             </a:endParaRPr>
           </a:p>
@@ -3043,8 +2932,8 @@
         </p:nvSpPr>
         <p:spPr>
           <a:xfrm>
-            <a:off x="311760" y="1389600"/>
-            <a:ext cx="1369800" cy="3179160"/>
+            <a:off x="457200" y="1203480"/>
+            <a:ext cx="4015800" cy="2982960"/>
           </a:xfrm>
           <a:prstGeom prst="rect">
             <a:avLst/>
@@ -3059,10 +2948,7 @@
             <a:normAutofit/>
           </a:bodyPr>
           <a:p>
-            <a:endParaRPr b="0" lang="en-US" sz="1400" spc="-1" strike="noStrike">
-              <a:solidFill>
-                <a:srgbClr val="000000"/>
-              </a:solidFill>
+            <a:endParaRPr b="0" lang="en-US" sz="3200" spc="-1" strike="noStrike">
               <a:latin typeface="Arial"/>
             </a:endParaRPr>
           </a:p>
@@ -3080,8 +2966,8 @@
         </p:nvSpPr>
         <p:spPr>
           <a:xfrm>
-            <a:off x="1750320" y="1389600"/>
-            <a:ext cx="1369800" cy="3179160"/>
+            <a:off x="4674240" y="1203480"/>
+            <a:ext cx="4015800" cy="2982960"/>
           </a:xfrm>
           <a:prstGeom prst="rect">
             <a:avLst/>
@@ -3096,10 +2982,7 @@
             <a:normAutofit/>
           </a:bodyPr>
           <a:p>
-            <a:endParaRPr b="0" lang="en-US" sz="1400" spc="-1" strike="noStrike">
-              <a:solidFill>
-                <a:srgbClr val="000000"/>
-              </a:solidFill>
+            <a:endParaRPr b="0" lang="en-US" sz="3200" spc="-1" strike="noStrike">
               <a:latin typeface="Arial"/>
             </a:endParaRPr>
           </a:p>
@@ -3119,7 +3002,7 @@
         <p:txBody>
           <a:bodyPr/>
           <a:p>
-            <a:fld id="{ABF29E44-6722-4255-8FEA-348FDA5D47AD}" type="slidenum">
+            <a:fld id="{A5114A36-0848-4CD9-890E-E78862B598E6}" type="slidenum">
               <a:t>&lt;#&gt;</a:t>
             </a:fld>
           </a:p>
@@ -3159,8 +3042,8 @@
         </p:nvSpPr>
         <p:spPr>
           <a:xfrm>
-            <a:off x="311760" y="555480"/>
-            <a:ext cx="2807640" cy="755280"/>
+            <a:off x="457200" y="205200"/>
+            <a:ext cx="8229240" cy="858600"/>
           </a:xfrm>
           <a:prstGeom prst="rect">
             <a:avLst/>
@@ -3175,10 +3058,10 @@
             <a:noAutofit/>
           </a:bodyPr>
           <a:p>
-            <a:endParaRPr b="0" lang="en-US" sz="1400" spc="-1" strike="noStrike">
-              <a:solidFill>
-                <a:srgbClr val="000000"/>
-              </a:solidFill>
+            <a:pPr algn="ctr">
+              <a:buNone/>
+            </a:pPr>
+            <a:endParaRPr b="0" lang="en-US" sz="4400" spc="-1" strike="noStrike">
               <a:latin typeface="Arial"/>
             </a:endParaRPr>
           </a:p>
@@ -3198,7 +3081,7 @@
         <p:txBody>
           <a:bodyPr/>
           <a:p>
-            <a:fld id="{0D93F627-A69B-462C-9A77-90657710060C}" type="slidenum">
+            <a:fld id="{61015669-18FB-4264-ACAF-62BFF339312F}" type="slidenum">
               <a:t>&lt;#&gt;</a:t>
             </a:fld>
           </a:p>
@@ -3238,8 +3121,8 @@
         </p:nvSpPr>
         <p:spPr>
           <a:xfrm>
-            <a:off x="311760" y="555480"/>
-            <a:ext cx="2807640" cy="755280"/>
+            <a:off x="457200" y="205200"/>
+            <a:ext cx="8229240" cy="858600"/>
           </a:xfrm>
           <a:prstGeom prst="rect">
             <a:avLst/>
@@ -3254,10 +3137,10 @@
             <a:noAutofit/>
           </a:bodyPr>
           <a:p>
-            <a:endParaRPr b="0" lang="en-US" sz="1400" spc="-1" strike="noStrike">
-              <a:solidFill>
-                <a:srgbClr val="000000"/>
-              </a:solidFill>
+            <a:pPr algn="ctr">
+              <a:buNone/>
+            </a:pPr>
+            <a:endParaRPr b="0" lang="en-US" sz="4400" spc="-1" strike="noStrike">
               <a:latin typeface="Arial"/>
             </a:endParaRPr>
           </a:p>
@@ -3275,8 +3158,8 @@
         </p:nvSpPr>
         <p:spPr>
           <a:xfrm>
-            <a:off x="311760" y="1389600"/>
-            <a:ext cx="2807640" cy="3179160"/>
+            <a:off x="457200" y="1203480"/>
+            <a:ext cx="8229240" cy="2982960"/>
           </a:xfrm>
           <a:prstGeom prst="rect">
             <a:avLst/>
@@ -3291,10 +3174,7 @@
             <a:normAutofit/>
           </a:bodyPr>
           <a:p>
-            <a:endParaRPr b="0" lang="en-US" sz="1400" spc="-1" strike="noStrike">
-              <a:solidFill>
-                <a:srgbClr val="000000"/>
-              </a:solidFill>
+            <a:endParaRPr b="0" lang="en-US" sz="3200" spc="-1" strike="noStrike">
               <a:latin typeface="Arial"/>
             </a:endParaRPr>
           </a:p>
@@ -3314,7 +3194,7 @@
         <p:txBody>
           <a:bodyPr/>
           <a:p>
-            <a:fld id="{C56A0A94-0C11-4163-951A-179F277491C7}" type="slidenum">
+            <a:fld id="{BACA7C55-A4B6-4C35-B646-F6C0A2DB6C28}" type="slidenum">
               <a:t>&lt;#&gt;</a:t>
             </a:fld>
           </a:p>
@@ -3354,8 +3234,8 @@
         </p:nvSpPr>
         <p:spPr>
           <a:xfrm>
-            <a:off x="311760" y="555480"/>
-            <a:ext cx="2807640" cy="3502440"/>
+            <a:off x="457200" y="205200"/>
+            <a:ext cx="8229240" cy="3981240"/>
           </a:xfrm>
           <a:prstGeom prst="rect">
             <a:avLst/>
@@ -3393,7 +3273,7 @@
         <p:txBody>
           <a:bodyPr/>
           <a:p>
-            <a:fld id="{1CC122F6-DC1C-4C39-A5F8-3B4C37FA189D}" type="slidenum">
+            <a:fld id="{85F7144D-69FC-4B97-A803-1A2A66B6E9A4}" type="slidenum">
               <a:t>&lt;#&gt;</a:t>
             </a:fld>
           </a:p>
@@ -3433,8 +3313,8 @@
         </p:nvSpPr>
         <p:spPr>
           <a:xfrm>
-            <a:off x="311760" y="555480"/>
-            <a:ext cx="2807640" cy="755280"/>
+            <a:off x="457200" y="205200"/>
+            <a:ext cx="8229240" cy="858600"/>
           </a:xfrm>
           <a:prstGeom prst="rect">
             <a:avLst/>
@@ -3449,10 +3329,10 @@
             <a:noAutofit/>
           </a:bodyPr>
           <a:p>
-            <a:endParaRPr b="0" lang="en-US" sz="1400" spc="-1" strike="noStrike">
-              <a:solidFill>
-                <a:srgbClr val="000000"/>
-              </a:solidFill>
+            <a:pPr algn="ctr">
+              <a:buNone/>
+            </a:pPr>
+            <a:endParaRPr b="0" lang="en-US" sz="4400" spc="-1" strike="noStrike">
               <a:latin typeface="Arial"/>
             </a:endParaRPr>
           </a:p>
@@ -3470,8 +3350,8 @@
         </p:nvSpPr>
         <p:spPr>
           <a:xfrm>
-            <a:off x="311760" y="1389600"/>
-            <a:ext cx="1369800" cy="1516320"/>
+            <a:off x="457200" y="1203480"/>
+            <a:ext cx="4015800" cy="1422720"/>
           </a:xfrm>
           <a:prstGeom prst="rect">
             <a:avLst/>
@@ -3486,10 +3366,7 @@
             <a:normAutofit/>
           </a:bodyPr>
           <a:p>
-            <a:endParaRPr b="0" lang="en-US" sz="1400" spc="-1" strike="noStrike">
-              <a:solidFill>
-                <a:srgbClr val="000000"/>
-              </a:solidFill>
+            <a:endParaRPr b="0" lang="en-US" sz="3200" spc="-1" strike="noStrike">
               <a:latin typeface="Arial"/>
             </a:endParaRPr>
           </a:p>
@@ -3507,8 +3384,8 @@
         </p:nvSpPr>
         <p:spPr>
           <a:xfrm>
-            <a:off x="1750320" y="1389600"/>
-            <a:ext cx="1369800" cy="3179160"/>
+            <a:off x="4674240" y="1203480"/>
+            <a:ext cx="4015800" cy="2982960"/>
           </a:xfrm>
           <a:prstGeom prst="rect">
             <a:avLst/>
@@ -3523,10 +3400,7 @@
             <a:normAutofit/>
           </a:bodyPr>
           <a:p>
-            <a:endParaRPr b="0" lang="en-US" sz="1400" spc="-1" strike="noStrike">
-              <a:solidFill>
-                <a:srgbClr val="000000"/>
-              </a:solidFill>
+            <a:endParaRPr b="0" lang="en-US" sz="3200" spc="-1" strike="noStrike">
               <a:latin typeface="Arial"/>
             </a:endParaRPr>
           </a:p>
@@ -3544,8 +3418,8 @@
         </p:nvSpPr>
         <p:spPr>
           <a:xfrm>
-            <a:off x="311760" y="3050280"/>
-            <a:ext cx="1369800" cy="1516320"/>
+            <a:off x="457200" y="2761920"/>
+            <a:ext cx="4015800" cy="1422720"/>
           </a:xfrm>
           <a:prstGeom prst="rect">
             <a:avLst/>
@@ -3560,10 +3434,7 @@
             <a:normAutofit/>
           </a:bodyPr>
           <a:p>
-            <a:endParaRPr b="0" lang="en-US" sz="1400" spc="-1" strike="noStrike">
-              <a:solidFill>
-                <a:srgbClr val="000000"/>
-              </a:solidFill>
+            <a:endParaRPr b="0" lang="en-US" sz="3200" spc="-1" strike="noStrike">
               <a:latin typeface="Arial"/>
             </a:endParaRPr>
           </a:p>
@@ -3583,7 +3454,7 @@
         <p:txBody>
           <a:bodyPr/>
           <a:p>
-            <a:fld id="{AA0FD639-7003-428E-AD1D-DF71072C0D41}" type="slidenum">
+            <a:fld id="{F5ABFEFA-D588-4C77-B47C-F63B7065D668}" type="slidenum">
               <a:t>&lt;#&gt;</a:t>
             </a:fld>
           </a:p>
@@ -3623,8 +3494,8 @@
         </p:nvSpPr>
         <p:spPr>
           <a:xfrm>
-            <a:off x="311760" y="555480"/>
-            <a:ext cx="2807640" cy="755280"/>
+            <a:off x="457200" y="205200"/>
+            <a:ext cx="8229240" cy="858600"/>
           </a:xfrm>
           <a:prstGeom prst="rect">
             <a:avLst/>
@@ -3639,10 +3510,10 @@
             <a:noAutofit/>
           </a:bodyPr>
           <a:p>
-            <a:endParaRPr b="0" lang="en-US" sz="1400" spc="-1" strike="noStrike">
-              <a:solidFill>
-                <a:srgbClr val="000000"/>
-              </a:solidFill>
+            <a:pPr algn="ctr">
+              <a:buNone/>
+            </a:pPr>
+            <a:endParaRPr b="0" lang="en-US" sz="4400" spc="-1" strike="noStrike">
               <a:latin typeface="Arial"/>
             </a:endParaRPr>
           </a:p>
@@ -3660,8 +3531,8 @@
         </p:nvSpPr>
         <p:spPr>
           <a:xfrm>
-            <a:off x="311760" y="1389600"/>
-            <a:ext cx="1369800" cy="3179160"/>
+            <a:off x="457200" y="1203480"/>
+            <a:ext cx="4015800" cy="2982960"/>
           </a:xfrm>
           <a:prstGeom prst="rect">
             <a:avLst/>
@@ -3676,10 +3547,7 @@
             <a:normAutofit/>
           </a:bodyPr>
           <a:p>
-            <a:endParaRPr b="0" lang="en-US" sz="1400" spc="-1" strike="noStrike">
-              <a:solidFill>
-                <a:srgbClr val="000000"/>
-              </a:solidFill>
+            <a:endParaRPr b="0" lang="en-US" sz="3200" spc="-1" strike="noStrike">
               <a:latin typeface="Arial"/>
             </a:endParaRPr>
           </a:p>
@@ -3697,8 +3565,8 @@
         </p:nvSpPr>
         <p:spPr>
           <a:xfrm>
-            <a:off x="1750320" y="1389600"/>
-            <a:ext cx="1369800" cy="1516320"/>
+            <a:off x="4674240" y="1203480"/>
+            <a:ext cx="4015800" cy="1422720"/>
           </a:xfrm>
           <a:prstGeom prst="rect">
             <a:avLst/>
@@ -3713,10 +3581,7 @@
             <a:normAutofit/>
           </a:bodyPr>
           <a:p>
-            <a:endParaRPr b="0" lang="en-US" sz="1400" spc="-1" strike="noStrike">
-              <a:solidFill>
-                <a:srgbClr val="000000"/>
-              </a:solidFill>
+            <a:endParaRPr b="0" lang="en-US" sz="3200" spc="-1" strike="noStrike">
               <a:latin typeface="Arial"/>
             </a:endParaRPr>
           </a:p>
@@ -3734,8 +3599,8 @@
         </p:nvSpPr>
         <p:spPr>
           <a:xfrm>
-            <a:off x="1750320" y="3050280"/>
-            <a:ext cx="1369800" cy="1516320"/>
+            <a:off x="4674240" y="2761920"/>
+            <a:ext cx="4015800" cy="1422720"/>
           </a:xfrm>
           <a:prstGeom prst="rect">
             <a:avLst/>
@@ -3750,10 +3615,7 @@
             <a:normAutofit/>
           </a:bodyPr>
           <a:p>
-            <a:endParaRPr b="0" lang="en-US" sz="1400" spc="-1" strike="noStrike">
-              <a:solidFill>
-                <a:srgbClr val="000000"/>
-              </a:solidFill>
+            <a:endParaRPr b="0" lang="en-US" sz="3200" spc="-1" strike="noStrike">
               <a:latin typeface="Arial"/>
             </a:endParaRPr>
           </a:p>
@@ -3773,7 +3635,7 @@
         <p:txBody>
           <a:bodyPr/>
           <a:p>
-            <a:fld id="{C315B3A5-C22E-4612-818A-A0B06B95CA17}" type="slidenum">
+            <a:fld id="{7E232D17-BFAC-4E14-BEA0-C2F645C0A00E}" type="slidenum">
               <a:t>&lt;#&gt;</a:t>
             </a:fld>
           </a:p>
@@ -3813,8 +3675,8 @@
         </p:nvSpPr>
         <p:spPr>
           <a:xfrm>
-            <a:off x="311760" y="555480"/>
-            <a:ext cx="2807640" cy="755280"/>
+            <a:off x="457200" y="205200"/>
+            <a:ext cx="8229240" cy="858600"/>
           </a:xfrm>
           <a:prstGeom prst="rect">
             <a:avLst/>
@@ -3829,10 +3691,10 @@
             <a:noAutofit/>
           </a:bodyPr>
           <a:p>
-            <a:endParaRPr b="0" lang="en-US" sz="1400" spc="-1" strike="noStrike">
-              <a:solidFill>
-                <a:srgbClr val="000000"/>
-              </a:solidFill>
+            <a:pPr algn="ctr">
+              <a:buNone/>
+            </a:pPr>
+            <a:endParaRPr b="0" lang="en-US" sz="4400" spc="-1" strike="noStrike">
               <a:latin typeface="Arial"/>
             </a:endParaRPr>
           </a:p>
@@ -3850,8 +3712,8 @@
         </p:nvSpPr>
         <p:spPr>
           <a:xfrm>
-            <a:off x="311760" y="1389600"/>
-            <a:ext cx="1369800" cy="1516320"/>
+            <a:off x="457200" y="1203480"/>
+            <a:ext cx="4015800" cy="1422720"/>
           </a:xfrm>
           <a:prstGeom prst="rect">
             <a:avLst/>
@@ -3866,10 +3728,7 @@
             <a:normAutofit/>
           </a:bodyPr>
           <a:p>
-            <a:endParaRPr b="0" lang="en-US" sz="1400" spc="-1" strike="noStrike">
-              <a:solidFill>
-                <a:srgbClr val="000000"/>
-              </a:solidFill>
+            <a:endParaRPr b="0" lang="en-US" sz="3200" spc="-1" strike="noStrike">
               <a:latin typeface="Arial"/>
             </a:endParaRPr>
           </a:p>
@@ -3887,8 +3746,8 @@
         </p:nvSpPr>
         <p:spPr>
           <a:xfrm>
-            <a:off x="1750320" y="1389600"/>
-            <a:ext cx="1369800" cy="1516320"/>
+            <a:off x="4674240" y="1203480"/>
+            <a:ext cx="4015800" cy="1422720"/>
           </a:xfrm>
           <a:prstGeom prst="rect">
             <a:avLst/>
@@ -3903,10 +3762,7 @@
             <a:normAutofit/>
           </a:bodyPr>
           <a:p>
-            <a:endParaRPr b="0" lang="en-US" sz="1400" spc="-1" strike="noStrike">
-              <a:solidFill>
-                <a:srgbClr val="000000"/>
-              </a:solidFill>
+            <a:endParaRPr b="0" lang="en-US" sz="3200" spc="-1" strike="noStrike">
               <a:latin typeface="Arial"/>
             </a:endParaRPr>
           </a:p>
@@ -3924,8 +3780,8 @@
         </p:nvSpPr>
         <p:spPr>
           <a:xfrm>
-            <a:off x="311760" y="3050280"/>
-            <a:ext cx="2807640" cy="1516320"/>
+            <a:off x="457200" y="2761920"/>
+            <a:ext cx="8229240" cy="1422720"/>
           </a:xfrm>
           <a:prstGeom prst="rect">
             <a:avLst/>
@@ -3940,10 +3796,7 @@
             <a:normAutofit/>
           </a:bodyPr>
           <a:p>
-            <a:endParaRPr b="0" lang="en-US" sz="1400" spc="-1" strike="noStrike">
-              <a:solidFill>
-                <a:srgbClr val="000000"/>
-              </a:solidFill>
+            <a:endParaRPr b="0" lang="en-US" sz="3200" spc="-1" strike="noStrike">
               <a:latin typeface="Arial"/>
             </a:endParaRPr>
           </a:p>
@@ -3963,7 +3816,7 @@
         <p:txBody>
           <a:bodyPr/>
           <a:p>
-            <a:fld id="{40DA4D07-BB09-4E1C-9A13-3507C0B805A3}" type="slidenum">
+            <a:fld id="{55A64C22-A8A9-4850-88B3-750CC9FD8665}" type="slidenum">
               <a:t>&lt;#&gt;</a:t>
             </a:fld>
           </a:p>
@@ -4003,8 +3856,8 @@
         </p:nvSpPr>
         <p:spPr>
           <a:xfrm>
-            <a:off x="311760" y="555480"/>
-            <a:ext cx="2807640" cy="755280"/>
+            <a:off x="457200" y="205200"/>
+            <a:ext cx="8229240" cy="858600"/>
           </a:xfrm>
           <a:prstGeom prst="rect">
             <a:avLst/>
@@ -4019,10 +3872,10 @@
             <a:noAutofit/>
           </a:bodyPr>
           <a:p>
-            <a:endParaRPr b="0" lang="en-US" sz="1400" spc="-1" strike="noStrike">
-              <a:solidFill>
-                <a:srgbClr val="000000"/>
-              </a:solidFill>
+            <a:pPr algn="ctr">
+              <a:buNone/>
+            </a:pPr>
+            <a:endParaRPr b="0" lang="en-US" sz="4400" spc="-1" strike="noStrike">
               <a:latin typeface="Arial"/>
             </a:endParaRPr>
           </a:p>
@@ -4040,8 +3893,8 @@
         </p:nvSpPr>
         <p:spPr>
           <a:xfrm>
-            <a:off x="311760" y="1389600"/>
-            <a:ext cx="2807640" cy="1516320"/>
+            <a:off x="457200" y="1203480"/>
+            <a:ext cx="8229240" cy="1422720"/>
           </a:xfrm>
           <a:prstGeom prst="rect">
             <a:avLst/>
@@ -4056,10 +3909,7 @@
             <a:normAutofit/>
           </a:bodyPr>
           <a:p>
-            <a:endParaRPr b="0" lang="en-US" sz="1400" spc="-1" strike="noStrike">
-              <a:solidFill>
-                <a:srgbClr val="000000"/>
-              </a:solidFill>
+            <a:endParaRPr b="0" lang="en-US" sz="3200" spc="-1" strike="noStrike">
               <a:latin typeface="Arial"/>
             </a:endParaRPr>
           </a:p>
@@ -4077,8 +3927,8 @@
         </p:nvSpPr>
         <p:spPr>
           <a:xfrm>
-            <a:off x="311760" y="3050280"/>
-            <a:ext cx="2807640" cy="1516320"/>
+            <a:off x="457200" y="2761920"/>
+            <a:ext cx="8229240" cy="1422720"/>
           </a:xfrm>
           <a:prstGeom prst="rect">
             <a:avLst/>
@@ -4093,10 +3943,7 @@
             <a:normAutofit/>
           </a:bodyPr>
           <a:p>
-            <a:endParaRPr b="0" lang="en-US" sz="1400" spc="-1" strike="noStrike">
-              <a:solidFill>
-                <a:srgbClr val="000000"/>
-              </a:solidFill>
+            <a:endParaRPr b="0" lang="en-US" sz="3200" spc="-1" strike="noStrike">
               <a:latin typeface="Arial"/>
             </a:endParaRPr>
           </a:p>
@@ -4116,7 +3963,7 @@
         <p:txBody>
           <a:bodyPr/>
           <a:p>
-            <a:fld id="{D2F00083-B9D2-42A5-9C24-31EC6EEAE9AA}" type="slidenum">
+            <a:fld id="{810B50A6-53BC-4EDB-8D68-CA177BCD0CE0}" type="slidenum">
               <a:t>&lt;#&gt;</a:t>
             </a:fld>
           </a:p>
@@ -4156,8 +4003,8 @@
         </p:nvSpPr>
         <p:spPr>
           <a:xfrm>
-            <a:off x="311760" y="555480"/>
-            <a:ext cx="2807640" cy="755280"/>
+            <a:off x="457200" y="205200"/>
+            <a:ext cx="8229240" cy="858600"/>
           </a:xfrm>
           <a:prstGeom prst="rect">
             <a:avLst/>
@@ -4172,10 +4019,10 @@
             <a:noAutofit/>
           </a:bodyPr>
           <a:p>
-            <a:endParaRPr b="0" lang="en-US" sz="1400" spc="-1" strike="noStrike">
-              <a:solidFill>
-                <a:srgbClr val="000000"/>
-              </a:solidFill>
+            <a:pPr algn="ctr">
+              <a:buNone/>
+            </a:pPr>
+            <a:endParaRPr b="0" lang="en-US" sz="4400" spc="-1" strike="noStrike">
               <a:latin typeface="Arial"/>
             </a:endParaRPr>
           </a:p>
@@ -4193,8 +4040,8 @@
         </p:nvSpPr>
         <p:spPr>
           <a:xfrm>
-            <a:off x="311760" y="1389600"/>
-            <a:ext cx="1369800" cy="1516320"/>
+            <a:off x="457200" y="1203480"/>
+            <a:ext cx="4015800" cy="1422720"/>
           </a:xfrm>
           <a:prstGeom prst="rect">
             <a:avLst/>
@@ -4209,10 +4056,7 @@
             <a:normAutofit/>
           </a:bodyPr>
           <a:p>
-            <a:endParaRPr b="0" lang="en-US" sz="1400" spc="-1" strike="noStrike">
-              <a:solidFill>
-                <a:srgbClr val="000000"/>
-              </a:solidFill>
+            <a:endParaRPr b="0" lang="en-US" sz="3200" spc="-1" strike="noStrike">
               <a:latin typeface="Arial"/>
             </a:endParaRPr>
           </a:p>
@@ -4230,8 +4074,8 @@
         </p:nvSpPr>
         <p:spPr>
           <a:xfrm>
-            <a:off x="1750320" y="1389600"/>
-            <a:ext cx="1369800" cy="1516320"/>
+            <a:off x="4674240" y="1203480"/>
+            <a:ext cx="4015800" cy="1422720"/>
           </a:xfrm>
           <a:prstGeom prst="rect">
             <a:avLst/>
@@ -4246,10 +4090,7 @@
             <a:normAutofit/>
           </a:bodyPr>
           <a:p>
-            <a:endParaRPr b="0" lang="en-US" sz="1400" spc="-1" strike="noStrike">
-              <a:solidFill>
-                <a:srgbClr val="000000"/>
-              </a:solidFill>
+            <a:endParaRPr b="0" lang="en-US" sz="3200" spc="-1" strike="noStrike">
               <a:latin typeface="Arial"/>
             </a:endParaRPr>
           </a:p>
@@ -4267,8 +4108,8 @@
         </p:nvSpPr>
         <p:spPr>
           <a:xfrm>
-            <a:off x="311760" y="3050280"/>
-            <a:ext cx="1369800" cy="1516320"/>
+            <a:off x="457200" y="2761920"/>
+            <a:ext cx="4015800" cy="1422720"/>
           </a:xfrm>
           <a:prstGeom prst="rect">
             <a:avLst/>
@@ -4283,10 +4124,7 @@
             <a:normAutofit/>
           </a:bodyPr>
           <a:p>
-            <a:endParaRPr b="0" lang="en-US" sz="1400" spc="-1" strike="noStrike">
-              <a:solidFill>
-                <a:srgbClr val="000000"/>
-              </a:solidFill>
+            <a:endParaRPr b="0" lang="en-US" sz="3200" spc="-1" strike="noStrike">
               <a:latin typeface="Arial"/>
             </a:endParaRPr>
           </a:p>
@@ -4304,8 +4142,8 @@
         </p:nvSpPr>
         <p:spPr>
           <a:xfrm>
-            <a:off x="1750320" y="3050280"/>
-            <a:ext cx="1369800" cy="1516320"/>
+            <a:off x="4674240" y="2761920"/>
+            <a:ext cx="4015800" cy="1422720"/>
           </a:xfrm>
           <a:prstGeom prst="rect">
             <a:avLst/>
@@ -4320,10 +4158,7 @@
             <a:normAutofit/>
           </a:bodyPr>
           <a:p>
-            <a:endParaRPr b="0" lang="en-US" sz="1400" spc="-1" strike="noStrike">
-              <a:solidFill>
-                <a:srgbClr val="000000"/>
-              </a:solidFill>
+            <a:endParaRPr b="0" lang="en-US" sz="3200" spc="-1" strike="noStrike">
               <a:latin typeface="Arial"/>
             </a:endParaRPr>
           </a:p>
@@ -4343,7 +4178,7 @@
         <p:txBody>
           <a:bodyPr/>
           <a:p>
-            <a:fld id="{AA955AF5-59E3-4405-BF1E-762DA54FB294}" type="slidenum">
+            <a:fld id="{DBF9C9AD-A732-49D7-BF85-CD4C05C38615}" type="slidenum">
               <a:t>&lt;#&gt;</a:t>
             </a:fld>
           </a:p>
@@ -4383,8 +4218,8 @@
         </p:nvSpPr>
         <p:spPr>
           <a:xfrm>
-            <a:off x="311760" y="555480"/>
-            <a:ext cx="2807640" cy="755280"/>
+            <a:off x="457200" y="205200"/>
+            <a:ext cx="8229240" cy="858600"/>
           </a:xfrm>
           <a:prstGeom prst="rect">
             <a:avLst/>
@@ -4399,10 +4234,10 @@
             <a:noAutofit/>
           </a:bodyPr>
           <a:p>
-            <a:endParaRPr b="0" lang="en-US" sz="1400" spc="-1" strike="noStrike">
-              <a:solidFill>
-                <a:srgbClr val="000000"/>
-              </a:solidFill>
+            <a:pPr algn="ctr">
+              <a:buNone/>
+            </a:pPr>
+            <a:endParaRPr b="0" lang="en-US" sz="4400" spc="-1" strike="noStrike">
               <a:latin typeface="Arial"/>
             </a:endParaRPr>
           </a:p>
@@ -4420,8 +4255,8 @@
         </p:nvSpPr>
         <p:spPr>
           <a:xfrm>
-            <a:off x="311760" y="1389600"/>
-            <a:ext cx="903960" cy="1516320"/>
+            <a:off x="457200" y="1203480"/>
+            <a:ext cx="2649600" cy="1422720"/>
           </a:xfrm>
           <a:prstGeom prst="rect">
             <a:avLst/>
@@ -4436,10 +4271,7 @@
             <a:normAutofit/>
           </a:bodyPr>
           <a:p>
-            <a:endParaRPr b="0" lang="en-US" sz="1400" spc="-1" strike="noStrike">
-              <a:solidFill>
-                <a:srgbClr val="000000"/>
-              </a:solidFill>
+            <a:endParaRPr b="0" lang="en-US" sz="3200" spc="-1" strike="noStrike">
               <a:latin typeface="Arial"/>
             </a:endParaRPr>
           </a:p>
@@ -4457,8 +4289,8 @@
         </p:nvSpPr>
         <p:spPr>
           <a:xfrm>
-            <a:off x="1261440" y="1389600"/>
-            <a:ext cx="903960" cy="1516320"/>
+            <a:off x="3239640" y="1203480"/>
+            <a:ext cx="2649600" cy="1422720"/>
           </a:xfrm>
           <a:prstGeom prst="rect">
             <a:avLst/>
@@ -4473,10 +4305,7 @@
             <a:normAutofit/>
           </a:bodyPr>
           <a:p>
-            <a:endParaRPr b="0" lang="en-US" sz="1400" spc="-1" strike="noStrike">
-              <a:solidFill>
-                <a:srgbClr val="000000"/>
-              </a:solidFill>
+            <a:endParaRPr b="0" lang="en-US" sz="3200" spc="-1" strike="noStrike">
               <a:latin typeface="Arial"/>
             </a:endParaRPr>
           </a:p>
@@ -4494,8 +4323,8 @@
         </p:nvSpPr>
         <p:spPr>
           <a:xfrm>
-            <a:off x="2210760" y="1389600"/>
-            <a:ext cx="903960" cy="1516320"/>
+            <a:off x="6022080" y="1203480"/>
+            <a:ext cx="2649600" cy="1422720"/>
           </a:xfrm>
           <a:prstGeom prst="rect">
             <a:avLst/>
@@ -4510,10 +4339,7 @@
             <a:normAutofit/>
           </a:bodyPr>
           <a:p>
-            <a:endParaRPr b="0" lang="en-US" sz="1400" spc="-1" strike="noStrike">
-              <a:solidFill>
-                <a:srgbClr val="000000"/>
-              </a:solidFill>
+            <a:endParaRPr b="0" lang="en-US" sz="3200" spc="-1" strike="noStrike">
               <a:latin typeface="Arial"/>
             </a:endParaRPr>
           </a:p>
@@ -4531,8 +4357,8 @@
         </p:nvSpPr>
         <p:spPr>
           <a:xfrm>
-            <a:off x="311760" y="3050280"/>
-            <a:ext cx="903960" cy="1516320"/>
+            <a:off x="457200" y="2761920"/>
+            <a:ext cx="2649600" cy="1422720"/>
           </a:xfrm>
           <a:prstGeom prst="rect">
             <a:avLst/>
@@ -4547,10 +4373,7 @@
             <a:normAutofit/>
           </a:bodyPr>
           <a:p>
-            <a:endParaRPr b="0" lang="en-US" sz="1400" spc="-1" strike="noStrike">
-              <a:solidFill>
-                <a:srgbClr val="000000"/>
-              </a:solidFill>
+            <a:endParaRPr b="0" lang="en-US" sz="3200" spc="-1" strike="noStrike">
               <a:latin typeface="Arial"/>
             </a:endParaRPr>
           </a:p>
@@ -4568,8 +4391,8 @@
         </p:nvSpPr>
         <p:spPr>
           <a:xfrm>
-            <a:off x="1261440" y="3050280"/>
-            <a:ext cx="903960" cy="1516320"/>
+            <a:off x="3239640" y="2761920"/>
+            <a:ext cx="2649600" cy="1422720"/>
           </a:xfrm>
           <a:prstGeom prst="rect">
             <a:avLst/>
@@ -4584,10 +4407,7 @@
             <a:normAutofit/>
           </a:bodyPr>
           <a:p>
-            <a:endParaRPr b="0" lang="en-US" sz="1400" spc="-1" strike="noStrike">
-              <a:solidFill>
-                <a:srgbClr val="000000"/>
-              </a:solidFill>
+            <a:endParaRPr b="0" lang="en-US" sz="3200" spc="-1" strike="noStrike">
               <a:latin typeface="Arial"/>
             </a:endParaRPr>
           </a:p>
@@ -4605,8 +4425,8 @@
         </p:nvSpPr>
         <p:spPr>
           <a:xfrm>
-            <a:off x="2210760" y="3050280"/>
-            <a:ext cx="903960" cy="1516320"/>
+            <a:off x="6022080" y="2761920"/>
+            <a:ext cx="2649600" cy="1422720"/>
           </a:xfrm>
           <a:prstGeom prst="rect">
             <a:avLst/>
@@ -4621,10 +4441,7 @@
             <a:normAutofit/>
           </a:bodyPr>
           <a:p>
-            <a:endParaRPr b="0" lang="en-US" sz="1400" spc="-1" strike="noStrike">
-              <a:solidFill>
-                <a:srgbClr val="000000"/>
-              </a:solidFill>
+            <a:endParaRPr b="0" lang="en-US" sz="3200" spc="-1" strike="noStrike">
               <a:latin typeface="Arial"/>
             </a:endParaRPr>
           </a:p>
@@ -4644,7 +4461,7 @@
         <p:txBody>
           <a:bodyPr/>
           <a:p>
-            <a:fld id="{459D7757-8B63-4CBA-9FF6-41683119E712}" type="slidenum">
+            <a:fld id="{0F701119-C458-4EF2-8BE7-6CA47C2195E3}" type="slidenum">
               <a:t>&lt;#&gt;</a:t>
             </a:fld>
           </a:p>
@@ -4684,8 +4501,8 @@
         </p:nvSpPr>
         <p:spPr>
           <a:xfrm>
-            <a:off x="311760" y="555480"/>
-            <a:ext cx="2807640" cy="755280"/>
+            <a:off x="457200" y="205200"/>
+            <a:ext cx="8229240" cy="858600"/>
           </a:xfrm>
           <a:prstGeom prst="rect">
             <a:avLst/>
@@ -4700,10 +4517,10 @@
             <a:noAutofit/>
           </a:bodyPr>
           <a:p>
-            <a:endParaRPr b="0" lang="en-US" sz="1400" spc="-1" strike="noStrike">
-              <a:solidFill>
-                <a:srgbClr val="000000"/>
-              </a:solidFill>
+            <a:pPr algn="ctr">
+              <a:buNone/>
+            </a:pPr>
+            <a:endParaRPr b="0" lang="en-US" sz="4400" spc="-1" strike="noStrike">
               <a:latin typeface="Arial"/>
             </a:endParaRPr>
           </a:p>
@@ -4721,8 +4538,8 @@
         </p:nvSpPr>
         <p:spPr>
           <a:xfrm>
-            <a:off x="311760" y="1389600"/>
-            <a:ext cx="1369800" cy="3179160"/>
+            <a:off x="457200" y="1203480"/>
+            <a:ext cx="4015800" cy="2982960"/>
           </a:xfrm>
           <a:prstGeom prst="rect">
             <a:avLst/>
@@ -4737,10 +4554,7 @@
             <a:normAutofit/>
           </a:bodyPr>
           <a:p>
-            <a:endParaRPr b="0" lang="en-US" sz="1400" spc="-1" strike="noStrike">
-              <a:solidFill>
-                <a:srgbClr val="000000"/>
-              </a:solidFill>
+            <a:endParaRPr b="0" lang="en-US" sz="3200" spc="-1" strike="noStrike">
               <a:latin typeface="Arial"/>
             </a:endParaRPr>
           </a:p>
@@ -4758,8 +4572,8 @@
         </p:nvSpPr>
         <p:spPr>
           <a:xfrm>
-            <a:off x="1750320" y="1389600"/>
-            <a:ext cx="1369800" cy="3179160"/>
+            <a:off x="4674240" y="1203480"/>
+            <a:ext cx="4015800" cy="2982960"/>
           </a:xfrm>
           <a:prstGeom prst="rect">
             <a:avLst/>
@@ -4774,10 +4588,7 @@
             <a:normAutofit/>
           </a:bodyPr>
           <a:p>
-            <a:endParaRPr b="0" lang="en-US" sz="1400" spc="-1" strike="noStrike">
-              <a:solidFill>
-                <a:srgbClr val="000000"/>
-              </a:solidFill>
+            <a:endParaRPr b="0" lang="en-US" sz="3200" spc="-1" strike="noStrike">
               <a:latin typeface="Arial"/>
             </a:endParaRPr>
           </a:p>
@@ -4797,7 +4608,7 @@
         <p:txBody>
           <a:bodyPr/>
           <a:p>
-            <a:fld id="{34DF6790-9362-4A3F-9B66-2287BCFDD31A}" type="slidenum">
+            <a:fld id="{921CC0F5-0324-4875-95DA-7F8522E9467C}" type="slidenum">
               <a:t>&lt;#&gt;</a:t>
             </a:fld>
           </a:p>
@@ -4837,8 +4648,8 @@
         </p:nvSpPr>
         <p:spPr>
           <a:xfrm>
-            <a:off x="311760" y="555480"/>
-            <a:ext cx="2807640" cy="755280"/>
+            <a:off x="457200" y="205200"/>
+            <a:ext cx="8229240" cy="858600"/>
           </a:xfrm>
           <a:prstGeom prst="rect">
             <a:avLst/>
@@ -4853,10 +4664,10 @@
             <a:noAutofit/>
           </a:bodyPr>
           <a:p>
-            <a:endParaRPr b="0" lang="en-US" sz="1400" spc="-1" strike="noStrike">
-              <a:solidFill>
-                <a:srgbClr val="000000"/>
-              </a:solidFill>
+            <a:pPr algn="ctr">
+              <a:buNone/>
+            </a:pPr>
+            <a:endParaRPr b="0" lang="en-US" sz="4400" spc="-1" strike="noStrike">
               <a:latin typeface="Arial"/>
             </a:endParaRPr>
           </a:p>
@@ -4876,7 +4687,7 @@
         <p:txBody>
           <a:bodyPr/>
           <a:p>
-            <a:fld id="{187EBBD2-0195-4D2B-B035-AADE0E8D63C3}" type="slidenum">
+            <a:fld id="{0D6B390A-1698-47B1-8AAC-70AB64964D26}" type="slidenum">
               <a:t>&lt;#&gt;</a:t>
             </a:fld>
           </a:p>
@@ -4916,8 +4727,8 @@
         </p:nvSpPr>
         <p:spPr>
           <a:xfrm>
-            <a:off x="311760" y="555480"/>
-            <a:ext cx="2807640" cy="3502440"/>
+            <a:off x="457200" y="205200"/>
+            <a:ext cx="8229240" cy="3981240"/>
           </a:xfrm>
           <a:prstGeom prst="rect">
             <a:avLst/>
@@ -4955,7 +4766,7 @@
         <p:txBody>
           <a:bodyPr/>
           <a:p>
-            <a:fld id="{6471B93A-595F-48FA-8EFC-F89C7F4E1CAD}" type="slidenum">
+            <a:fld id="{D4F610B4-859C-4031-89E9-50CDC829BB0A}" type="slidenum">
               <a:t>&lt;#&gt;</a:t>
             </a:fld>
           </a:p>
@@ -4995,8 +4806,8 @@
         </p:nvSpPr>
         <p:spPr>
           <a:xfrm>
-            <a:off x="311760" y="555480"/>
-            <a:ext cx="2807640" cy="755280"/>
+            <a:off x="457200" y="205200"/>
+            <a:ext cx="8229240" cy="858600"/>
           </a:xfrm>
           <a:prstGeom prst="rect">
             <a:avLst/>
@@ -5011,10 +4822,10 @@
             <a:noAutofit/>
           </a:bodyPr>
           <a:p>
-            <a:endParaRPr b="0" lang="en-US" sz="1400" spc="-1" strike="noStrike">
-              <a:solidFill>
-                <a:srgbClr val="000000"/>
-              </a:solidFill>
+            <a:pPr algn="ctr">
+              <a:buNone/>
+            </a:pPr>
+            <a:endParaRPr b="0" lang="en-US" sz="4400" spc="-1" strike="noStrike">
               <a:latin typeface="Arial"/>
             </a:endParaRPr>
           </a:p>
@@ -5032,8 +4843,8 @@
         </p:nvSpPr>
         <p:spPr>
           <a:xfrm>
-            <a:off x="311760" y="1389600"/>
-            <a:ext cx="1369800" cy="1516320"/>
+            <a:off x="457200" y="1203480"/>
+            <a:ext cx="4015800" cy="1422720"/>
           </a:xfrm>
           <a:prstGeom prst="rect">
             <a:avLst/>
@@ -5048,10 +4859,7 @@
             <a:normAutofit/>
           </a:bodyPr>
           <a:p>
-            <a:endParaRPr b="0" lang="en-US" sz="1400" spc="-1" strike="noStrike">
-              <a:solidFill>
-                <a:srgbClr val="000000"/>
-              </a:solidFill>
+            <a:endParaRPr b="0" lang="en-US" sz="3200" spc="-1" strike="noStrike">
               <a:latin typeface="Arial"/>
             </a:endParaRPr>
           </a:p>
@@ -5069,8 +4877,8 @@
         </p:nvSpPr>
         <p:spPr>
           <a:xfrm>
-            <a:off x="1750320" y="1389600"/>
-            <a:ext cx="1369800" cy="3179160"/>
+            <a:off x="4674240" y="1203480"/>
+            <a:ext cx="4015800" cy="2982960"/>
           </a:xfrm>
           <a:prstGeom prst="rect">
             <a:avLst/>
@@ -5085,10 +4893,7 @@
             <a:normAutofit/>
           </a:bodyPr>
           <a:p>
-            <a:endParaRPr b="0" lang="en-US" sz="1400" spc="-1" strike="noStrike">
-              <a:solidFill>
-                <a:srgbClr val="000000"/>
-              </a:solidFill>
+            <a:endParaRPr b="0" lang="en-US" sz="3200" spc="-1" strike="noStrike">
               <a:latin typeface="Arial"/>
             </a:endParaRPr>
           </a:p>
@@ -5106,8 +4911,8 @@
         </p:nvSpPr>
         <p:spPr>
           <a:xfrm>
-            <a:off x="311760" y="3050280"/>
-            <a:ext cx="1369800" cy="1516320"/>
+            <a:off x="457200" y="2761920"/>
+            <a:ext cx="4015800" cy="1422720"/>
           </a:xfrm>
           <a:prstGeom prst="rect">
             <a:avLst/>
@@ -5122,10 +4927,7 @@
             <a:normAutofit/>
           </a:bodyPr>
           <a:p>
-            <a:endParaRPr b="0" lang="en-US" sz="1400" spc="-1" strike="noStrike">
-              <a:solidFill>
-                <a:srgbClr val="000000"/>
-              </a:solidFill>
+            <a:endParaRPr b="0" lang="en-US" sz="3200" spc="-1" strike="noStrike">
               <a:latin typeface="Arial"/>
             </a:endParaRPr>
           </a:p>
@@ -5145,7 +4947,7 @@
         <p:txBody>
           <a:bodyPr/>
           <a:p>
-            <a:fld id="{AB77C523-4DE8-484F-92D9-CF78D3523355}" type="slidenum">
+            <a:fld id="{BE855123-1B8C-41A6-BD72-A89D207B64E6}" type="slidenum">
               <a:t>&lt;#&gt;</a:t>
             </a:fld>
           </a:p>
@@ -5185,8 +4987,8 @@
         </p:nvSpPr>
         <p:spPr>
           <a:xfrm>
-            <a:off x="311760" y="555480"/>
-            <a:ext cx="2807640" cy="755280"/>
+            <a:off x="457200" y="205200"/>
+            <a:ext cx="8229240" cy="858600"/>
           </a:xfrm>
           <a:prstGeom prst="rect">
             <a:avLst/>
@@ -5201,10 +5003,10 @@
             <a:noAutofit/>
           </a:bodyPr>
           <a:p>
-            <a:endParaRPr b="0" lang="en-US" sz="1400" spc="-1" strike="noStrike">
-              <a:solidFill>
-                <a:srgbClr val="000000"/>
-              </a:solidFill>
+            <a:pPr algn="ctr">
+              <a:buNone/>
+            </a:pPr>
+            <a:endParaRPr b="0" lang="en-US" sz="4400" spc="-1" strike="noStrike">
               <a:latin typeface="Arial"/>
             </a:endParaRPr>
           </a:p>
@@ -5222,8 +5024,8 @@
         </p:nvSpPr>
         <p:spPr>
           <a:xfrm>
-            <a:off x="311760" y="1389600"/>
-            <a:ext cx="1369800" cy="3179160"/>
+            <a:off x="457200" y="1203480"/>
+            <a:ext cx="4015800" cy="2982960"/>
           </a:xfrm>
           <a:prstGeom prst="rect">
             <a:avLst/>
@@ -5238,10 +5040,7 @@
             <a:normAutofit/>
           </a:bodyPr>
           <a:p>
-            <a:endParaRPr b="0" lang="en-US" sz="1400" spc="-1" strike="noStrike">
-              <a:solidFill>
-                <a:srgbClr val="000000"/>
-              </a:solidFill>
+            <a:endParaRPr b="0" lang="en-US" sz="3200" spc="-1" strike="noStrike">
               <a:latin typeface="Arial"/>
             </a:endParaRPr>
           </a:p>
@@ -5259,8 +5058,8 @@
         </p:nvSpPr>
         <p:spPr>
           <a:xfrm>
-            <a:off x="1750320" y="1389600"/>
-            <a:ext cx="1369800" cy="1516320"/>
+            <a:off x="4674240" y="1203480"/>
+            <a:ext cx="4015800" cy="1422720"/>
           </a:xfrm>
           <a:prstGeom prst="rect">
             <a:avLst/>
@@ -5275,10 +5074,7 @@
             <a:normAutofit/>
           </a:bodyPr>
           <a:p>
-            <a:endParaRPr b="0" lang="en-US" sz="1400" spc="-1" strike="noStrike">
-              <a:solidFill>
-                <a:srgbClr val="000000"/>
-              </a:solidFill>
+            <a:endParaRPr b="0" lang="en-US" sz="3200" spc="-1" strike="noStrike">
               <a:latin typeface="Arial"/>
             </a:endParaRPr>
           </a:p>
@@ -5296,8 +5092,8 @@
         </p:nvSpPr>
         <p:spPr>
           <a:xfrm>
-            <a:off x="1750320" y="3050280"/>
-            <a:ext cx="1369800" cy="1516320"/>
+            <a:off x="4674240" y="2761920"/>
+            <a:ext cx="4015800" cy="1422720"/>
           </a:xfrm>
           <a:prstGeom prst="rect">
             <a:avLst/>
@@ -5312,10 +5108,7 @@
             <a:normAutofit/>
           </a:bodyPr>
           <a:p>
-            <a:endParaRPr b="0" lang="en-US" sz="1400" spc="-1" strike="noStrike">
-              <a:solidFill>
-                <a:srgbClr val="000000"/>
-              </a:solidFill>
+            <a:endParaRPr b="0" lang="en-US" sz="3200" spc="-1" strike="noStrike">
               <a:latin typeface="Arial"/>
             </a:endParaRPr>
           </a:p>
@@ -5335,7 +5128,7 @@
         <p:txBody>
           <a:bodyPr/>
           <a:p>
-            <a:fld id="{DE9F8E00-C87F-4825-B7F9-81DB4EAC90F0}" type="slidenum">
+            <a:fld id="{4F45A99C-CC22-49A9-B369-8145AD55017E}" type="slidenum">
               <a:t>&lt;#&gt;</a:t>
             </a:fld>
           </a:p>
@@ -5375,8 +5168,8 @@
         </p:nvSpPr>
         <p:spPr>
           <a:xfrm>
-            <a:off x="311760" y="555480"/>
-            <a:ext cx="2807640" cy="755280"/>
+            <a:off x="457200" y="205200"/>
+            <a:ext cx="8229240" cy="858600"/>
           </a:xfrm>
           <a:prstGeom prst="rect">
             <a:avLst/>
@@ -5391,10 +5184,10 @@
             <a:noAutofit/>
           </a:bodyPr>
           <a:p>
-            <a:endParaRPr b="0" lang="en-US" sz="1400" spc="-1" strike="noStrike">
-              <a:solidFill>
-                <a:srgbClr val="000000"/>
-              </a:solidFill>
+            <a:pPr algn="ctr">
+              <a:buNone/>
+            </a:pPr>
+            <a:endParaRPr b="0" lang="en-US" sz="4400" spc="-1" strike="noStrike">
               <a:latin typeface="Arial"/>
             </a:endParaRPr>
           </a:p>
@@ -5412,8 +5205,8 @@
         </p:nvSpPr>
         <p:spPr>
           <a:xfrm>
-            <a:off x="311760" y="1389600"/>
-            <a:ext cx="1369800" cy="1516320"/>
+            <a:off x="457200" y="1203480"/>
+            <a:ext cx="4015800" cy="1422720"/>
           </a:xfrm>
           <a:prstGeom prst="rect">
             <a:avLst/>
@@ -5428,10 +5221,7 @@
             <a:normAutofit/>
           </a:bodyPr>
           <a:p>
-            <a:endParaRPr b="0" lang="en-US" sz="1400" spc="-1" strike="noStrike">
-              <a:solidFill>
-                <a:srgbClr val="000000"/>
-              </a:solidFill>
+            <a:endParaRPr b="0" lang="en-US" sz="3200" spc="-1" strike="noStrike">
               <a:latin typeface="Arial"/>
             </a:endParaRPr>
           </a:p>
@@ -5449,8 +5239,8 @@
         </p:nvSpPr>
         <p:spPr>
           <a:xfrm>
-            <a:off x="1750320" y="1389600"/>
-            <a:ext cx="1369800" cy="1516320"/>
+            <a:off x="4674240" y="1203480"/>
+            <a:ext cx="4015800" cy="1422720"/>
           </a:xfrm>
           <a:prstGeom prst="rect">
             <a:avLst/>
@@ -5465,10 +5255,7 @@
             <a:normAutofit/>
           </a:bodyPr>
           <a:p>
-            <a:endParaRPr b="0" lang="en-US" sz="1400" spc="-1" strike="noStrike">
-              <a:solidFill>
-                <a:srgbClr val="000000"/>
-              </a:solidFill>
+            <a:endParaRPr b="0" lang="en-US" sz="3200" spc="-1" strike="noStrike">
               <a:latin typeface="Arial"/>
             </a:endParaRPr>
           </a:p>
@@ -5486,8 +5273,8 @@
         </p:nvSpPr>
         <p:spPr>
           <a:xfrm>
-            <a:off x="311760" y="3050280"/>
-            <a:ext cx="2807640" cy="1516320"/>
+            <a:off x="457200" y="2761920"/>
+            <a:ext cx="8229240" cy="1422720"/>
           </a:xfrm>
           <a:prstGeom prst="rect">
             <a:avLst/>
@@ -5502,10 +5289,7 @@
             <a:normAutofit/>
           </a:bodyPr>
           <a:p>
-            <a:endParaRPr b="0" lang="en-US" sz="1400" spc="-1" strike="noStrike">
-              <a:solidFill>
-                <a:srgbClr val="000000"/>
-              </a:solidFill>
+            <a:endParaRPr b="0" lang="en-US" sz="3200" spc="-1" strike="noStrike">
               <a:latin typeface="Arial"/>
             </a:endParaRPr>
           </a:p>
@@ -5525,7 +5309,7 @@
         <p:txBody>
           <a:bodyPr/>
           <a:p>
-            <a:fld id="{BD169D6F-0308-412A-85E4-C9201A83DBDB}" type="slidenum">
+            <a:fld id="{3AE0B579-21A8-4DFE-AC13-56EBC5551C43}" type="slidenum">
               <a:t>&lt;#&gt;</a:t>
             </a:fld>
           </a:p>
@@ -5572,35 +5356,197 @@
         </p:nvSpPr>
         <p:spPr>
           <a:xfrm>
-            <a:off x="311760" y="744480"/>
-            <a:ext cx="8520120" cy="2052360"/>
-          </a:xfrm>
-          <a:prstGeom prst="rect">
-            <a:avLst/>
-          </a:prstGeom>
-          <a:noFill/>
-          <a:ln w="0">
-            <a:noFill/>
-          </a:ln>
-        </p:spPr>
-        <p:txBody>
-          <a:bodyPr tIns="91440" bIns="91440" anchor="b">
-            <a:normAutofit/>
-          </a:bodyPr>
-          <a:p>
-            <a:r>
-              <a:rPr b="0" lang="en-US" sz="5200" spc="-1" strike="noStrike">
-                <a:solidFill>
-                  <a:srgbClr val="000000"/>
-                </a:solidFill>
-                <a:latin typeface="Arial"/>
-              </a:rPr>
-              <a:t>Click to edit the title text format</a:t>
-            </a:r>
-            <a:endParaRPr b="0" lang="en-US" sz="5200" spc="-1" strike="noStrike">
-              <a:solidFill>
-                <a:srgbClr val="000000"/>
-              </a:solidFill>
+            <a:off x="311760" y="555480"/>
+            <a:ext cx="2807280" cy="754920"/>
+          </a:xfrm>
+          <a:prstGeom prst="rect">
+            <a:avLst/>
+          </a:prstGeom>
+          <a:noFill/>
+          <a:ln w="0">
+            <a:noFill/>
+          </a:ln>
+        </p:spPr>
+        <p:txBody>
+          <a:bodyPr lIns="0" rIns="0" tIns="0" bIns="0" anchor="ctr">
+            <a:noAutofit/>
+          </a:bodyPr>
+          <a:p>
+            <a:r>
+              <a:rPr b="0" lang="en-US" sz="1800" spc="-1" strike="noStrike">
+                <a:latin typeface="Arial"/>
+              </a:rPr>
+              <a:t>C</a:t>
+            </a:r>
+            <a:r>
+              <a:rPr b="0" lang="en-US" sz="1800" spc="-1" strike="noStrike">
+                <a:latin typeface="Arial"/>
+              </a:rPr>
+              <a:t>li</a:t>
+            </a:r>
+            <a:r>
+              <a:rPr b="0" lang="en-US" sz="1800" spc="-1" strike="noStrike">
+                <a:latin typeface="Arial"/>
+              </a:rPr>
+              <a:t>c</a:t>
+            </a:r>
+            <a:r>
+              <a:rPr b="0" lang="en-US" sz="1800" spc="-1" strike="noStrike">
+                <a:latin typeface="Arial"/>
+              </a:rPr>
+              <a:t>k</a:t>
+            </a:r>
+            <a:r>
+              <a:rPr b="0" lang="en-US" sz="1800" spc="-1" strike="noStrike">
+                <a:latin typeface="Arial"/>
+              </a:rPr>
+              <a:t> </a:t>
+            </a:r>
+            <a:r>
+              <a:rPr b="0" lang="en-US" sz="1800" spc="-1" strike="noStrike">
+                <a:latin typeface="Arial"/>
+              </a:rPr>
+              <a:t>t</a:t>
+            </a:r>
+            <a:r>
+              <a:rPr b="0" lang="en-US" sz="1800" spc="-1" strike="noStrike">
+                <a:latin typeface="Arial"/>
+              </a:rPr>
+              <a:t>o</a:t>
+            </a:r>
+            <a:r>
+              <a:rPr b="0" lang="en-US" sz="1800" spc="-1" strike="noStrike">
+                <a:latin typeface="Arial"/>
+              </a:rPr>
+              <a:t> </a:t>
+            </a:r>
+            <a:r>
+              <a:rPr b="0" lang="en-US" sz="1800" spc="-1" strike="noStrike">
+                <a:latin typeface="Arial"/>
+              </a:rPr>
+              <a:t>e</a:t>
+            </a:r>
+            <a:r>
+              <a:rPr b="0" lang="en-US" sz="1800" spc="-1" strike="noStrike">
+                <a:latin typeface="Arial"/>
+              </a:rPr>
+              <a:t>d</a:t>
+            </a:r>
+            <a:r>
+              <a:rPr b="0" lang="en-US" sz="1800" spc="-1" strike="noStrike">
+                <a:latin typeface="Arial"/>
+              </a:rPr>
+              <a:t>it </a:t>
+            </a:r>
+            <a:r>
+              <a:rPr b="0" lang="en-US" sz="1800" spc="-1" strike="noStrike">
+                <a:latin typeface="Arial"/>
+              </a:rPr>
+              <a:t>t</a:t>
+            </a:r>
+            <a:r>
+              <a:rPr b="0" lang="en-US" sz="1800" spc="-1" strike="noStrike">
+                <a:latin typeface="Arial"/>
+              </a:rPr>
+              <a:t>h</a:t>
+            </a:r>
+            <a:r>
+              <a:rPr b="0" lang="en-US" sz="1800" spc="-1" strike="noStrike">
+                <a:latin typeface="Arial"/>
+              </a:rPr>
+              <a:t>e</a:t>
+            </a:r>
+            <a:r>
+              <a:rPr b="0" lang="en-US" sz="1800" spc="-1" strike="noStrike">
+                <a:latin typeface="Arial"/>
+              </a:rPr>
+              <a:t> </a:t>
+            </a:r>
+            <a:r>
+              <a:rPr b="0" lang="en-US" sz="1800" spc="-1" strike="noStrike">
+                <a:latin typeface="Arial"/>
+              </a:rPr>
+              <a:t>ti</a:t>
+            </a:r>
+            <a:r>
+              <a:rPr b="0" lang="en-US" sz="1800" spc="-1" strike="noStrike">
+                <a:latin typeface="Arial"/>
+              </a:rPr>
+              <a:t>tl</a:t>
+            </a:r>
+            <a:r>
+              <a:rPr b="0" lang="en-US" sz="1800" spc="-1" strike="noStrike">
+                <a:latin typeface="Arial"/>
+              </a:rPr>
+              <a:t>e</a:t>
+            </a:r>
+            <a:r>
+              <a:rPr b="0" lang="en-US" sz="1800" spc="-1" strike="noStrike">
+                <a:latin typeface="Arial"/>
+              </a:rPr>
+              <a:t> </a:t>
+            </a:r>
+            <a:r>
+              <a:rPr b="0" lang="en-US" sz="1800" spc="-1" strike="noStrike">
+                <a:latin typeface="Arial"/>
+              </a:rPr>
+              <a:t>t</a:t>
+            </a:r>
+            <a:r>
+              <a:rPr b="0" lang="en-US" sz="1800" spc="-1" strike="noStrike">
+                <a:latin typeface="Arial"/>
+              </a:rPr>
+              <a:t>e</a:t>
+            </a:r>
+            <a:r>
+              <a:rPr b="0" lang="en-US" sz="1800" spc="-1" strike="noStrike">
+                <a:latin typeface="Arial"/>
+              </a:rPr>
+              <a:t>x</a:t>
+            </a:r>
+            <a:r>
+              <a:rPr b="0" lang="en-US" sz="1800" spc="-1" strike="noStrike">
+                <a:latin typeface="Arial"/>
+              </a:rPr>
+              <a:t>t </a:t>
+            </a:r>
+            <a:r>
+              <a:rPr b="0" lang="en-US" sz="1800" spc="-1" strike="noStrike">
+                <a:latin typeface="Arial"/>
+              </a:rPr>
+              <a:t>f</a:t>
+            </a:r>
+            <a:r>
+              <a:rPr b="0" lang="en-US" sz="1800" spc="-1" strike="noStrike">
+                <a:latin typeface="Arial"/>
+              </a:rPr>
+              <a:t>o</a:t>
+            </a:r>
+            <a:r>
+              <a:rPr b="0" lang="en-US" sz="1800" spc="-1" strike="noStrike">
+                <a:latin typeface="Arial"/>
+              </a:rPr>
+              <a:t>r</a:t>
+            </a:r>
+            <a:r>
+              <a:rPr b="0" lang="en-US" sz="1800" spc="-1" strike="noStrike">
+                <a:latin typeface="Arial"/>
+              </a:rPr>
+              <a:t>m</a:t>
+            </a:r>
+            <a:r>
+              <a:rPr b="0" lang="en-US" sz="1800" spc="-1" strike="noStrike">
+                <a:latin typeface="Arial"/>
+              </a:rPr>
+              <a:t>a</a:t>
+            </a:r>
+            <a:r>
+              <a:rPr b="0" lang="en-US" sz="1800" spc="-1" strike="noStrike">
+                <a:latin typeface="Arial"/>
+              </a:rPr>
+              <a:t>t</a:t>
+            </a:r>
+            <a:endParaRPr b="0" lang="en-US" sz="1800" spc="-1" strike="noStrike">
               <a:latin typeface="Arial"/>
             </a:endParaRPr>
           </a:p>
@@ -5619,19 +5565,19 @@
         <p:spPr>
           <a:xfrm>
             <a:off x="8472600" y="4663080"/>
-            <a:ext cx="548280" cy="393120"/>
-          </a:xfrm>
-          <a:prstGeom prst="rect">
-            <a:avLst/>
-          </a:prstGeom>
-          <a:noFill/>
-          <a:ln w="0">
-            <a:noFill/>
-          </a:ln>
-        </p:spPr>
-        <p:txBody>
-          <a:bodyPr tIns="91440" bIns="91440" anchor="ctr">
-            <a:normAutofit/>
+            <a:ext cx="547920" cy="392760"/>
+          </a:xfrm>
+          <a:prstGeom prst="rect">
+            <a:avLst/>
+          </a:prstGeom>
+          <a:noFill/>
+          <a:ln w="0">
+            <a:noFill/>
+          </a:ln>
+        </p:spPr>
+        <p:txBody>
+          <a:bodyPr lIns="90000" rIns="90000" tIns="91440" bIns="91440" anchor="ctr">
+            <a:noAutofit/>
           </a:bodyPr>
           <a:lstStyle>
             <a:lvl1pPr algn="r">
@@ -5661,7 +5607,7 @@
                 <a:tab algn="l" pos="0"/>
               </a:tabLst>
             </a:pPr>
-            <a:fld id="{59196F24-3BD2-4BF2-AA6C-6FB8C40FC471}" type="slidenum">
+            <a:fld id="{CF630A89-5BB9-4956-A65F-25C96BC61897}" type="slidenum">
               <a:rPr b="0" lang="en" sz="1000" spc="-1" strike="noStrike">
                 <a:solidFill>
                   <a:srgbClr val="595959"/>
@@ -5717,18 +5663,18 @@
               <a:buChar char=""/>
             </a:pPr>
             <a:r>
-              <a:rPr b="0" lang="en-US" sz="1400" spc="-1" strike="noStrike">
-                <a:solidFill>
-                  <a:srgbClr val="000000"/>
-                </a:solidFill>
-                <a:latin typeface="Arial"/>
-              </a:rPr>
-              <a:t>Click to edit the outline text format</a:t>
-            </a:r>
-            <a:endParaRPr b="0" lang="en-US" sz="1400" spc="-1" strike="noStrike">
-              <a:solidFill>
-                <a:srgbClr val="000000"/>
-              </a:solidFill>
+              <a:rPr b="0" lang="en-US" sz="3200" spc="-1" strike="noStrike">
+                <a:latin typeface="Arial"/>
+              </a:rPr>
+              <a:t>Click to edit the </a:t>
+            </a:r>
+            <a:r>
+              <a:rPr b="0" lang="en-US" sz="3200" spc="-1" strike="noStrike">
+                <a:latin typeface="Arial"/>
+              </a:rPr>
+              <a:t>outline text format</a:t>
+            </a:r>
+            <a:endParaRPr b="0" lang="en-US" sz="3200" spc="-1" strike="noStrike">
               <a:latin typeface="Arial"/>
             </a:endParaRPr>
           </a:p>
@@ -5745,18 +5691,12 @@
               <a:buChar char=""/>
             </a:pPr>
             <a:r>
-              <a:rPr b="0" lang="en-US" sz="1400" spc="-1" strike="noStrike">
-                <a:solidFill>
-                  <a:srgbClr val="000000"/>
-                </a:solidFill>
+              <a:rPr b="0" lang="en-US" sz="2800" spc="-1" strike="noStrike">
                 <a:latin typeface="Arial"/>
               </a:rPr>
               <a:t>Second Outline Level</a:t>
             </a:r>
-            <a:endParaRPr b="0" lang="en-US" sz="1400" spc="-1" strike="noStrike">
-              <a:solidFill>
-                <a:srgbClr val="000000"/>
-              </a:solidFill>
+            <a:endParaRPr b="0" lang="en-US" sz="2800" spc="-1" strike="noStrike">
               <a:latin typeface="Arial"/>
             </a:endParaRPr>
           </a:p>
@@ -5773,18 +5713,12 @@
               <a:buChar char=""/>
             </a:pPr>
             <a:r>
-              <a:rPr b="0" lang="en-US" sz="1400" spc="-1" strike="noStrike">
-                <a:solidFill>
-                  <a:srgbClr val="000000"/>
-                </a:solidFill>
+              <a:rPr b="0" lang="en-US" sz="2400" spc="-1" strike="noStrike">
                 <a:latin typeface="Arial"/>
               </a:rPr>
               <a:t>Third Outline Level</a:t>
             </a:r>
-            <a:endParaRPr b="0" lang="en-US" sz="1400" spc="-1" strike="noStrike">
-              <a:solidFill>
-                <a:srgbClr val="000000"/>
-              </a:solidFill>
+            <a:endParaRPr b="0" lang="en-US" sz="2400" spc="-1" strike="noStrike">
               <a:latin typeface="Arial"/>
             </a:endParaRPr>
           </a:p>
@@ -5801,18 +5735,12 @@
               <a:buChar char=""/>
             </a:pPr>
             <a:r>
-              <a:rPr b="0" lang="en-US" sz="1400" spc="-1" strike="noStrike">
-                <a:solidFill>
-                  <a:srgbClr val="000000"/>
-                </a:solidFill>
+              <a:rPr b="0" lang="en-US" sz="2000" spc="-1" strike="noStrike">
                 <a:latin typeface="Arial"/>
               </a:rPr>
               <a:t>Fourth Outline Level</a:t>
             </a:r>
-            <a:endParaRPr b="0" lang="en-US" sz="1400" spc="-1" strike="noStrike">
-              <a:solidFill>
-                <a:srgbClr val="000000"/>
-              </a:solidFill>
+            <a:endParaRPr b="0" lang="en-US" sz="2000" spc="-1" strike="noStrike">
               <a:latin typeface="Arial"/>
             </a:endParaRPr>
           </a:p>
@@ -5830,17 +5758,11 @@
             </a:pPr>
             <a:r>
               <a:rPr b="0" lang="en-US" sz="2000" spc="-1" strike="noStrike">
-                <a:solidFill>
-                  <a:srgbClr val="000000"/>
-                </a:solidFill>
                 <a:latin typeface="Arial"/>
               </a:rPr>
               <a:t>Fifth Outline Level</a:t>
             </a:r>
             <a:endParaRPr b="0" lang="en-US" sz="2000" spc="-1" strike="noStrike">
-              <a:solidFill>
-                <a:srgbClr val="000000"/>
-              </a:solidFill>
               <a:latin typeface="Arial"/>
             </a:endParaRPr>
           </a:p>
@@ -5858,17 +5780,17 @@
             </a:pPr>
             <a:r>
               <a:rPr b="0" lang="en-US" sz="2000" spc="-1" strike="noStrike">
-                <a:solidFill>
-                  <a:srgbClr val="000000"/>
-                </a:solidFill>
-                <a:latin typeface="Arial"/>
-              </a:rPr>
-              <a:t>Sixth Outline Level</a:t>
+                <a:latin typeface="Arial"/>
+              </a:rPr>
+              <a:t>Sixth Outline </a:t>
+            </a:r>
+            <a:r>
+              <a:rPr b="0" lang="en-US" sz="2000" spc="-1" strike="noStrike">
+                <a:latin typeface="Arial"/>
+              </a:rPr>
+              <a:t>Level</a:t>
             </a:r>
             <a:endParaRPr b="0" lang="en-US" sz="2000" spc="-1" strike="noStrike">
-              <a:solidFill>
-                <a:srgbClr val="000000"/>
-              </a:solidFill>
               <a:latin typeface="Arial"/>
             </a:endParaRPr>
           </a:p>
@@ -5886,17 +5808,23 @@
             </a:pPr>
             <a:r>
               <a:rPr b="0" lang="en-US" sz="2000" spc="-1" strike="noStrike">
-                <a:solidFill>
-                  <a:srgbClr val="000000"/>
-                </a:solidFill>
-                <a:latin typeface="Arial"/>
-              </a:rPr>
-              <a:t>Seventh Outline Level</a:t>
+                <a:latin typeface="Arial"/>
+              </a:rPr>
+              <a:t>Seventh </a:t>
+            </a:r>
+            <a:r>
+              <a:rPr b="0" lang="en-US" sz="2000" spc="-1" strike="noStrike">
+                <a:latin typeface="Arial"/>
+              </a:rPr>
+              <a:t>Outline </a:t>
+            </a:r>
+            <a:r>
+              <a:rPr b="0" lang="en-US" sz="2000" spc="-1" strike="noStrike">
+                <a:latin typeface="Arial"/>
+              </a:rPr>
+              <a:t>Level</a:t>
             </a:r>
             <a:endParaRPr b="0" lang="en-US" sz="2000" spc="-1" strike="noStrike">
-              <a:solidFill>
-                <a:srgbClr val="000000"/>
-              </a:solidFill>
               <a:latin typeface="Arial"/>
             </a:endParaRPr>
           </a:p>
@@ -5958,35 +5886,197 @@
         </p:nvSpPr>
         <p:spPr>
           <a:xfrm>
-            <a:off x="311760" y="444960"/>
-            <a:ext cx="8520120" cy="572400"/>
-          </a:xfrm>
-          <a:prstGeom prst="rect">
-            <a:avLst/>
-          </a:prstGeom>
-          <a:noFill/>
-          <a:ln w="0">
-            <a:noFill/>
-          </a:ln>
-        </p:spPr>
-        <p:txBody>
-          <a:bodyPr tIns="91440" bIns="91440" anchor="t">
-            <a:normAutofit fontScale="91000"/>
-          </a:bodyPr>
-          <a:p>
-            <a:r>
-              <a:rPr b="0" lang="en-US" sz="2800" spc="-1" strike="noStrike">
-                <a:solidFill>
-                  <a:srgbClr val="000000"/>
-                </a:solidFill>
-                <a:latin typeface="Arial"/>
-              </a:rPr>
-              <a:t>Click to edit the title text format</a:t>
-            </a:r>
-            <a:endParaRPr b="0" lang="en-US" sz="2800" spc="-1" strike="noStrike">
-              <a:solidFill>
-                <a:srgbClr val="000000"/>
-              </a:solidFill>
+            <a:off x="311760" y="555480"/>
+            <a:ext cx="2807280" cy="754920"/>
+          </a:xfrm>
+          <a:prstGeom prst="rect">
+            <a:avLst/>
+          </a:prstGeom>
+          <a:noFill/>
+          <a:ln w="0">
+            <a:noFill/>
+          </a:ln>
+        </p:spPr>
+        <p:txBody>
+          <a:bodyPr lIns="0" rIns="0" tIns="0" bIns="0" anchor="ctr">
+            <a:noAutofit/>
+          </a:bodyPr>
+          <a:p>
+            <a:r>
+              <a:rPr b="0" lang="en-US" sz="1800" spc="-1" strike="noStrike">
+                <a:latin typeface="Arial"/>
+              </a:rPr>
+              <a:t>C</a:t>
+            </a:r>
+            <a:r>
+              <a:rPr b="0" lang="en-US" sz="1800" spc="-1" strike="noStrike">
+                <a:latin typeface="Arial"/>
+              </a:rPr>
+              <a:t>li</a:t>
+            </a:r>
+            <a:r>
+              <a:rPr b="0" lang="en-US" sz="1800" spc="-1" strike="noStrike">
+                <a:latin typeface="Arial"/>
+              </a:rPr>
+              <a:t>c</a:t>
+            </a:r>
+            <a:r>
+              <a:rPr b="0" lang="en-US" sz="1800" spc="-1" strike="noStrike">
+                <a:latin typeface="Arial"/>
+              </a:rPr>
+              <a:t>k</a:t>
+            </a:r>
+            <a:r>
+              <a:rPr b="0" lang="en-US" sz="1800" spc="-1" strike="noStrike">
+                <a:latin typeface="Arial"/>
+              </a:rPr>
+              <a:t> </a:t>
+            </a:r>
+            <a:r>
+              <a:rPr b="0" lang="en-US" sz="1800" spc="-1" strike="noStrike">
+                <a:latin typeface="Arial"/>
+              </a:rPr>
+              <a:t>t</a:t>
+            </a:r>
+            <a:r>
+              <a:rPr b="0" lang="en-US" sz="1800" spc="-1" strike="noStrike">
+                <a:latin typeface="Arial"/>
+              </a:rPr>
+              <a:t>o</a:t>
+            </a:r>
+            <a:r>
+              <a:rPr b="0" lang="en-US" sz="1800" spc="-1" strike="noStrike">
+                <a:latin typeface="Arial"/>
+              </a:rPr>
+              <a:t> </a:t>
+            </a:r>
+            <a:r>
+              <a:rPr b="0" lang="en-US" sz="1800" spc="-1" strike="noStrike">
+                <a:latin typeface="Arial"/>
+              </a:rPr>
+              <a:t>e</a:t>
+            </a:r>
+            <a:r>
+              <a:rPr b="0" lang="en-US" sz="1800" spc="-1" strike="noStrike">
+                <a:latin typeface="Arial"/>
+              </a:rPr>
+              <a:t>d</a:t>
+            </a:r>
+            <a:r>
+              <a:rPr b="0" lang="en-US" sz="1800" spc="-1" strike="noStrike">
+                <a:latin typeface="Arial"/>
+              </a:rPr>
+              <a:t>it </a:t>
+            </a:r>
+            <a:r>
+              <a:rPr b="0" lang="en-US" sz="1800" spc="-1" strike="noStrike">
+                <a:latin typeface="Arial"/>
+              </a:rPr>
+              <a:t>t</a:t>
+            </a:r>
+            <a:r>
+              <a:rPr b="0" lang="en-US" sz="1800" spc="-1" strike="noStrike">
+                <a:latin typeface="Arial"/>
+              </a:rPr>
+              <a:t>h</a:t>
+            </a:r>
+            <a:r>
+              <a:rPr b="0" lang="en-US" sz="1800" spc="-1" strike="noStrike">
+                <a:latin typeface="Arial"/>
+              </a:rPr>
+              <a:t>e</a:t>
+            </a:r>
+            <a:r>
+              <a:rPr b="0" lang="en-US" sz="1800" spc="-1" strike="noStrike">
+                <a:latin typeface="Arial"/>
+              </a:rPr>
+              <a:t> </a:t>
+            </a:r>
+            <a:r>
+              <a:rPr b="0" lang="en-US" sz="1800" spc="-1" strike="noStrike">
+                <a:latin typeface="Arial"/>
+              </a:rPr>
+              <a:t>ti</a:t>
+            </a:r>
+            <a:r>
+              <a:rPr b="0" lang="en-US" sz="1800" spc="-1" strike="noStrike">
+                <a:latin typeface="Arial"/>
+              </a:rPr>
+              <a:t>tl</a:t>
+            </a:r>
+            <a:r>
+              <a:rPr b="0" lang="en-US" sz="1800" spc="-1" strike="noStrike">
+                <a:latin typeface="Arial"/>
+              </a:rPr>
+              <a:t>e</a:t>
+            </a:r>
+            <a:r>
+              <a:rPr b="0" lang="en-US" sz="1800" spc="-1" strike="noStrike">
+                <a:latin typeface="Arial"/>
+              </a:rPr>
+              <a:t> </a:t>
+            </a:r>
+            <a:r>
+              <a:rPr b="0" lang="en-US" sz="1800" spc="-1" strike="noStrike">
+                <a:latin typeface="Arial"/>
+              </a:rPr>
+              <a:t>t</a:t>
+            </a:r>
+            <a:r>
+              <a:rPr b="0" lang="en-US" sz="1800" spc="-1" strike="noStrike">
+                <a:latin typeface="Arial"/>
+              </a:rPr>
+              <a:t>e</a:t>
+            </a:r>
+            <a:r>
+              <a:rPr b="0" lang="en-US" sz="1800" spc="-1" strike="noStrike">
+                <a:latin typeface="Arial"/>
+              </a:rPr>
+              <a:t>x</a:t>
+            </a:r>
+            <a:r>
+              <a:rPr b="0" lang="en-US" sz="1800" spc="-1" strike="noStrike">
+                <a:latin typeface="Arial"/>
+              </a:rPr>
+              <a:t>t </a:t>
+            </a:r>
+            <a:r>
+              <a:rPr b="0" lang="en-US" sz="1800" spc="-1" strike="noStrike">
+                <a:latin typeface="Arial"/>
+              </a:rPr>
+              <a:t>f</a:t>
+            </a:r>
+            <a:r>
+              <a:rPr b="0" lang="en-US" sz="1800" spc="-1" strike="noStrike">
+                <a:latin typeface="Arial"/>
+              </a:rPr>
+              <a:t>o</a:t>
+            </a:r>
+            <a:r>
+              <a:rPr b="0" lang="en-US" sz="1800" spc="-1" strike="noStrike">
+                <a:latin typeface="Arial"/>
+              </a:rPr>
+              <a:t>r</a:t>
+            </a:r>
+            <a:r>
+              <a:rPr b="0" lang="en-US" sz="1800" spc="-1" strike="noStrike">
+                <a:latin typeface="Arial"/>
+              </a:rPr>
+              <a:t>m</a:t>
+            </a:r>
+            <a:r>
+              <a:rPr b="0" lang="en-US" sz="1800" spc="-1" strike="noStrike">
+                <a:latin typeface="Arial"/>
+              </a:rPr>
+              <a:t>a</a:t>
+            </a:r>
+            <a:r>
+              <a:rPr b="0" lang="en-US" sz="1800" spc="-1" strike="noStrike">
+                <a:latin typeface="Arial"/>
+              </a:rPr>
+              <a:t>t</a:t>
+            </a:r>
+            <a:endParaRPr b="0" lang="en-US" sz="1800" spc="-1" strike="noStrike">
               <a:latin typeface="Arial"/>
             </a:endParaRPr>
           </a:p>
@@ -6004,20 +6094,20 @@
         </p:nvSpPr>
         <p:spPr>
           <a:xfrm>
-            <a:off x="311760" y="1152360"/>
-            <a:ext cx="8520120" cy="3416040"/>
-          </a:xfrm>
-          <a:prstGeom prst="rect">
-            <a:avLst/>
-          </a:prstGeom>
-          <a:noFill/>
-          <a:ln w="0">
-            <a:noFill/>
-          </a:ln>
-        </p:spPr>
-        <p:txBody>
-          <a:bodyPr tIns="91440" bIns="91440" anchor="t">
-            <a:normAutofit/>
+            <a:off x="311760" y="1389600"/>
+            <a:ext cx="2807280" cy="3178800"/>
+          </a:xfrm>
+          <a:prstGeom prst="rect">
+            <a:avLst/>
+          </a:prstGeom>
+          <a:noFill/>
+          <a:ln w="0">
+            <a:noFill/>
+          </a:ln>
+        </p:spPr>
+        <p:txBody>
+          <a:bodyPr lIns="0" rIns="0" tIns="0" bIns="0" anchor="t">
+            <a:normAutofit fontScale="69000"/>
           </a:bodyPr>
           <a:p>
             <a:pPr marL="432000" indent="-324000">
@@ -6033,17 +6123,11 @@
             </a:pPr>
             <a:r>
               <a:rPr b="0" lang="en-US" sz="1800" spc="-1" strike="noStrike">
-                <a:solidFill>
-                  <a:srgbClr val="000000"/>
-                </a:solidFill>
                 <a:latin typeface="Arial"/>
               </a:rPr>
               <a:t>Click to edit the outline text format</a:t>
             </a:r>
             <a:endParaRPr b="0" lang="en-US" sz="1800" spc="-1" strike="noStrike">
-              <a:solidFill>
-                <a:srgbClr val="000000"/>
-              </a:solidFill>
               <a:latin typeface="Arial"/>
             </a:endParaRPr>
           </a:p>
@@ -6061,17 +6145,11 @@
             </a:pPr>
             <a:r>
               <a:rPr b="0" lang="en-US" sz="1800" spc="-1" strike="noStrike">
-                <a:solidFill>
-                  <a:srgbClr val="000000"/>
-                </a:solidFill>
                 <a:latin typeface="Arial"/>
               </a:rPr>
               <a:t>Second Outline Level</a:t>
             </a:r>
             <a:endParaRPr b="0" lang="en-US" sz="1800" spc="-1" strike="noStrike">
-              <a:solidFill>
-                <a:srgbClr val="000000"/>
-              </a:solidFill>
               <a:latin typeface="Arial"/>
             </a:endParaRPr>
           </a:p>
@@ -6089,17 +6167,11 @@
             </a:pPr>
             <a:r>
               <a:rPr b="0" lang="en-US" sz="1800" spc="-1" strike="noStrike">
-                <a:solidFill>
-                  <a:srgbClr val="000000"/>
-                </a:solidFill>
                 <a:latin typeface="Arial"/>
               </a:rPr>
               <a:t>Third Outline Level</a:t>
             </a:r>
             <a:endParaRPr b="0" lang="en-US" sz="1800" spc="-1" strike="noStrike">
-              <a:solidFill>
-                <a:srgbClr val="000000"/>
-              </a:solidFill>
               <a:latin typeface="Arial"/>
             </a:endParaRPr>
           </a:p>
@@ -6117,17 +6189,11 @@
             </a:pPr>
             <a:r>
               <a:rPr b="0" lang="en-US" sz="1800" spc="-1" strike="noStrike">
-                <a:solidFill>
-                  <a:srgbClr val="000000"/>
-                </a:solidFill>
                 <a:latin typeface="Arial"/>
               </a:rPr>
               <a:t>Fourth Outline Level</a:t>
             </a:r>
             <a:endParaRPr b="0" lang="en-US" sz="1800" spc="-1" strike="noStrike">
-              <a:solidFill>
-                <a:srgbClr val="000000"/>
-              </a:solidFill>
               <a:latin typeface="Arial"/>
             </a:endParaRPr>
           </a:p>
@@ -6145,17 +6211,11 @@
             </a:pPr>
             <a:r>
               <a:rPr b="0" lang="en-US" sz="1800" spc="-1" strike="noStrike">
-                <a:solidFill>
-                  <a:srgbClr val="000000"/>
-                </a:solidFill>
                 <a:latin typeface="Arial"/>
               </a:rPr>
               <a:t>Fifth Outline Level</a:t>
             </a:r>
             <a:endParaRPr b="0" lang="en-US" sz="1800" spc="-1" strike="noStrike">
-              <a:solidFill>
-                <a:srgbClr val="000000"/>
-              </a:solidFill>
               <a:latin typeface="Arial"/>
             </a:endParaRPr>
           </a:p>
@@ -6173,17 +6233,11 @@
             </a:pPr>
             <a:r>
               <a:rPr b="0" lang="en-US" sz="1800" spc="-1" strike="noStrike">
-                <a:solidFill>
-                  <a:srgbClr val="000000"/>
-                </a:solidFill>
                 <a:latin typeface="Arial"/>
               </a:rPr>
               <a:t>Sixth Outline Level</a:t>
             </a:r>
             <a:endParaRPr b="0" lang="en-US" sz="1800" spc="-1" strike="noStrike">
-              <a:solidFill>
-                <a:srgbClr val="000000"/>
-              </a:solidFill>
               <a:latin typeface="Arial"/>
             </a:endParaRPr>
           </a:p>
@@ -6201,17 +6255,11 @@
             </a:pPr>
             <a:r>
               <a:rPr b="0" lang="en-US" sz="1800" spc="-1" strike="noStrike">
-                <a:solidFill>
-                  <a:srgbClr val="000000"/>
-                </a:solidFill>
                 <a:latin typeface="Arial"/>
               </a:rPr>
               <a:t>Seventh Outline Level</a:t>
             </a:r>
             <a:endParaRPr b="0" lang="en-US" sz="1800" spc="-1" strike="noStrike">
-              <a:solidFill>
-                <a:srgbClr val="000000"/>
-              </a:solidFill>
               <a:latin typeface="Arial"/>
             </a:endParaRPr>
           </a:p>
@@ -6230,19 +6278,19 @@
         <p:spPr>
           <a:xfrm>
             <a:off x="8472600" y="4663080"/>
-            <a:ext cx="548280" cy="393120"/>
-          </a:xfrm>
-          <a:prstGeom prst="rect">
-            <a:avLst/>
-          </a:prstGeom>
-          <a:noFill/>
-          <a:ln w="0">
-            <a:noFill/>
-          </a:ln>
-        </p:spPr>
-        <p:txBody>
-          <a:bodyPr tIns="91440" bIns="91440" anchor="ctr">
-            <a:normAutofit/>
+            <a:ext cx="547920" cy="392760"/>
+          </a:xfrm>
+          <a:prstGeom prst="rect">
+            <a:avLst/>
+          </a:prstGeom>
+          <a:noFill/>
+          <a:ln w="0">
+            <a:noFill/>
+          </a:ln>
+        </p:spPr>
+        <p:txBody>
+          <a:bodyPr lIns="90000" rIns="90000" tIns="91440" bIns="91440" anchor="ctr">
+            <a:noAutofit/>
           </a:bodyPr>
           <a:lstStyle>
             <a:lvl1pPr algn="r">
@@ -6272,7 +6320,7 @@
                 <a:tab algn="l" pos="0"/>
               </a:tabLst>
             </a:pPr>
-            <a:fld id="{A53BDF9E-9C88-4EEE-9DF8-8B47C1C44DAC}" type="slidenum">
+            <a:fld id="{4CE932EB-67DA-4F91-BB74-8996C0960DB6}" type="slidenum">
               <a:rPr b="0" lang="en" sz="1000" spc="-1" strike="noStrike">
                 <a:solidFill>
                   <a:srgbClr val="595959"/>
@@ -6339,48 +6387,320 @@
             <a:spLocks noGrp="1"/>
           </p:cNvSpPr>
           <p:nvPr>
+            <p:ph type="sldNum" idx="3"/>
+          </p:nvPr>
+        </p:nvSpPr>
+        <p:spPr>
+          <a:xfrm>
+            <a:off x="8472600" y="4663080"/>
+            <a:ext cx="547920" cy="392760"/>
+          </a:xfrm>
+          <a:prstGeom prst="rect">
+            <a:avLst/>
+          </a:prstGeom>
+          <a:noFill/>
+          <a:ln w="0">
+            <a:noFill/>
+          </a:ln>
+        </p:spPr>
+        <p:txBody>
+          <a:bodyPr lIns="90000" rIns="90000" tIns="91440" bIns="91440" anchor="ctr">
+            <a:noAutofit/>
+          </a:bodyPr>
+          <a:lstStyle>
+            <a:lvl1pPr algn="r">
+              <a:lnSpc>
+                <a:spcPct val="100000"/>
+              </a:lnSpc>
+              <a:buNone/>
+              <a:tabLst>
+                <a:tab algn="l" pos="0"/>
+              </a:tabLst>
+              <a:defRPr b="0" lang="en" sz="1000" spc="-1" strike="noStrike">
+                <a:solidFill>
+                  <a:srgbClr val="595959"/>
+                </a:solidFill>
+                <a:latin typeface="Arial"/>
+                <a:ea typeface="Arial"/>
+              </a:defRPr>
+            </a:lvl1pPr>
+          </a:lstStyle>
+          <a:p>
+            <a:pPr algn="r">
+              <a:lnSpc>
+                <a:spcPct val="100000"/>
+              </a:lnSpc>
+              <a:buNone/>
+              <a:tabLst>
+                <a:tab algn="l" pos="0"/>
+              </a:tabLst>
+            </a:pPr>
+            <a:fld id="{2AE295FA-63BE-4DFD-98EF-96782CA5A255}" type="slidenum">
+              <a:rPr b="0" lang="en" sz="1000" spc="-1" strike="noStrike">
+                <a:solidFill>
+                  <a:srgbClr val="595959"/>
+                </a:solidFill>
+                <a:latin typeface="Arial"/>
+                <a:ea typeface="Arial"/>
+              </a:rPr>
+              <a:t>&lt;number&gt;</a:t>
+            </a:fld>
+            <a:endParaRPr b="0" lang="en-US" sz="1000" spc="-1" strike="noStrike">
+              <a:latin typeface="Times New Roman"/>
+            </a:endParaRPr>
+          </a:p>
+        </p:txBody>
+      </p:sp>
+      <p:sp>
+        <p:nvSpPr>
+          <p:cNvPr id="79" name="PlaceHolder 2"/>
+          <p:cNvSpPr>
+            <a:spLocks noGrp="1"/>
+          </p:cNvSpPr>
+          <p:nvPr>
             <p:ph type="title"/>
           </p:nvPr>
         </p:nvSpPr>
         <p:spPr>
           <a:xfrm>
-            <a:off x="311760" y="555480"/>
-            <a:ext cx="2807640" cy="755280"/>
-          </a:xfrm>
-          <a:prstGeom prst="rect">
-            <a:avLst/>
-          </a:prstGeom>
-          <a:noFill/>
-          <a:ln w="0">
-            <a:noFill/>
-          </a:ln>
-        </p:spPr>
-        <p:txBody>
-          <a:bodyPr tIns="91440" bIns="91440" anchor="b">
-            <a:normAutofit fontScale="78000"/>
-          </a:bodyPr>
-          <a:p>
-            <a:r>
-              <a:rPr b="0" lang="en-US" sz="2400" spc="-1" strike="noStrike">
-                <a:solidFill>
-                  <a:srgbClr val="000000"/>
-                </a:solidFill>
-                <a:latin typeface="Arial"/>
-              </a:rPr>
-              <a:t>Click to edit the title text format</a:t>
-            </a:r>
-            <a:endParaRPr b="0" lang="en-US" sz="2400" spc="-1" strike="noStrike">
-              <a:solidFill>
-                <a:srgbClr val="000000"/>
-              </a:solidFill>
-              <a:latin typeface="Arial"/>
-            </a:endParaRPr>
-          </a:p>
-        </p:txBody>
-      </p:sp>
-      <p:sp>
-        <p:nvSpPr>
-          <p:cNvPr id="79" name="PlaceHolder 2"/>
+            <a:off x="457200" y="205200"/>
+            <a:ext cx="8229240" cy="858600"/>
+          </a:xfrm>
+          <a:prstGeom prst="rect">
+            <a:avLst/>
+          </a:prstGeom>
+          <a:noFill/>
+          <a:ln w="0">
+            <a:noFill/>
+          </a:ln>
+        </p:spPr>
+        <p:txBody>
+          <a:bodyPr lIns="0" rIns="0" tIns="0" bIns="0" anchor="ctr">
+            <a:noAutofit/>
+          </a:bodyPr>
+          <a:p>
+            <a:pPr algn="ctr">
+              <a:buNone/>
+            </a:pPr>
+            <a:r>
+              <a:rPr b="0" lang="en-US" sz="4400" spc="-1" strike="noStrike">
+                <a:latin typeface="Arial"/>
+              </a:rPr>
+              <a:t>C</a:t>
+            </a:r>
+            <a:r>
+              <a:rPr b="0" lang="en-US" sz="4400" spc="-1" strike="noStrike">
+                <a:latin typeface="Arial"/>
+              </a:rPr>
+              <a:t>l</a:t>
+            </a:r>
+            <a:r>
+              <a:rPr b="0" lang="en-US" sz="4400" spc="-1" strike="noStrike">
+                <a:latin typeface="Arial"/>
+              </a:rPr>
+              <a:t>i</a:t>
+            </a:r>
+            <a:r>
+              <a:rPr b="0" lang="en-US" sz="4400" spc="-1" strike="noStrike">
+                <a:latin typeface="Arial"/>
+              </a:rPr>
+              <a:t>c</a:t>
+            </a:r>
+            <a:r>
+              <a:rPr b="0" lang="en-US" sz="4400" spc="-1" strike="noStrike">
+                <a:latin typeface="Arial"/>
+              </a:rPr>
+              <a:t>k</a:t>
+            </a:r>
+            <a:r>
+              <a:rPr b="0" lang="en-US" sz="4400" spc="-1" strike="noStrike">
+                <a:latin typeface="Arial"/>
+              </a:rPr>
+              <a:t> </a:t>
+            </a:r>
+            <a:r>
+              <a:rPr b="0" lang="en-US" sz="4400" spc="-1" strike="noStrike">
+                <a:latin typeface="Arial"/>
+              </a:rPr>
+              <a:t>t</a:t>
+            </a:r>
+            <a:r>
+              <a:rPr b="0" lang="en-US" sz="4400" spc="-1" strike="noStrike">
+                <a:latin typeface="Arial"/>
+              </a:rPr>
+              <a:t>o</a:t>
+            </a:r>
+            <a:r>
+              <a:rPr b="0" lang="en-US" sz="4400" spc="-1" strike="noStrike">
+                <a:latin typeface="Arial"/>
+              </a:rPr>
+              <a:t> </a:t>
+            </a:r>
+            <a:r>
+              <a:rPr b="0" lang="en-US" sz="4400" spc="-1" strike="noStrike">
+                <a:latin typeface="Arial"/>
+              </a:rPr>
+              <a:t>e</a:t>
+            </a:r>
+            <a:r>
+              <a:rPr b="0" lang="en-US" sz="4400" spc="-1" strike="noStrike">
+                <a:latin typeface="Arial"/>
+              </a:rPr>
+              <a:t>d</a:t>
+            </a:r>
+            <a:r>
+              <a:rPr b="0" lang="en-US" sz="4400" spc="-1" strike="noStrike">
+                <a:latin typeface="Arial"/>
+              </a:rPr>
+              <a:t>i</a:t>
+            </a:r>
+            <a:r>
+              <a:rPr b="0" lang="en-US" sz="4400" spc="-1" strike="noStrike">
+                <a:latin typeface="Arial"/>
+              </a:rPr>
+              <a:t>t</a:t>
+            </a:r>
+            <a:r>
+              <a:rPr b="0" lang="en-US" sz="4400" spc="-1" strike="noStrike">
+                <a:latin typeface="Arial"/>
+              </a:rPr>
+              <a:t> </a:t>
+            </a:r>
+            <a:r>
+              <a:rPr b="0" lang="en-US" sz="4400" spc="-1" strike="noStrike">
+                <a:latin typeface="Arial"/>
+              </a:rPr>
+              <a:t>t</a:t>
+            </a:r>
+            <a:r>
+              <a:rPr b="0" lang="en-US" sz="4400" spc="-1" strike="noStrike">
+                <a:latin typeface="Arial"/>
+              </a:rPr>
+              <a:t>h</a:t>
+            </a:r>
+            <a:r>
+              <a:rPr b="0" lang="en-US" sz="4400" spc="-1" strike="noStrike">
+                <a:latin typeface="Arial"/>
+              </a:rPr>
+              <a:t>e</a:t>
+            </a:r>
+            <a:r>
+              <a:rPr b="0" lang="en-US" sz="4400" spc="-1" strike="noStrike">
+                <a:latin typeface="Arial"/>
+              </a:rPr>
+              <a:t> </a:t>
+            </a:r>
+            <a:r>
+              <a:rPr b="0" lang="en-US" sz="4400" spc="-1" strike="noStrike">
+                <a:latin typeface="Arial"/>
+              </a:rPr>
+              <a:t>t</a:t>
+            </a:r>
+            <a:r>
+              <a:rPr b="0" lang="en-US" sz="4400" spc="-1" strike="noStrike">
+                <a:latin typeface="Arial"/>
+              </a:rPr>
+              <a:t>i</a:t>
+            </a:r>
+            <a:r>
+              <a:rPr b="0" lang="en-US" sz="4400" spc="-1" strike="noStrike">
+                <a:latin typeface="Arial"/>
+              </a:rPr>
+              <a:t>t</a:t>
+            </a:r>
+            <a:r>
+              <a:rPr b="0" lang="en-US" sz="4400" spc="-1" strike="noStrike">
+                <a:latin typeface="Arial"/>
+              </a:rPr>
+              <a:t>l</a:t>
+            </a:r>
+            <a:r>
+              <a:rPr b="0" lang="en-US" sz="4400" spc="-1" strike="noStrike">
+                <a:latin typeface="Arial"/>
+              </a:rPr>
+              <a:t>e</a:t>
+            </a:r>
+            <a:r>
+              <a:rPr b="0" lang="en-US" sz="4400" spc="-1" strike="noStrike">
+                <a:latin typeface="Arial"/>
+              </a:rPr>
+              <a:t> </a:t>
+            </a:r>
+            <a:r>
+              <a:rPr b="0" lang="en-US" sz="4400" spc="-1" strike="noStrike">
+                <a:latin typeface="Arial"/>
+              </a:rPr>
+              <a:t>t</a:t>
+            </a:r>
+            <a:r>
+              <a:rPr b="0" lang="en-US" sz="4400" spc="-1" strike="noStrike">
+                <a:latin typeface="Arial"/>
+              </a:rPr>
+              <a:t>e</a:t>
+            </a:r>
+            <a:r>
+              <a:rPr b="0" lang="en-US" sz="4400" spc="-1" strike="noStrike">
+                <a:latin typeface="Arial"/>
+              </a:rPr>
+              <a:t>x</a:t>
+            </a:r>
+            <a:r>
+              <a:rPr b="0" lang="en-US" sz="4400" spc="-1" strike="noStrike">
+                <a:latin typeface="Arial"/>
+              </a:rPr>
+              <a:t>t</a:t>
+            </a:r>
+            <a:r>
+              <a:rPr b="0" lang="en-US" sz="4400" spc="-1" strike="noStrike">
+                <a:latin typeface="Arial"/>
+              </a:rPr>
+              <a:t> </a:t>
+            </a:r>
+            <a:r>
+              <a:rPr b="0" lang="en-US" sz="4400" spc="-1" strike="noStrike">
+                <a:latin typeface="Arial"/>
+              </a:rPr>
+              <a:t>f</a:t>
+            </a:r>
+            <a:r>
+              <a:rPr b="0" lang="en-US" sz="4400" spc="-1" strike="noStrike">
+                <a:latin typeface="Arial"/>
+              </a:rPr>
+              <a:t>o</a:t>
+            </a:r>
+            <a:r>
+              <a:rPr b="0" lang="en-US" sz="4400" spc="-1" strike="noStrike">
+                <a:latin typeface="Arial"/>
+              </a:rPr>
+              <a:t>r</a:t>
+            </a:r>
+            <a:r>
+              <a:rPr b="0" lang="en-US" sz="4400" spc="-1" strike="noStrike">
+                <a:latin typeface="Arial"/>
+              </a:rPr>
+              <a:t>m</a:t>
+            </a:r>
+            <a:r>
+              <a:rPr b="0" lang="en-US" sz="4400" spc="-1" strike="noStrike">
+                <a:latin typeface="Arial"/>
+              </a:rPr>
+              <a:t>a</a:t>
+            </a:r>
+            <a:r>
+              <a:rPr b="0" lang="en-US" sz="4400" spc="-1" strike="noStrike">
+                <a:latin typeface="Arial"/>
+              </a:rPr>
+              <a:t>t</a:t>
+            </a:r>
+            <a:endParaRPr b="0" lang="en-US" sz="4400" spc="-1" strike="noStrike">
+              <a:latin typeface="Arial"/>
+            </a:endParaRPr>
+          </a:p>
+        </p:txBody>
+      </p:sp>
+      <p:sp>
+        <p:nvSpPr>
+          <p:cNvPr id="80" name="PlaceHolder 3"/>
           <p:cNvSpPr>
             <a:spLocks noGrp="1"/>
           </p:cNvSpPr>
@@ -6390,20 +6710,20 @@
         </p:nvSpPr>
         <p:spPr>
           <a:xfrm>
-            <a:off x="311760" y="1389600"/>
-            <a:ext cx="2807640" cy="3179160"/>
-          </a:xfrm>
-          <a:prstGeom prst="rect">
-            <a:avLst/>
-          </a:prstGeom>
-          <a:noFill/>
-          <a:ln w="0">
-            <a:noFill/>
-          </a:ln>
-        </p:spPr>
-        <p:txBody>
-          <a:bodyPr tIns="91440" bIns="91440" anchor="t">
-            <a:normAutofit fontScale="57000"/>
+            <a:off x="457200" y="1203480"/>
+            <a:ext cx="8229240" cy="2982960"/>
+          </a:xfrm>
+          <a:prstGeom prst="rect">
+            <a:avLst/>
+          </a:prstGeom>
+          <a:noFill/>
+          <a:ln w="0">
+            <a:noFill/>
+          </a:ln>
+        </p:spPr>
+        <p:txBody>
+          <a:bodyPr lIns="0" rIns="0" tIns="0" bIns="0" anchor="t">
+            <a:normAutofit/>
           </a:bodyPr>
           <a:p>
             <a:pPr marL="432000" indent="-324000">
@@ -6418,18 +6738,12 @@
               <a:buChar char=""/>
             </a:pPr>
             <a:r>
-              <a:rPr b="0" lang="en-US" sz="1200" spc="-1" strike="noStrike">
-                <a:solidFill>
-                  <a:srgbClr val="000000"/>
-                </a:solidFill>
+              <a:rPr b="0" lang="en-US" sz="3200" spc="-1" strike="noStrike">
                 <a:latin typeface="Arial"/>
               </a:rPr>
               <a:t>Click to edit the outline text format</a:t>
             </a:r>
-            <a:endParaRPr b="0" lang="en-US" sz="1200" spc="-1" strike="noStrike">
-              <a:solidFill>
-                <a:srgbClr val="000000"/>
-              </a:solidFill>
+            <a:endParaRPr b="0" lang="en-US" sz="3200" spc="-1" strike="noStrike">
               <a:latin typeface="Arial"/>
             </a:endParaRPr>
           </a:p>
@@ -6446,18 +6760,12 @@
               <a:buChar char=""/>
             </a:pPr>
             <a:r>
-              <a:rPr b="0" lang="en-US" sz="1200" spc="-1" strike="noStrike">
-                <a:solidFill>
-                  <a:srgbClr val="000000"/>
-                </a:solidFill>
+              <a:rPr b="0" lang="en-US" sz="2800" spc="-1" strike="noStrike">
                 <a:latin typeface="Arial"/>
               </a:rPr>
               <a:t>Second Outline Level</a:t>
             </a:r>
-            <a:endParaRPr b="0" lang="en-US" sz="1200" spc="-1" strike="noStrike">
-              <a:solidFill>
-                <a:srgbClr val="000000"/>
-              </a:solidFill>
+            <a:endParaRPr b="0" lang="en-US" sz="2800" spc="-1" strike="noStrike">
               <a:latin typeface="Arial"/>
             </a:endParaRPr>
           </a:p>
@@ -6474,18 +6782,12 @@
               <a:buChar char=""/>
             </a:pPr>
             <a:r>
-              <a:rPr b="0" lang="en-US" sz="1200" spc="-1" strike="noStrike">
-                <a:solidFill>
-                  <a:srgbClr val="000000"/>
-                </a:solidFill>
+              <a:rPr b="0" lang="en-US" sz="2400" spc="-1" strike="noStrike">
                 <a:latin typeface="Arial"/>
               </a:rPr>
               <a:t>Third Outline Level</a:t>
             </a:r>
-            <a:endParaRPr b="0" lang="en-US" sz="1200" spc="-1" strike="noStrike">
-              <a:solidFill>
-                <a:srgbClr val="000000"/>
-              </a:solidFill>
+            <a:endParaRPr b="0" lang="en-US" sz="2400" spc="-1" strike="noStrike">
               <a:latin typeface="Arial"/>
             </a:endParaRPr>
           </a:p>
@@ -6502,18 +6804,12 @@
               <a:buChar char=""/>
             </a:pPr>
             <a:r>
-              <a:rPr b="0" lang="en-US" sz="1200" spc="-1" strike="noStrike">
-                <a:solidFill>
-                  <a:srgbClr val="000000"/>
-                </a:solidFill>
+              <a:rPr b="0" lang="en-US" sz="2000" spc="-1" strike="noStrike">
                 <a:latin typeface="Arial"/>
               </a:rPr>
               <a:t>Fourth Outline Level</a:t>
             </a:r>
-            <a:endParaRPr b="0" lang="en-US" sz="1200" spc="-1" strike="noStrike">
-              <a:solidFill>
-                <a:srgbClr val="000000"/>
-              </a:solidFill>
+            <a:endParaRPr b="0" lang="en-US" sz="2000" spc="-1" strike="noStrike">
               <a:latin typeface="Arial"/>
             </a:endParaRPr>
           </a:p>
@@ -6530,18 +6826,12 @@
               <a:buChar char=""/>
             </a:pPr>
             <a:r>
-              <a:rPr b="0" lang="en-US" sz="1200" spc="-1" strike="noStrike">
-                <a:solidFill>
-                  <a:srgbClr val="000000"/>
-                </a:solidFill>
+              <a:rPr b="0" lang="en-US" sz="2000" spc="-1" strike="noStrike">
                 <a:latin typeface="Arial"/>
               </a:rPr>
               <a:t>Fifth Outline Level</a:t>
             </a:r>
-            <a:endParaRPr b="0" lang="en-US" sz="1200" spc="-1" strike="noStrike">
-              <a:solidFill>
-                <a:srgbClr val="000000"/>
-              </a:solidFill>
+            <a:endParaRPr b="0" lang="en-US" sz="2000" spc="-1" strike="noStrike">
               <a:latin typeface="Arial"/>
             </a:endParaRPr>
           </a:p>
@@ -6558,18 +6848,12 @@
               <a:buChar char=""/>
             </a:pPr>
             <a:r>
-              <a:rPr b="0" lang="en-US" sz="1200" spc="-1" strike="noStrike">
-                <a:solidFill>
-                  <a:srgbClr val="000000"/>
-                </a:solidFill>
+              <a:rPr b="0" lang="en-US" sz="2000" spc="-1" strike="noStrike">
                 <a:latin typeface="Arial"/>
               </a:rPr>
               <a:t>Sixth Outline Level</a:t>
             </a:r>
-            <a:endParaRPr b="0" lang="en-US" sz="1200" spc="-1" strike="noStrike">
-              <a:solidFill>
-                <a:srgbClr val="000000"/>
-              </a:solidFill>
+            <a:endParaRPr b="0" lang="en-US" sz="2000" spc="-1" strike="noStrike">
               <a:latin typeface="Arial"/>
             </a:endParaRPr>
           </a:p>
@@ -6586,90 +6870,13 @@
               <a:buChar char=""/>
             </a:pPr>
             <a:r>
-              <a:rPr b="0" lang="en-US" sz="1200" spc="-1" strike="noStrike">
-                <a:solidFill>
-                  <a:srgbClr val="000000"/>
-                </a:solidFill>
+              <a:rPr b="0" lang="en-US" sz="2000" spc="-1" strike="noStrike">
                 <a:latin typeface="Arial"/>
               </a:rPr>
               <a:t>Seventh Outline Level</a:t>
             </a:r>
-            <a:endParaRPr b="0" lang="en-US" sz="1200" spc="-1" strike="noStrike">
-              <a:solidFill>
-                <a:srgbClr val="000000"/>
-              </a:solidFill>
-              <a:latin typeface="Arial"/>
-            </a:endParaRPr>
-          </a:p>
-        </p:txBody>
-      </p:sp>
-      <p:sp>
-        <p:nvSpPr>
-          <p:cNvPr id="80" name="PlaceHolder 3"/>
-          <p:cNvSpPr>
-            <a:spLocks noGrp="1"/>
-          </p:cNvSpPr>
-          <p:nvPr>
-            <p:ph type="sldNum" idx="3"/>
-          </p:nvPr>
-        </p:nvSpPr>
-        <p:spPr>
-          <a:xfrm>
-            <a:off x="8472600" y="4663080"/>
-            <a:ext cx="548280" cy="393120"/>
-          </a:xfrm>
-          <a:prstGeom prst="rect">
-            <a:avLst/>
-          </a:prstGeom>
-          <a:noFill/>
-          <a:ln w="0">
-            <a:noFill/>
-          </a:ln>
-        </p:spPr>
-        <p:txBody>
-          <a:bodyPr tIns="91440" bIns="91440" anchor="ctr">
-            <a:normAutofit/>
-          </a:bodyPr>
-          <a:lstStyle>
-            <a:lvl1pPr algn="r">
-              <a:lnSpc>
-                <a:spcPct val="100000"/>
-              </a:lnSpc>
-              <a:buNone/>
-              <a:tabLst>
-                <a:tab algn="l" pos="0"/>
-              </a:tabLst>
-              <a:defRPr b="0" lang="en" sz="1000" spc="-1" strike="noStrike">
-                <a:solidFill>
-                  <a:srgbClr val="595959"/>
-                </a:solidFill>
-                <a:latin typeface="Arial"/>
-                <a:ea typeface="Arial"/>
-              </a:defRPr>
-            </a:lvl1pPr>
-          </a:lstStyle>
-          <a:p>
-            <a:pPr algn="r">
-              <a:lnSpc>
-                <a:spcPct val="100000"/>
-              </a:lnSpc>
-              <a:buNone/>
-              <a:tabLst>
-                <a:tab algn="l" pos="0"/>
-              </a:tabLst>
-            </a:pPr>
-            <a:fld id="{99CE82CB-2193-4E19-BED1-D12FB64AF142}" type="slidenum">
-              <a:rPr b="0" lang="en" sz="1000" spc="-1" strike="noStrike">
-                <a:solidFill>
-                  <a:srgbClr val="595959"/>
-                </a:solidFill>
-                <a:latin typeface="Arial"/>
-                <a:ea typeface="Arial"/>
-              </a:rPr>
-              <a:t>&lt;number&gt;</a:t>
-            </a:fld>
-            <a:endParaRPr b="0" lang="en-US" sz="1000" spc="-1" strike="noStrike">
-              <a:latin typeface="Times New Roman"/>
+            <a:endParaRPr b="0" lang="en-US" sz="2000" spc="-1" strike="noStrike">
+              <a:latin typeface="Arial"/>
             </a:endParaRPr>
           </a:p>
         </p:txBody>
@@ -6724,18 +6931,18 @@
         <p:spPr>
           <a:xfrm>
             <a:off x="311760" y="744480"/>
-            <a:ext cx="8520120" cy="2052360"/>
-          </a:xfrm>
-          <a:prstGeom prst="rect">
-            <a:avLst/>
-          </a:prstGeom>
-          <a:noFill/>
-          <a:ln w="0">
-            <a:noFill/>
-          </a:ln>
-        </p:spPr>
-        <p:txBody>
-          <a:bodyPr tIns="91440" bIns="91440" anchor="b">
+            <a:ext cx="8519760" cy="2052000"/>
+          </a:xfrm>
+          <a:prstGeom prst="rect">
+            <a:avLst/>
+          </a:prstGeom>
+          <a:noFill/>
+          <a:ln w="0">
+            <a:noFill/>
+          </a:ln>
+        </p:spPr>
+        <p:txBody>
+          <a:bodyPr lIns="0" rIns="0" tIns="91440" bIns="91440" anchor="b">
             <a:normAutofit/>
           </a:bodyPr>
           <a:p>
@@ -6756,12 +6963,229 @@
                 <a:latin typeface="Caveat"/>
                 <a:ea typeface="Caveat"/>
               </a:rPr>
-              <a:t>STORYBOARD: PYTHON GAME</a:t>
+              <a:t>S</a:t>
+            </a:r>
+            <a:r>
+              <a:rPr b="0" lang="en" sz="4000" spc="-1" strike="noStrike">
+                <a:solidFill>
+                  <a:srgbClr val="000000"/>
+                </a:solidFill>
+                <a:latin typeface="Caveat"/>
+                <a:ea typeface="Caveat"/>
+              </a:rPr>
+              <a:t>T</a:t>
+            </a:r>
+            <a:r>
+              <a:rPr b="0" lang="en" sz="4000" spc="-1" strike="noStrike">
+                <a:solidFill>
+                  <a:srgbClr val="000000"/>
+                </a:solidFill>
+                <a:latin typeface="Caveat"/>
+                <a:ea typeface="Caveat"/>
+              </a:rPr>
+              <a:t>O</a:t>
+            </a:r>
+            <a:r>
+              <a:rPr b="0" lang="en" sz="4000" spc="-1" strike="noStrike">
+                <a:solidFill>
+                  <a:srgbClr val="000000"/>
+                </a:solidFill>
+                <a:latin typeface="Caveat"/>
+                <a:ea typeface="Caveat"/>
+              </a:rPr>
+              <a:t>R</a:t>
+            </a:r>
+            <a:r>
+              <a:rPr b="0" lang="en" sz="4000" spc="-1" strike="noStrike">
+                <a:solidFill>
+                  <a:srgbClr val="000000"/>
+                </a:solidFill>
+                <a:latin typeface="Caveat"/>
+                <a:ea typeface="Caveat"/>
+              </a:rPr>
+              <a:t>Y</a:t>
+            </a:r>
+            <a:r>
+              <a:rPr b="0" lang="en" sz="4000" spc="-1" strike="noStrike">
+                <a:solidFill>
+                  <a:srgbClr val="000000"/>
+                </a:solidFill>
+                <a:latin typeface="Caveat"/>
+                <a:ea typeface="Caveat"/>
+              </a:rPr>
+              <a:t>B</a:t>
+            </a:r>
+            <a:r>
+              <a:rPr b="0" lang="en" sz="4000" spc="-1" strike="noStrike">
+                <a:solidFill>
+                  <a:srgbClr val="000000"/>
+                </a:solidFill>
+                <a:latin typeface="Caveat"/>
+                <a:ea typeface="Caveat"/>
+              </a:rPr>
+              <a:t>O</a:t>
+            </a:r>
+            <a:r>
+              <a:rPr b="0" lang="en" sz="4000" spc="-1" strike="noStrike">
+                <a:solidFill>
+                  <a:srgbClr val="000000"/>
+                </a:solidFill>
+                <a:latin typeface="Caveat"/>
+                <a:ea typeface="Caveat"/>
+              </a:rPr>
+              <a:t>A</a:t>
+            </a:r>
+            <a:r>
+              <a:rPr b="0" lang="en" sz="4000" spc="-1" strike="noStrike">
+                <a:solidFill>
+                  <a:srgbClr val="000000"/>
+                </a:solidFill>
+                <a:latin typeface="Caveat"/>
+                <a:ea typeface="Caveat"/>
+              </a:rPr>
+              <a:t>R</a:t>
+            </a:r>
+            <a:r>
+              <a:rPr b="0" lang="en" sz="4000" spc="-1" strike="noStrike">
+                <a:solidFill>
+                  <a:srgbClr val="000000"/>
+                </a:solidFill>
+                <a:latin typeface="Caveat"/>
+                <a:ea typeface="Caveat"/>
+              </a:rPr>
+              <a:t>D</a:t>
+            </a:r>
+            <a:r>
+              <a:rPr b="0" lang="en" sz="4000" spc="-1" strike="noStrike">
+                <a:solidFill>
+                  <a:srgbClr val="000000"/>
+                </a:solidFill>
+                <a:latin typeface="Caveat"/>
+                <a:ea typeface="Caveat"/>
+              </a:rPr>
+              <a:t>:</a:t>
+            </a:r>
+            <a:r>
+              <a:rPr b="0" lang="en" sz="4000" spc="-1" strike="noStrike">
+                <a:solidFill>
+                  <a:srgbClr val="000000"/>
+                </a:solidFill>
+                <a:latin typeface="Caveat"/>
+                <a:ea typeface="Caveat"/>
+              </a:rPr>
+              <a:t> </a:t>
+            </a:r>
+            <a:r>
+              <a:rPr b="0" lang="en" sz="4000" spc="-1" strike="noStrike">
+                <a:solidFill>
+                  <a:srgbClr val="000000"/>
+                </a:solidFill>
+                <a:latin typeface="Caveat"/>
+                <a:ea typeface="Caveat"/>
+              </a:rPr>
+              <a:t>P</a:t>
+            </a:r>
+            <a:r>
+              <a:rPr b="0" lang="en" sz="4000" spc="-1" strike="noStrike">
+                <a:solidFill>
+                  <a:srgbClr val="000000"/>
+                </a:solidFill>
+                <a:latin typeface="Caveat"/>
+                <a:ea typeface="Caveat"/>
+              </a:rPr>
+              <a:t>Y</a:t>
+            </a:r>
+            <a:r>
+              <a:rPr b="0" lang="en" sz="4000" spc="-1" strike="noStrike">
+                <a:solidFill>
+                  <a:srgbClr val="000000"/>
+                </a:solidFill>
+                <a:latin typeface="Caveat"/>
+                <a:ea typeface="Caveat"/>
+              </a:rPr>
+              <a:t>T</a:t>
+            </a:r>
+            <a:r>
+              <a:rPr b="0" lang="en" sz="4000" spc="-1" strike="noStrike">
+                <a:solidFill>
+                  <a:srgbClr val="000000"/>
+                </a:solidFill>
+                <a:latin typeface="Caveat"/>
+                <a:ea typeface="Caveat"/>
+              </a:rPr>
+              <a:t>H</a:t>
+            </a:r>
+            <a:r>
+              <a:rPr b="0" lang="en" sz="4000" spc="-1" strike="noStrike">
+                <a:solidFill>
+                  <a:srgbClr val="000000"/>
+                </a:solidFill>
+                <a:latin typeface="Caveat"/>
+                <a:ea typeface="Caveat"/>
+              </a:rPr>
+              <a:t>O</a:t>
+            </a:r>
+            <a:r>
+              <a:rPr b="0" lang="en" sz="4000" spc="-1" strike="noStrike">
+                <a:solidFill>
+                  <a:srgbClr val="000000"/>
+                </a:solidFill>
+                <a:latin typeface="Caveat"/>
+                <a:ea typeface="Caveat"/>
+              </a:rPr>
+              <a:t>N</a:t>
+            </a:r>
+            <a:r>
+              <a:rPr b="0" lang="en" sz="4000" spc="-1" strike="noStrike">
+                <a:solidFill>
+                  <a:srgbClr val="000000"/>
+                </a:solidFill>
+                <a:latin typeface="Caveat"/>
+                <a:ea typeface="Caveat"/>
+              </a:rPr>
+              <a:t> </a:t>
+            </a:r>
+            <a:r>
+              <a:rPr b="0" lang="en" sz="4000" spc="-1" strike="noStrike">
+                <a:solidFill>
+                  <a:srgbClr val="000000"/>
+                </a:solidFill>
+                <a:latin typeface="Caveat"/>
+                <a:ea typeface="Caveat"/>
+              </a:rPr>
+              <a:t>G</a:t>
+            </a:r>
+            <a:r>
+              <a:rPr b="0" lang="en" sz="4000" spc="-1" strike="noStrike">
+                <a:solidFill>
+                  <a:srgbClr val="000000"/>
+                </a:solidFill>
+                <a:latin typeface="Caveat"/>
+                <a:ea typeface="Caveat"/>
+              </a:rPr>
+              <a:t>A</a:t>
+            </a:r>
+            <a:r>
+              <a:rPr b="0" lang="en" sz="4000" spc="-1" strike="noStrike">
+                <a:solidFill>
+                  <a:srgbClr val="000000"/>
+                </a:solidFill>
+                <a:latin typeface="Caveat"/>
+                <a:ea typeface="Caveat"/>
+              </a:rPr>
+              <a:t>M</a:t>
+            </a:r>
+            <a:r>
+              <a:rPr b="0" lang="en" sz="4000" spc="-1" strike="noStrike">
+                <a:solidFill>
+                  <a:srgbClr val="000000"/>
+                </a:solidFill>
+                <a:latin typeface="Caveat"/>
+                <a:ea typeface="Caveat"/>
+              </a:rPr>
+              <a:t>E</a:t>
             </a:r>
             <a:endParaRPr b="0" lang="en-US" sz="4000" spc="-1" strike="noStrike">
-              <a:solidFill>
-                <a:srgbClr val="000000"/>
-              </a:solidFill>
               <a:latin typeface="Arial"/>
             </a:endParaRPr>
           </a:p>
@@ -6780,18 +7204,18 @@
         <p:spPr>
           <a:xfrm>
             <a:off x="311760" y="2834280"/>
-            <a:ext cx="8520120" cy="792360"/>
-          </a:xfrm>
-          <a:prstGeom prst="rect">
-            <a:avLst/>
-          </a:prstGeom>
-          <a:noFill/>
-          <a:ln w="0">
-            <a:noFill/>
-          </a:ln>
-        </p:spPr>
-        <p:txBody>
-          <a:bodyPr tIns="91440" bIns="91440" anchor="t">
+            <a:ext cx="8519760" cy="792000"/>
+          </a:xfrm>
+          <a:prstGeom prst="rect">
+            <a:avLst/>
+          </a:prstGeom>
+          <a:noFill/>
+          <a:ln w="0">
+            <a:noFill/>
+          </a:ln>
+        </p:spPr>
+        <p:txBody>
+          <a:bodyPr lIns="0" rIns="0" tIns="91440" bIns="91440" anchor="t">
             <a:normAutofit/>
           </a:bodyPr>
           <a:p>
@@ -6836,7 +7260,7 @@
       </p:grpSpPr>
       <p:sp>
         <p:nvSpPr>
-          <p:cNvPr id="186" name="PlaceHolder 1"/>
+          <p:cNvPr id="203" name="PlaceHolder 1"/>
           <p:cNvSpPr>
             <a:spLocks noGrp="1"/>
           </p:cNvSpPr>
@@ -6847,18 +7271,18 @@
         <p:spPr>
           <a:xfrm>
             <a:off x="311760" y="444960"/>
-            <a:ext cx="8520120" cy="572400"/>
-          </a:xfrm>
-          <a:prstGeom prst="rect">
-            <a:avLst/>
-          </a:prstGeom>
-          <a:noFill/>
-          <a:ln w="0">
-            <a:noFill/>
-          </a:ln>
-        </p:spPr>
-        <p:txBody>
-          <a:bodyPr tIns="91440" bIns="91440" anchor="t">
+            <a:ext cx="8519760" cy="572040"/>
+          </a:xfrm>
+          <a:prstGeom prst="rect">
+            <a:avLst/>
+          </a:prstGeom>
+          <a:noFill/>
+          <a:ln w="0">
+            <a:noFill/>
+          </a:ln>
+        </p:spPr>
+        <p:txBody>
+          <a:bodyPr lIns="0" rIns="0" tIns="91440" bIns="91440" anchor="t">
             <a:normAutofit fontScale="90000"/>
           </a:bodyPr>
           <a:p>
@@ -6879,7 +7303,27 @@
                 <a:latin typeface="Arial"/>
                 <a:ea typeface="Arial"/>
               </a:rPr>
-              <a:t>If Falls 1 </a:t>
+              <a:t>If </a:t>
+            </a:r>
+            <a:r>
+              <a:rPr b="0" lang="en" sz="2800" spc="-1" strike="noStrike">
+                <a:solidFill>
+                  <a:srgbClr val="000000"/>
+                </a:solidFill>
+                <a:latin typeface="Arial"/>
+                <a:ea typeface="Arial"/>
+              </a:rPr>
+              <a:t>Falls </a:t>
+            </a:r>
+            <a:r>
+              <a:rPr b="0" lang="en" sz="2800" spc="-1" strike="noStrike">
+                <a:solidFill>
+                  <a:srgbClr val="000000"/>
+                </a:solidFill>
+                <a:latin typeface="Arial"/>
+                <a:ea typeface="Arial"/>
+              </a:rPr>
+              <a:t>1 </a:t>
             </a:r>
             <a:r>
               <a:rPr b="0" lang="en" sz="1300" spc="-1" strike="noStrike">
@@ -6889,20 +7333,127 @@
                 <a:latin typeface="Arial"/>
                 <a:ea typeface="Arial"/>
               </a:rPr>
-              <a:t>Is water doable? Discuss with the team. Possibly brainstorm other ways to gamify if/else statements</a:t>
+              <a:t>Is </a:t>
+            </a:r>
+            <a:r>
+              <a:rPr b="0" lang="en" sz="1300" spc="-1" strike="noStrike">
+                <a:solidFill>
+                  <a:srgbClr val="000000"/>
+                </a:solidFill>
+                <a:latin typeface="Arial"/>
+                <a:ea typeface="Arial"/>
+              </a:rPr>
+              <a:t>water </a:t>
+            </a:r>
+            <a:r>
+              <a:rPr b="0" lang="en" sz="1300" spc="-1" strike="noStrike">
+                <a:solidFill>
+                  <a:srgbClr val="000000"/>
+                </a:solidFill>
+                <a:latin typeface="Arial"/>
+                <a:ea typeface="Arial"/>
+              </a:rPr>
+              <a:t>doable? </a:t>
+            </a:r>
+            <a:r>
+              <a:rPr b="0" lang="en" sz="1300" spc="-1" strike="noStrike">
+                <a:solidFill>
+                  <a:srgbClr val="000000"/>
+                </a:solidFill>
+                <a:latin typeface="Arial"/>
+                <a:ea typeface="Arial"/>
+              </a:rPr>
+              <a:t>Discuss </a:t>
+            </a:r>
+            <a:r>
+              <a:rPr b="0" lang="en" sz="1300" spc="-1" strike="noStrike">
+                <a:solidFill>
+                  <a:srgbClr val="000000"/>
+                </a:solidFill>
+                <a:latin typeface="Arial"/>
+                <a:ea typeface="Arial"/>
+              </a:rPr>
+              <a:t>with the </a:t>
+            </a:r>
+            <a:r>
+              <a:rPr b="0" lang="en" sz="1300" spc="-1" strike="noStrike">
+                <a:solidFill>
+                  <a:srgbClr val="000000"/>
+                </a:solidFill>
+                <a:latin typeface="Arial"/>
+                <a:ea typeface="Arial"/>
+              </a:rPr>
+              <a:t>team. </a:t>
+            </a:r>
+            <a:r>
+              <a:rPr b="0" lang="en" sz="1300" spc="-1" strike="noStrike">
+                <a:solidFill>
+                  <a:srgbClr val="000000"/>
+                </a:solidFill>
+                <a:latin typeface="Arial"/>
+                <a:ea typeface="Arial"/>
+              </a:rPr>
+              <a:t>Possibly </a:t>
+            </a:r>
+            <a:r>
+              <a:rPr b="0" lang="en" sz="1300" spc="-1" strike="noStrike">
+                <a:solidFill>
+                  <a:srgbClr val="000000"/>
+                </a:solidFill>
+                <a:latin typeface="Arial"/>
+                <a:ea typeface="Arial"/>
+              </a:rPr>
+              <a:t>brainstorm </a:t>
+            </a:r>
+            <a:r>
+              <a:rPr b="0" lang="en" sz="1300" spc="-1" strike="noStrike">
+                <a:solidFill>
+                  <a:srgbClr val="000000"/>
+                </a:solidFill>
+                <a:latin typeface="Arial"/>
+                <a:ea typeface="Arial"/>
+              </a:rPr>
+              <a:t>other ways </a:t>
+            </a:r>
+            <a:r>
+              <a:rPr b="0" lang="en" sz="1300" spc="-1" strike="noStrike">
+                <a:solidFill>
+                  <a:srgbClr val="000000"/>
+                </a:solidFill>
+                <a:latin typeface="Arial"/>
+                <a:ea typeface="Arial"/>
+              </a:rPr>
+              <a:t>to gamify </a:t>
+            </a:r>
+            <a:r>
+              <a:rPr b="0" lang="en" sz="1300" spc="-1" strike="noStrike">
+                <a:solidFill>
+                  <a:srgbClr val="000000"/>
+                </a:solidFill>
+                <a:latin typeface="Arial"/>
+                <a:ea typeface="Arial"/>
+              </a:rPr>
+              <a:t>if/else </a:t>
+            </a:r>
+            <a:r>
+              <a:rPr b="0" lang="en" sz="1300" spc="-1" strike="noStrike">
+                <a:solidFill>
+                  <a:srgbClr val="000000"/>
+                </a:solidFill>
+                <a:latin typeface="Arial"/>
+                <a:ea typeface="Arial"/>
+              </a:rPr>
+              <a:t>statements</a:t>
             </a:r>
             <a:endParaRPr b="0" lang="en-US" sz="1300" spc="-1" strike="noStrike">
-              <a:solidFill>
-                <a:srgbClr val="000000"/>
-              </a:solidFill>
-              <a:latin typeface="Arial"/>
-            </a:endParaRPr>
-          </a:p>
-        </p:txBody>
-      </p:sp>
-      <p:sp>
-        <p:nvSpPr>
-          <p:cNvPr id="187" name="PlaceHolder 2"/>
+              <a:latin typeface="Arial"/>
+            </a:endParaRPr>
+          </a:p>
+        </p:txBody>
+      </p:sp>
+      <p:sp>
+        <p:nvSpPr>
+          <p:cNvPr id="204" name="PlaceHolder 2"/>
           <p:cNvSpPr>
             <a:spLocks noGrp="1"/>
           </p:cNvSpPr>
@@ -6913,18 +7464,18 @@
         <p:spPr>
           <a:xfrm>
             <a:off x="311760" y="1152360"/>
-            <a:ext cx="4259880" cy="3416040"/>
-          </a:xfrm>
-          <a:prstGeom prst="rect">
-            <a:avLst/>
-          </a:prstGeom>
-          <a:noFill/>
-          <a:ln w="0">
-            <a:noFill/>
-          </a:ln>
-        </p:spPr>
-        <p:txBody>
-          <a:bodyPr tIns="91440" bIns="91440" anchor="t">
+            <a:ext cx="4259520" cy="3415680"/>
+          </a:xfrm>
+          <a:prstGeom prst="rect">
+            <a:avLst/>
+          </a:prstGeom>
+          <a:noFill/>
+          <a:ln w="0">
+            <a:noFill/>
+          </a:ln>
+        </p:spPr>
+        <p:txBody>
+          <a:bodyPr lIns="0" rIns="0" tIns="91440" bIns="91440" anchor="t">
             <a:normAutofit/>
           </a:bodyPr>
           <a:p>
@@ -6951,9 +7502,6 @@
               <a:t>Snek ascends from the burial grounds into the cavernous If Falls - there are so many waterways and waterfalls, Snek isn't sure how to navigate them. Ancient hieroglyphs inform Snek that with the knowledge of if/else statements, the flow of the water can be controlled and lead Snek towards the exit.</a:t>
             </a:r>
             <a:endParaRPr b="0" lang="en-US" sz="1800" spc="-1" strike="noStrike">
-              <a:solidFill>
-                <a:srgbClr val="000000"/>
-              </a:solidFill>
               <a:latin typeface="Arial"/>
             </a:endParaRPr>
           </a:p>
@@ -6991,7 +7539,7 @@
       </p:grpSpPr>
       <p:sp>
         <p:nvSpPr>
-          <p:cNvPr id="188" name="PlaceHolder 1"/>
+          <p:cNvPr id="205" name="PlaceHolder 1"/>
           <p:cNvSpPr>
             <a:spLocks noGrp="1"/>
           </p:cNvSpPr>
@@ -7002,18 +7550,18 @@
         <p:spPr>
           <a:xfrm>
             <a:off x="311760" y="444960"/>
-            <a:ext cx="8520120" cy="572400"/>
-          </a:xfrm>
-          <a:prstGeom prst="rect">
-            <a:avLst/>
-          </a:prstGeom>
-          <a:noFill/>
-          <a:ln w="0">
-            <a:noFill/>
-          </a:ln>
-        </p:spPr>
-        <p:txBody>
-          <a:bodyPr tIns="91440" bIns="91440" anchor="t">
+            <a:ext cx="8519760" cy="572040"/>
+          </a:xfrm>
+          <a:prstGeom prst="rect">
+            <a:avLst/>
+          </a:prstGeom>
+          <a:noFill/>
+          <a:ln w="0">
+            <a:noFill/>
+          </a:ln>
+        </p:spPr>
+        <p:txBody>
+          <a:bodyPr lIns="0" rIns="0" tIns="91440" bIns="91440" anchor="t">
             <a:normAutofit fontScale="91000"/>
           </a:bodyPr>
           <a:p>
@@ -7034,20 +7582,107 @@
                 <a:latin typeface="Arial"/>
                 <a:ea typeface="Arial"/>
               </a:rPr>
-              <a:t>If Falls 2</a:t>
+              <a:t>I</a:t>
+            </a:r>
+            <a:r>
+              <a:rPr b="0" lang="en" sz="2800" spc="-1" strike="noStrike">
+                <a:solidFill>
+                  <a:srgbClr val="000000"/>
+                </a:solidFill>
+                <a:latin typeface="Arial"/>
+                <a:ea typeface="Arial"/>
+              </a:rPr>
+              <a:t>f</a:t>
+            </a:r>
+            <a:r>
+              <a:rPr b="0" lang="en" sz="2800" spc="-1" strike="noStrike">
+                <a:solidFill>
+                  <a:srgbClr val="000000"/>
+                </a:solidFill>
+                <a:latin typeface="Arial"/>
+                <a:ea typeface="Arial"/>
+              </a:rPr>
+              <a:t> </a:t>
+            </a:r>
+            <a:r>
+              <a:rPr b="0" lang="en" sz="2800" spc="-1" strike="noStrike">
+                <a:solidFill>
+                  <a:srgbClr val="000000"/>
+                </a:solidFill>
+                <a:latin typeface="Arial"/>
+                <a:ea typeface="Arial"/>
+              </a:rPr>
+              <a:t>F</a:t>
+            </a:r>
+            <a:r>
+              <a:rPr b="0" lang="en" sz="2800" spc="-1" strike="noStrike">
+                <a:solidFill>
+                  <a:srgbClr val="000000"/>
+                </a:solidFill>
+                <a:latin typeface="Arial"/>
+                <a:ea typeface="Arial"/>
+              </a:rPr>
+              <a:t>a</a:t>
+            </a:r>
+            <a:r>
+              <a:rPr b="0" lang="en" sz="2800" spc="-1" strike="noStrike">
+                <a:solidFill>
+                  <a:srgbClr val="000000"/>
+                </a:solidFill>
+                <a:latin typeface="Arial"/>
+                <a:ea typeface="Arial"/>
+              </a:rPr>
+              <a:t>l</a:t>
+            </a:r>
+            <a:r>
+              <a:rPr b="0" lang="en" sz="2800" spc="-1" strike="noStrike">
+                <a:solidFill>
+                  <a:srgbClr val="000000"/>
+                </a:solidFill>
+                <a:latin typeface="Arial"/>
+                <a:ea typeface="Arial"/>
+              </a:rPr>
+              <a:t>l</a:t>
+            </a:r>
+            <a:r>
+              <a:rPr b="0" lang="en" sz="2800" spc="-1" strike="noStrike">
+                <a:solidFill>
+                  <a:srgbClr val="000000"/>
+                </a:solidFill>
+                <a:latin typeface="Arial"/>
+                <a:ea typeface="Arial"/>
+              </a:rPr>
+              <a:t>s</a:t>
+            </a:r>
+            <a:r>
+              <a:rPr b="0" lang="en" sz="2800" spc="-1" strike="noStrike">
+                <a:solidFill>
+                  <a:srgbClr val="000000"/>
+                </a:solidFill>
+                <a:latin typeface="Arial"/>
+                <a:ea typeface="Arial"/>
+              </a:rPr>
+              <a:t> </a:t>
+            </a:r>
+            <a:r>
+              <a:rPr b="0" lang="en" sz="2800" spc="-1" strike="noStrike">
+                <a:solidFill>
+                  <a:srgbClr val="000000"/>
+                </a:solidFill>
+                <a:latin typeface="Arial"/>
+                <a:ea typeface="Arial"/>
+              </a:rPr>
+              <a:t>2</a:t>
             </a:r>
             <a:endParaRPr b="0" lang="en-US" sz="2800" spc="-1" strike="noStrike">
-              <a:solidFill>
-                <a:srgbClr val="000000"/>
-              </a:solidFill>
-              <a:latin typeface="Arial"/>
-            </a:endParaRPr>
-          </a:p>
-        </p:txBody>
-      </p:sp>
-      <p:sp>
-        <p:nvSpPr>
-          <p:cNvPr id="189" name="PlaceHolder 2"/>
+              <a:latin typeface="Arial"/>
+            </a:endParaRPr>
+          </a:p>
+        </p:txBody>
+      </p:sp>
+      <p:sp>
+        <p:nvSpPr>
+          <p:cNvPr id="206" name="PlaceHolder 2"/>
           <p:cNvSpPr>
             <a:spLocks noGrp="1"/>
           </p:cNvSpPr>
@@ -7058,18 +7693,18 @@
         <p:spPr>
           <a:xfrm>
             <a:off x="311760" y="1152360"/>
-            <a:ext cx="4259880" cy="3416040"/>
-          </a:xfrm>
-          <a:prstGeom prst="rect">
-            <a:avLst/>
-          </a:prstGeom>
-          <a:noFill/>
-          <a:ln w="0">
-            <a:noFill/>
-          </a:ln>
-        </p:spPr>
-        <p:txBody>
-          <a:bodyPr tIns="91440" bIns="91440" anchor="t">
+            <a:ext cx="4259520" cy="3415680"/>
+          </a:xfrm>
+          <a:prstGeom prst="rect">
+            <a:avLst/>
+          </a:prstGeom>
+          <a:noFill/>
+          <a:ln w="0">
+            <a:noFill/>
+          </a:ln>
+        </p:spPr>
+        <p:txBody>
+          <a:bodyPr lIns="0" rIns="0" tIns="91440" bIns="91440" anchor="t">
             <a:normAutofit/>
           </a:bodyPr>
           <a:p>
@@ -7096,9 +7731,6 @@
               <a:t>Snek has to navigate pulling the right levers to ensure that the waterways are flowing the proper way. Snek learns the difference between multiple sequential if statements and multiple sequential if/else statements.</a:t>
             </a:r>
             <a:endParaRPr b="0" lang="en-US" sz="1800" spc="-1" strike="noStrike">
-              <a:solidFill>
-                <a:srgbClr val="000000"/>
-              </a:solidFill>
               <a:latin typeface="Arial"/>
             </a:endParaRPr>
           </a:p>
@@ -7136,7 +7768,7 @@
       </p:grpSpPr>
       <p:sp>
         <p:nvSpPr>
-          <p:cNvPr id="190" name="PlaceHolder 1"/>
+          <p:cNvPr id="207" name="PlaceHolder 1"/>
           <p:cNvSpPr>
             <a:spLocks noGrp="1"/>
           </p:cNvSpPr>
@@ -7147,18 +7779,18 @@
         <p:spPr>
           <a:xfrm>
             <a:off x="311760" y="555480"/>
-            <a:ext cx="2807640" cy="755280"/>
-          </a:xfrm>
-          <a:prstGeom prst="rect">
-            <a:avLst/>
-          </a:prstGeom>
-          <a:noFill/>
-          <a:ln w="0">
-            <a:noFill/>
-          </a:ln>
-        </p:spPr>
-        <p:txBody>
-          <a:bodyPr tIns="91440" bIns="91440" anchor="b">
+            <a:ext cx="2807280" cy="754920"/>
+          </a:xfrm>
+          <a:prstGeom prst="rect">
+            <a:avLst/>
+          </a:prstGeom>
+          <a:noFill/>
+          <a:ln w="0">
+            <a:noFill/>
+          </a:ln>
+        </p:spPr>
+        <p:txBody>
+          <a:bodyPr lIns="90000" rIns="90000" tIns="91440" bIns="91440" anchor="b">
             <a:normAutofit/>
           </a:bodyPr>
           <a:p>
@@ -7182,17 +7814,14 @@
               <a:t>If Falls 3</a:t>
             </a:r>
             <a:endParaRPr b="0" lang="en-US" sz="2400" spc="-1" strike="noStrike">
-              <a:solidFill>
-                <a:srgbClr val="000000"/>
-              </a:solidFill>
-              <a:latin typeface="Arial"/>
-            </a:endParaRPr>
-          </a:p>
-        </p:txBody>
-      </p:sp>
-      <p:sp>
-        <p:nvSpPr>
-          <p:cNvPr id="191" name="PlaceHolder 2"/>
+              <a:latin typeface="Arial"/>
+            </a:endParaRPr>
+          </a:p>
+        </p:txBody>
+      </p:sp>
+      <p:sp>
+        <p:nvSpPr>
+          <p:cNvPr id="208" name="PlaceHolder 2"/>
           <p:cNvSpPr>
             <a:spLocks noGrp="1"/>
           </p:cNvSpPr>
@@ -7203,18 +7832,18 @@
         <p:spPr>
           <a:xfrm>
             <a:off x="311760" y="1389600"/>
-            <a:ext cx="2807640" cy="3179160"/>
-          </a:xfrm>
-          <a:prstGeom prst="rect">
-            <a:avLst/>
-          </a:prstGeom>
-          <a:noFill/>
-          <a:ln w="0">
-            <a:noFill/>
-          </a:ln>
-        </p:spPr>
-        <p:txBody>
-          <a:bodyPr tIns="91440" bIns="91440" anchor="t">
+            <a:ext cx="2807280" cy="3178800"/>
+          </a:xfrm>
+          <a:prstGeom prst="rect">
+            <a:avLst/>
+          </a:prstGeom>
+          <a:noFill/>
+          <a:ln w="0">
+            <a:noFill/>
+          </a:ln>
+        </p:spPr>
+        <p:txBody>
+          <a:bodyPr lIns="90000" rIns="90000" tIns="91440" bIns="91440" anchor="t">
             <a:normAutofit/>
           </a:bodyPr>
           <a:p>
@@ -7241,9 +7870,6 @@
               <a:t>Oh man, the Ancients aren't making leaving easy. But Snek is determined to flow into the next area.</a:t>
             </a:r>
             <a:endParaRPr b="0" lang="en-US" sz="1200" spc="-1" strike="noStrike">
-              <a:solidFill>
-                <a:srgbClr val="000000"/>
-              </a:solidFill>
               <a:latin typeface="Arial"/>
             </a:endParaRPr>
           </a:p>
@@ -7281,7 +7907,7 @@
       </p:grpSpPr>
       <p:sp>
         <p:nvSpPr>
-          <p:cNvPr id="192" name="PlaceHolder 1"/>
+          <p:cNvPr id="209" name="PlaceHolder 1"/>
           <p:cNvSpPr>
             <a:spLocks noGrp="1"/>
           </p:cNvSpPr>
@@ -7292,18 +7918,18 @@
         <p:spPr>
           <a:xfrm>
             <a:off x="311760" y="555480"/>
-            <a:ext cx="2807640" cy="755280"/>
-          </a:xfrm>
-          <a:prstGeom prst="rect">
-            <a:avLst/>
-          </a:prstGeom>
-          <a:noFill/>
-          <a:ln w="0">
-            <a:noFill/>
-          </a:ln>
-        </p:spPr>
-        <p:txBody>
-          <a:bodyPr tIns="91440" bIns="91440" anchor="b">
+            <a:ext cx="2807280" cy="754920"/>
+          </a:xfrm>
+          <a:prstGeom prst="rect">
+            <a:avLst/>
+          </a:prstGeom>
+          <a:noFill/>
+          <a:ln w="0">
+            <a:noFill/>
+          </a:ln>
+        </p:spPr>
+        <p:txBody>
+          <a:bodyPr lIns="90000" rIns="90000" tIns="91440" bIns="91440" anchor="b">
             <a:normAutofit/>
           </a:bodyPr>
           <a:p>
@@ -7324,30 +7950,47 @@
                 <a:latin typeface="Arial"/>
                 <a:ea typeface="Arial"/>
               </a:rPr>
-              <a:t>For-ward Exit 1 </a:t>
-            </a:r>
-            <a:r>
-              <a:rPr b="0" lang="en" sz="1200" spc="-1" strike="noStrike">
-                <a:solidFill>
-                  <a:srgbClr val="000000"/>
-                </a:solidFill>
-                <a:latin typeface="Arial"/>
-                <a:ea typeface="Arial"/>
-              </a:rPr>
-              <a:t>Discuss this concept with team</a:t>
-            </a:r>
-            <a:endParaRPr b="0" lang="en-US" sz="1200" spc="-1" strike="noStrike">
-              <a:solidFill>
-                <a:srgbClr val="000000"/>
-              </a:solidFill>
-              <a:latin typeface="Arial"/>
-            </a:endParaRPr>
-          </a:p>
-        </p:txBody>
-      </p:sp>
-      <p:sp>
-        <p:nvSpPr>
-          <p:cNvPr id="193" name="PlaceHolder 2"/>
+              <a:t>For-</a:t>
+            </a:r>
+            <a:r>
+              <a:rPr b="0" lang="en" sz="2400" spc="-1" strike="noStrike">
+                <a:solidFill>
+                  <a:srgbClr val="000000"/>
+                </a:solidFill>
+                <a:latin typeface="Arial"/>
+                <a:ea typeface="Arial"/>
+              </a:rPr>
+              <a:t>ward </a:t>
+            </a:r>
+            <a:r>
+              <a:rPr b="0" lang="en" sz="2400" spc="-1" strike="noStrike">
+                <a:solidFill>
+                  <a:srgbClr val="000000"/>
+                </a:solidFill>
+                <a:latin typeface="Arial"/>
+                <a:ea typeface="Arial"/>
+              </a:rPr>
+              <a:t>Exit </a:t>
+            </a:r>
+            <a:r>
+              <a:rPr b="0" lang="en" sz="2400" spc="-1" strike="noStrike">
+                <a:solidFill>
+                  <a:srgbClr val="000000"/>
+                </a:solidFill>
+                <a:latin typeface="Arial"/>
+                <a:ea typeface="Arial"/>
+              </a:rPr>
+              <a:t>1 </a:t>
+            </a:r>
+            <a:endParaRPr b="0" lang="en-US" sz="2400" spc="-1" strike="noStrike">
+              <a:latin typeface="Arial"/>
+            </a:endParaRPr>
+          </a:p>
+        </p:txBody>
+      </p:sp>
+      <p:sp>
+        <p:nvSpPr>
+          <p:cNvPr id="210" name="PlaceHolder 2"/>
           <p:cNvSpPr>
             <a:spLocks noGrp="1"/>
           </p:cNvSpPr>
@@ -7358,18 +8001,18 @@
         <p:spPr>
           <a:xfrm>
             <a:off x="311760" y="1389600"/>
-            <a:ext cx="2807640" cy="3179160"/>
-          </a:xfrm>
-          <a:prstGeom prst="rect">
-            <a:avLst/>
-          </a:prstGeom>
-          <a:noFill/>
-          <a:ln w="0">
-            <a:noFill/>
-          </a:ln>
-        </p:spPr>
-        <p:txBody>
-          <a:bodyPr tIns="91440" bIns="91440" anchor="t">
+            <a:ext cx="2807280" cy="3178800"/>
+          </a:xfrm>
+          <a:prstGeom prst="rect">
+            <a:avLst/>
+          </a:prstGeom>
+          <a:noFill/>
+          <a:ln w="0">
+            <a:noFill/>
+          </a:ln>
+        </p:spPr>
+        <p:txBody>
+          <a:bodyPr lIns="90000" rIns="90000" tIns="91440" bIns="91440" anchor="t">
             <a:normAutofit/>
           </a:bodyPr>
           <a:p>
@@ -7396,9 +8039,6 @@
               <a:t>The Ancients have set up a system of powered up and down doors to keep would be thieves from leaving the tomb. Snek learns about lists and for loops and how the Ancients have used them to supply or cut off power to the doors. Armed with this knowledge, Snek creates for loops to get power to the proper doors and get out of the tomb</a:t>
             </a:r>
             <a:endParaRPr b="0" lang="en-US" sz="1200" spc="-1" strike="noStrike">
-              <a:solidFill>
-                <a:srgbClr val="000000"/>
-              </a:solidFill>
               <a:latin typeface="Arial"/>
             </a:endParaRPr>
           </a:p>
@@ -7436,7 +8076,7 @@
       </p:grpSpPr>
       <p:sp>
         <p:nvSpPr>
-          <p:cNvPr id="194" name="PlaceHolder 1"/>
+          <p:cNvPr id="211" name="PlaceHolder 1"/>
           <p:cNvSpPr>
             <a:spLocks noGrp="1"/>
           </p:cNvSpPr>
@@ -7447,18 +8087,18 @@
         <p:spPr>
           <a:xfrm>
             <a:off x="311760" y="555480"/>
-            <a:ext cx="2807640" cy="755280"/>
-          </a:xfrm>
-          <a:prstGeom prst="rect">
-            <a:avLst/>
-          </a:prstGeom>
-          <a:noFill/>
-          <a:ln w="0">
-            <a:noFill/>
-          </a:ln>
-        </p:spPr>
-        <p:txBody>
-          <a:bodyPr tIns="91440" bIns="91440" anchor="b">
+            <a:ext cx="2807280" cy="754920"/>
+          </a:xfrm>
+          <a:prstGeom prst="rect">
+            <a:avLst/>
+          </a:prstGeom>
+          <a:noFill/>
+          <a:ln w="0">
+            <a:noFill/>
+          </a:ln>
+        </p:spPr>
+        <p:txBody>
+          <a:bodyPr lIns="90000" rIns="90000" tIns="91440" bIns="91440" anchor="b">
             <a:normAutofit/>
           </a:bodyPr>
           <a:p>
@@ -7479,20 +8119,37 @@
                 <a:latin typeface="Arial"/>
                 <a:ea typeface="Arial"/>
               </a:rPr>
-              <a:t>For-ward Exit</a:t>
+              <a:t>For-</a:t>
+            </a:r>
+            <a:r>
+              <a:rPr b="0" lang="en" sz="2400" spc="-1" strike="noStrike">
+                <a:solidFill>
+                  <a:srgbClr val="000000"/>
+                </a:solidFill>
+                <a:latin typeface="Arial"/>
+                <a:ea typeface="Arial"/>
+              </a:rPr>
+              <a:t>ward </a:t>
+            </a:r>
+            <a:r>
+              <a:rPr b="0" lang="en" sz="2400" spc="-1" strike="noStrike">
+                <a:solidFill>
+                  <a:srgbClr val="000000"/>
+                </a:solidFill>
+                <a:latin typeface="Arial"/>
+                <a:ea typeface="Arial"/>
+              </a:rPr>
+              <a:t>Exit</a:t>
             </a:r>
             <a:endParaRPr b="0" lang="en-US" sz="2400" spc="-1" strike="noStrike">
-              <a:solidFill>
-                <a:srgbClr val="000000"/>
-              </a:solidFill>
-              <a:latin typeface="Arial"/>
-            </a:endParaRPr>
-          </a:p>
-        </p:txBody>
-      </p:sp>
-      <p:sp>
-        <p:nvSpPr>
-          <p:cNvPr id="195" name="PlaceHolder 2"/>
+              <a:latin typeface="Arial"/>
+            </a:endParaRPr>
+          </a:p>
+        </p:txBody>
+      </p:sp>
+      <p:sp>
+        <p:nvSpPr>
+          <p:cNvPr id="212" name="PlaceHolder 2"/>
           <p:cNvSpPr>
             <a:spLocks noGrp="1"/>
           </p:cNvSpPr>
@@ -7503,18 +8160,18 @@
         <p:spPr>
           <a:xfrm>
             <a:off x="311760" y="1389600"/>
-            <a:ext cx="2807640" cy="3179160"/>
-          </a:xfrm>
-          <a:prstGeom prst="rect">
-            <a:avLst/>
-          </a:prstGeom>
-          <a:noFill/>
-          <a:ln w="0">
-            <a:noFill/>
-          </a:ln>
-        </p:spPr>
-        <p:txBody>
-          <a:bodyPr tIns="91440" bIns="91440" anchor="t">
+            <a:ext cx="2807280" cy="3178800"/>
+          </a:xfrm>
+          <a:prstGeom prst="rect">
+            <a:avLst/>
+          </a:prstGeom>
+          <a:noFill/>
+          <a:ln w="0">
+            <a:noFill/>
+          </a:ln>
+        </p:spPr>
+        <p:txBody>
+          <a:bodyPr lIns="90000" rIns="90000" tIns="91440" bIns="91440" anchor="t">
             <a:normAutofit/>
           </a:bodyPr>
           <a:p>
@@ -7541,9 +8198,6 @@
               <a:t>More of the same. A little bit harder, though</a:t>
             </a:r>
             <a:endParaRPr b="0" lang="en-US" sz="1200" spc="-1" strike="noStrike">
-              <a:solidFill>
-                <a:srgbClr val="000000"/>
-              </a:solidFill>
               <a:latin typeface="Arial"/>
             </a:endParaRPr>
           </a:p>
@@ -7581,7 +8235,7 @@
       </p:grpSpPr>
       <p:sp>
         <p:nvSpPr>
-          <p:cNvPr id="196" name="PlaceHolder 1"/>
+          <p:cNvPr id="213" name="PlaceHolder 1"/>
           <p:cNvSpPr>
             <a:spLocks noGrp="1"/>
           </p:cNvSpPr>
@@ -7592,18 +8246,18 @@
         <p:spPr>
           <a:xfrm>
             <a:off x="311760" y="555480"/>
-            <a:ext cx="2807640" cy="755280"/>
-          </a:xfrm>
-          <a:prstGeom prst="rect">
-            <a:avLst/>
-          </a:prstGeom>
-          <a:noFill/>
-          <a:ln w="0">
-            <a:noFill/>
-          </a:ln>
-        </p:spPr>
-        <p:txBody>
-          <a:bodyPr tIns="91440" bIns="91440" anchor="b">
+            <a:ext cx="2807280" cy="754920"/>
+          </a:xfrm>
+          <a:prstGeom prst="rect">
+            <a:avLst/>
+          </a:prstGeom>
+          <a:noFill/>
+          <a:ln w="0">
+            <a:noFill/>
+          </a:ln>
+        </p:spPr>
+        <p:txBody>
+          <a:bodyPr lIns="90000" rIns="90000" tIns="91440" bIns="91440" anchor="b">
             <a:normAutofit/>
           </a:bodyPr>
           <a:p>
@@ -7624,20 +8278,67 @@
                 <a:latin typeface="Arial"/>
                 <a:ea typeface="Arial"/>
               </a:rPr>
-              <a:t>For-ward Exit 3</a:t>
+              <a:t>For</a:t>
+            </a:r>
+            <a:r>
+              <a:rPr b="0" lang="en" sz="2400" spc="-1" strike="noStrike">
+                <a:solidFill>
+                  <a:srgbClr val="000000"/>
+                </a:solidFill>
+                <a:latin typeface="Arial"/>
+                <a:ea typeface="Arial"/>
+              </a:rPr>
+              <a:t>-</a:t>
+            </a:r>
+            <a:r>
+              <a:rPr b="0" lang="en" sz="2400" spc="-1" strike="noStrike">
+                <a:solidFill>
+                  <a:srgbClr val="000000"/>
+                </a:solidFill>
+                <a:latin typeface="Arial"/>
+                <a:ea typeface="Arial"/>
+              </a:rPr>
+              <a:t>war</a:t>
+            </a:r>
+            <a:r>
+              <a:rPr b="0" lang="en" sz="2400" spc="-1" strike="noStrike">
+                <a:solidFill>
+                  <a:srgbClr val="000000"/>
+                </a:solidFill>
+                <a:latin typeface="Arial"/>
+                <a:ea typeface="Arial"/>
+              </a:rPr>
+              <a:t>d </a:t>
+            </a:r>
+            <a:r>
+              <a:rPr b="0" lang="en" sz="2400" spc="-1" strike="noStrike">
+                <a:solidFill>
+                  <a:srgbClr val="000000"/>
+                </a:solidFill>
+                <a:latin typeface="Arial"/>
+                <a:ea typeface="Arial"/>
+              </a:rPr>
+              <a:t>Exit </a:t>
+            </a:r>
+            <a:r>
+              <a:rPr b="0" lang="en" sz="2400" spc="-1" strike="noStrike">
+                <a:solidFill>
+                  <a:srgbClr val="000000"/>
+                </a:solidFill>
+                <a:latin typeface="Arial"/>
+                <a:ea typeface="Arial"/>
+              </a:rPr>
+              <a:t>3</a:t>
             </a:r>
             <a:endParaRPr b="0" lang="en-US" sz="2400" spc="-1" strike="noStrike">
-              <a:solidFill>
-                <a:srgbClr val="000000"/>
-              </a:solidFill>
-              <a:latin typeface="Arial"/>
-            </a:endParaRPr>
-          </a:p>
-        </p:txBody>
-      </p:sp>
-      <p:sp>
-        <p:nvSpPr>
-          <p:cNvPr id="197" name="PlaceHolder 2"/>
+              <a:latin typeface="Arial"/>
+            </a:endParaRPr>
+          </a:p>
+        </p:txBody>
+      </p:sp>
+      <p:sp>
+        <p:nvSpPr>
+          <p:cNvPr id="214" name="PlaceHolder 2"/>
           <p:cNvSpPr>
             <a:spLocks noGrp="1"/>
           </p:cNvSpPr>
@@ -7648,18 +8349,18 @@
         <p:spPr>
           <a:xfrm>
             <a:off x="311760" y="1389600"/>
-            <a:ext cx="2807640" cy="3179160"/>
-          </a:xfrm>
-          <a:prstGeom prst="rect">
-            <a:avLst/>
-          </a:prstGeom>
-          <a:noFill/>
-          <a:ln w="0">
-            <a:noFill/>
-          </a:ln>
-        </p:spPr>
-        <p:txBody>
-          <a:bodyPr tIns="91440" bIns="91440" anchor="t">
+            <a:ext cx="2807280" cy="3178800"/>
+          </a:xfrm>
+          <a:prstGeom prst="rect">
+            <a:avLst/>
+          </a:prstGeom>
+          <a:noFill/>
+          <a:ln w="0">
+            <a:noFill/>
+          </a:ln>
+        </p:spPr>
+        <p:txBody>
+          <a:bodyPr lIns="90000" rIns="90000" tIns="91440" bIns="91440" anchor="t">
             <a:normAutofit/>
           </a:bodyPr>
           <a:p>
@@ -7686,9 +8387,6 @@
               <a:t>Oh wow. The biggest challenge yet. Snek can see sunlight on the other side of the portcullis! But getting out is going to require Snek to use all of the knowledge of the Ancients to open the final door.</a:t>
             </a:r>
             <a:endParaRPr b="0" lang="en-US" sz="1200" spc="-1" strike="noStrike">
-              <a:solidFill>
-                <a:srgbClr val="000000"/>
-              </a:solidFill>
               <a:latin typeface="Arial"/>
             </a:endParaRPr>
           </a:p>
@@ -7737,18 +8435,18 @@
         <p:spPr>
           <a:xfrm>
             <a:off x="311760" y="444960"/>
-            <a:ext cx="8520120" cy="572400"/>
-          </a:xfrm>
-          <a:prstGeom prst="rect">
-            <a:avLst/>
-          </a:prstGeom>
-          <a:noFill/>
-          <a:ln w="0">
-            <a:noFill/>
-          </a:ln>
-        </p:spPr>
-        <p:txBody>
-          <a:bodyPr tIns="91440" bIns="91440" anchor="t">
+            <a:ext cx="8519760" cy="572040"/>
+          </a:xfrm>
+          <a:prstGeom prst="rect">
+            <a:avLst/>
+          </a:prstGeom>
+          <a:noFill/>
+          <a:ln w="0">
+            <a:noFill/>
+          </a:ln>
+        </p:spPr>
+        <p:txBody>
+          <a:bodyPr lIns="0" rIns="0" tIns="91440" bIns="91440" anchor="t">
             <a:normAutofit fontScale="91000"/>
           </a:bodyPr>
           <a:p>
@@ -7782,9 +8480,6 @@
               <a:t>Nice, but not necessary</a:t>
             </a:r>
             <a:endParaRPr b="0" lang="en-US" sz="1300" spc="-1" strike="noStrike">
-              <a:solidFill>
-                <a:srgbClr val="000000"/>
-              </a:solidFill>
               <a:latin typeface="Arial"/>
             </a:endParaRPr>
           </a:p>
@@ -7803,18 +8498,18 @@
         <p:spPr>
           <a:xfrm>
             <a:off x="311760" y="1152360"/>
-            <a:ext cx="4259880" cy="3416040"/>
-          </a:xfrm>
-          <a:prstGeom prst="rect">
-            <a:avLst/>
-          </a:prstGeom>
-          <a:noFill/>
-          <a:ln w="0">
-            <a:noFill/>
-          </a:ln>
-        </p:spPr>
-        <p:txBody>
-          <a:bodyPr tIns="91440" bIns="91440" anchor="t">
+            <a:ext cx="4259520" cy="3415680"/>
+          </a:xfrm>
+          <a:prstGeom prst="rect">
+            <a:avLst/>
+          </a:prstGeom>
+          <a:noFill/>
+          <a:ln w="0">
+            <a:noFill/>
+          </a:ln>
+        </p:spPr>
+        <p:txBody>
+          <a:bodyPr lIns="0" rIns="0" tIns="91440" bIns="91440" anchor="t">
             <a:normAutofit/>
           </a:bodyPr>
           <a:p>
@@ -7841,9 +8536,6 @@
               <a:t>Snek is lost in the tomb of an ancient civilization! Snek needs to learn the ancients secret programming techniques to escape!</a:t>
             </a:r>
             <a:endParaRPr b="0" lang="en-US" sz="1800" spc="-1" strike="noStrike">
-              <a:solidFill>
-                <a:srgbClr val="000000"/>
-              </a:solidFill>
               <a:latin typeface="Arial"/>
             </a:endParaRPr>
           </a:p>
@@ -7862,7 +8554,7 @@
         <p:spPr>
           <a:xfrm>
             <a:off x="5859720" y="2175480"/>
-            <a:ext cx="2844000" cy="2129040"/>
+            <a:ext cx="2843640" cy="2128680"/>
           </a:xfrm>
           <a:prstGeom prst="rect">
             <a:avLst/>
@@ -7885,7 +8577,7 @@
         <p:spPr>
           <a:xfrm>
             <a:off x="5133600" y="444960"/>
-            <a:ext cx="3570120" cy="1891800"/>
+            <a:ext cx="3569760" cy="1891440"/>
           </a:xfrm>
           <a:prstGeom prst="rect">
             <a:avLst/>
@@ -8013,18 +8705,18 @@
         <p:spPr>
           <a:xfrm>
             <a:off x="311760" y="444960"/>
-            <a:ext cx="2805120" cy="572400"/>
-          </a:xfrm>
-          <a:prstGeom prst="rect">
-            <a:avLst/>
-          </a:prstGeom>
-          <a:noFill/>
-          <a:ln w="0">
-            <a:noFill/>
-          </a:ln>
-        </p:spPr>
-        <p:txBody>
-          <a:bodyPr tIns="91440" bIns="91440" anchor="t">
+            <a:ext cx="2804760" cy="572040"/>
+          </a:xfrm>
+          <a:prstGeom prst="rect">
+            <a:avLst/>
+          </a:prstGeom>
+          <a:noFill/>
+          <a:ln w="0">
+            <a:noFill/>
+          </a:ln>
+        </p:spPr>
+        <p:txBody>
+          <a:bodyPr lIns="0" rIns="0" tIns="91440" bIns="91440" anchor="t">
             <a:normAutofit fontScale="91000"/>
           </a:bodyPr>
           <a:p>
@@ -8048,9 +8740,6 @@
               <a:t>Variable Valley 1</a:t>
             </a:r>
             <a:endParaRPr b="0" lang="en-US" sz="2800" spc="-1" strike="noStrike">
-              <a:solidFill>
-                <a:srgbClr val="000000"/>
-              </a:solidFill>
               <a:latin typeface="Arial"/>
             </a:endParaRPr>
           </a:p>
@@ -8069,18 +8758,18 @@
         <p:spPr>
           <a:xfrm>
             <a:off x="311760" y="1152360"/>
-            <a:ext cx="4259880" cy="3416040"/>
-          </a:xfrm>
-          <a:prstGeom prst="rect">
-            <a:avLst/>
-          </a:prstGeom>
-          <a:noFill/>
-          <a:ln w="0">
-            <a:noFill/>
-          </a:ln>
-        </p:spPr>
-        <p:txBody>
-          <a:bodyPr tIns="91440" bIns="91440" anchor="t">
+            <a:ext cx="4259520" cy="3415680"/>
+          </a:xfrm>
+          <a:prstGeom prst="rect">
+            <a:avLst/>
+          </a:prstGeom>
+          <a:noFill/>
+          <a:ln w="0">
+            <a:noFill/>
+          </a:ln>
+        </p:spPr>
+        <p:txBody>
+          <a:bodyPr lIns="0" rIns="0" tIns="91440" bIns="91440" anchor="t">
             <a:normAutofit/>
           </a:bodyPr>
           <a:p>
@@ -8107,9 +8796,6 @@
               <a:t>Snek learns about variables and Pythonic variable conventions via ancient hieroglyphs and uses that knowledge to progress forward</a:t>
             </a:r>
             <a:endParaRPr b="0" lang="en-US" sz="1800" spc="-1" strike="noStrike">
-              <a:solidFill>
-                <a:srgbClr val="000000"/>
-              </a:solidFill>
               <a:latin typeface="Arial"/>
             </a:endParaRPr>
           </a:p>
@@ -8128,7 +8814,7 @@
         <p:spPr>
           <a:xfrm>
             <a:off x="5734800" y="2095200"/>
-            <a:ext cx="2844000" cy="2129040"/>
+            <a:ext cx="2843640" cy="2128680"/>
           </a:xfrm>
           <a:prstGeom prst="rect">
             <a:avLst/>
@@ -8146,8 +8832,8 @@
         </p:nvSpPr>
         <p:spPr>
           <a:xfrm rot="16200000">
-            <a:off x="8050680" y="1256040"/>
-            <a:ext cx="829080" cy="849240"/>
+            <a:off x="8050680" y="1256400"/>
+            <a:ext cx="828720" cy="848880"/>
           </a:xfrm>
           <a:prstGeom prst="flowChartDelay">
             <a:avLst/>
@@ -8177,8 +8863,8 @@
         </p:nvSpPr>
         <p:spPr>
           <a:xfrm rot="16200000">
-            <a:off x="6800040" y="1256040"/>
-            <a:ext cx="829080" cy="849240"/>
+            <a:off x="6800040" y="1256400"/>
+            <a:ext cx="828720" cy="848880"/>
           </a:xfrm>
           <a:prstGeom prst="flowChartDelay">
             <a:avLst/>
@@ -8208,8 +8894,8 @@
         </p:nvSpPr>
         <p:spPr>
           <a:xfrm rot="16200000">
-            <a:off x="5445720" y="1256040"/>
-            <a:ext cx="829080" cy="849240"/>
+            <a:off x="5445720" y="1256400"/>
+            <a:ext cx="828720" cy="848880"/>
           </a:xfrm>
           <a:prstGeom prst="flowChartDelay">
             <a:avLst/>
@@ -8240,7 +8926,7 @@
         <p:spPr>
           <a:xfrm>
             <a:off x="5230800" y="3444480"/>
-            <a:ext cx="3852720" cy="399960"/>
+            <a:ext cx="3852360" cy="399600"/>
           </a:xfrm>
           <a:prstGeom prst="rect">
             <a:avLst/>
@@ -8266,7 +8952,7 @@
         <p:spPr>
           <a:xfrm>
             <a:off x="5526000" y="795600"/>
-            <a:ext cx="668520" cy="395640"/>
+            <a:ext cx="668160" cy="395640"/>
           </a:xfrm>
           <a:prstGeom prst="rect">
             <a:avLst/>
@@ -8283,7 +8969,7 @@
           <a:fontRef idx="minor"/>
         </p:style>
         <p:txBody>
-          <a:bodyPr tIns="91440" bIns="91440" anchor="t">
+          <a:bodyPr lIns="90000" rIns="90000" tIns="91440" bIns="91440" anchor="t">
             <a:spAutoFit/>
           </a:bodyPr>
           <a:p>
@@ -8321,7 +9007,7 @@
         <p:spPr>
           <a:xfrm>
             <a:off x="6695280" y="795600"/>
-            <a:ext cx="1039320" cy="395640"/>
+            <a:ext cx="1038960" cy="395640"/>
           </a:xfrm>
           <a:prstGeom prst="rect">
             <a:avLst/>
@@ -8338,7 +9024,7 @@
           <a:fontRef idx="minor"/>
         </p:style>
         <p:txBody>
-          <a:bodyPr tIns="91440" bIns="91440" anchor="t">
+          <a:bodyPr lIns="90000" rIns="90000" tIns="91440" bIns="91440" anchor="t">
             <a:spAutoFit/>
           </a:bodyPr>
           <a:p>
@@ -8376,7 +9062,7 @@
         <p:spPr>
           <a:xfrm>
             <a:off x="7945560" y="795600"/>
-            <a:ext cx="1039320" cy="395640"/>
+            <a:ext cx="1038960" cy="395640"/>
           </a:xfrm>
           <a:prstGeom prst="rect">
             <a:avLst/>
@@ -8393,7 +9079,7 @@
           <a:fontRef idx="minor"/>
         </p:style>
         <p:txBody>
-          <a:bodyPr tIns="91440" bIns="91440" anchor="t">
+          <a:bodyPr lIns="90000" rIns="90000" tIns="91440" bIns="91440" anchor="t">
             <a:spAutoFit/>
           </a:bodyPr>
           <a:p>
@@ -8461,7 +9147,7 @@
         <p:spPr>
           <a:xfrm>
             <a:off x="6495120" y="528120"/>
-            <a:ext cx="720360" cy="352800"/>
+            <a:ext cx="720000" cy="614880"/>
           </a:xfrm>
           <a:prstGeom prst="rect">
             <a:avLst/>
@@ -8492,7 +9178,7 @@
         <p:spPr>
           <a:xfrm>
             <a:off x="7712280" y="528120"/>
-            <a:ext cx="849240" cy="352800"/>
+            <a:ext cx="848880" cy="614880"/>
           </a:xfrm>
           <a:prstGeom prst="rect">
             <a:avLst/>
@@ -8522,8 +9208,8 @@
         </p:nvSpPr>
         <p:spPr>
           <a:xfrm>
-            <a:off x="5244120" y="554760"/>
-            <a:ext cx="661680" cy="352800"/>
+            <a:off x="5244120" y="566640"/>
+            <a:ext cx="928080" cy="588240"/>
           </a:xfrm>
           <a:prstGeom prst="rect">
             <a:avLst/>
@@ -8558,19 +9244,19 @@
         <p:spPr>
           <a:xfrm>
             <a:off x="311760" y="444960"/>
-            <a:ext cx="2771640" cy="572400"/>
-          </a:xfrm>
-          <a:prstGeom prst="rect">
-            <a:avLst/>
-          </a:prstGeom>
-          <a:noFill/>
-          <a:ln w="0">
-            <a:noFill/>
-          </a:ln>
-        </p:spPr>
-        <p:txBody>
-          <a:bodyPr tIns="91440" bIns="91440" anchor="t">
-            <a:normAutofit fontScale="90000"/>
+            <a:ext cx="2771280" cy="572040"/>
+          </a:xfrm>
+          <a:prstGeom prst="rect">
+            <a:avLst/>
+          </a:prstGeom>
+          <a:noFill/>
+          <a:ln w="0">
+            <a:noFill/>
+          </a:ln>
+        </p:spPr>
+        <p:txBody>
+          <a:bodyPr lIns="0" rIns="0" tIns="91440" bIns="91440" anchor="t">
+            <a:normAutofit fontScale="91000"/>
           </a:bodyPr>
           <a:p>
             <a:pPr>
@@ -8590,12 +9276,169 @@
                 <a:latin typeface="Arial"/>
                 <a:ea typeface="Arial"/>
               </a:rPr>
-              <a:t>Variable Valley 2</a:t>
+              <a:t>V</a:t>
+            </a:r>
+            <a:r>
+              <a:rPr b="0" lang="en" sz="2800" spc="-1" strike="noStrike">
+                <a:solidFill>
+                  <a:srgbClr val="000000"/>
+                </a:solidFill>
+                <a:latin typeface="Arial"/>
+                <a:ea typeface="Arial"/>
+              </a:rPr>
+              <a:t>a</a:t>
+            </a:r>
+            <a:r>
+              <a:rPr b="0" lang="en" sz="2800" spc="-1" strike="noStrike">
+                <a:solidFill>
+                  <a:srgbClr val="000000"/>
+                </a:solidFill>
+                <a:latin typeface="Arial"/>
+                <a:ea typeface="Arial"/>
+              </a:rPr>
+              <a:t>r</a:t>
+            </a:r>
+            <a:r>
+              <a:rPr b="0" lang="en" sz="2800" spc="-1" strike="noStrike">
+                <a:solidFill>
+                  <a:srgbClr val="000000"/>
+                </a:solidFill>
+                <a:latin typeface="Arial"/>
+                <a:ea typeface="Arial"/>
+              </a:rPr>
+              <a:t>i</a:t>
+            </a:r>
+            <a:r>
+              <a:rPr b="0" lang="en" sz="2800" spc="-1" strike="noStrike">
+                <a:solidFill>
+                  <a:srgbClr val="000000"/>
+                </a:solidFill>
+                <a:latin typeface="Arial"/>
+                <a:ea typeface="Arial"/>
+              </a:rPr>
+              <a:t>a</a:t>
+            </a:r>
+            <a:r>
+              <a:rPr b="0" lang="en" sz="2800" spc="-1" strike="noStrike">
+                <a:solidFill>
+                  <a:srgbClr val="000000"/>
+                </a:solidFill>
+                <a:latin typeface="Arial"/>
+                <a:ea typeface="Arial"/>
+              </a:rPr>
+              <a:t>b</a:t>
+            </a:r>
+            <a:r>
+              <a:rPr b="0" lang="en" sz="2800" spc="-1" strike="noStrike">
+                <a:solidFill>
+                  <a:srgbClr val="000000"/>
+                </a:solidFill>
+                <a:latin typeface="Arial"/>
+                <a:ea typeface="Arial"/>
+              </a:rPr>
+              <a:t>l</a:t>
+            </a:r>
+            <a:r>
+              <a:rPr b="0" lang="en" sz="2800" spc="-1" strike="noStrike">
+                <a:solidFill>
+                  <a:srgbClr val="000000"/>
+                </a:solidFill>
+                <a:latin typeface="Arial"/>
+                <a:ea typeface="Arial"/>
+              </a:rPr>
+              <a:t>e</a:t>
+            </a:r>
+            <a:r>
+              <a:rPr b="0" lang="en" sz="2800" spc="-1" strike="noStrike">
+                <a:solidFill>
+                  <a:srgbClr val="000000"/>
+                </a:solidFill>
+                <a:latin typeface="Arial"/>
+                <a:ea typeface="Arial"/>
+              </a:rPr>
+              <a:t> </a:t>
+            </a:r>
+            <a:r>
+              <a:rPr b="0" lang="en" sz="2800" spc="-1" strike="noStrike">
+                <a:solidFill>
+                  <a:srgbClr val="000000"/>
+                </a:solidFill>
+                <a:latin typeface="Arial"/>
+                <a:ea typeface="Arial"/>
+              </a:rPr>
+              <a:t>V</a:t>
+            </a:r>
+            <a:r>
+              <a:rPr b="0" lang="en" sz="2800" spc="-1" strike="noStrike">
+                <a:solidFill>
+                  <a:srgbClr val="000000"/>
+                </a:solidFill>
+                <a:latin typeface="Arial"/>
+                <a:ea typeface="Arial"/>
+              </a:rPr>
+              <a:t>a</a:t>
+            </a:r>
+            <a:r>
+              <a:rPr b="0" lang="en" sz="2800" spc="-1" strike="noStrike">
+                <a:solidFill>
+                  <a:srgbClr val="000000"/>
+                </a:solidFill>
+                <a:latin typeface="Arial"/>
+                <a:ea typeface="Arial"/>
+              </a:rPr>
+              <a:t>l</a:t>
+            </a:r>
+            <a:r>
+              <a:rPr b="0" lang="en" sz="2800" spc="-1" strike="noStrike">
+                <a:solidFill>
+                  <a:srgbClr val="000000"/>
+                </a:solidFill>
+                <a:latin typeface="Arial"/>
+                <a:ea typeface="Arial"/>
+              </a:rPr>
+              <a:t>l</a:t>
+            </a:r>
+            <a:r>
+              <a:rPr b="0" lang="en" sz="2800" spc="-1" strike="noStrike">
+                <a:solidFill>
+                  <a:srgbClr val="000000"/>
+                </a:solidFill>
+                <a:latin typeface="Arial"/>
+                <a:ea typeface="Arial"/>
+              </a:rPr>
+              <a:t>e</a:t>
+            </a:r>
+            <a:r>
+              <a:rPr b="0" lang="en" sz="2800" spc="-1" strike="noStrike">
+                <a:solidFill>
+                  <a:srgbClr val="000000"/>
+                </a:solidFill>
+                <a:latin typeface="Arial"/>
+                <a:ea typeface="Arial"/>
+              </a:rPr>
+              <a:t>y</a:t>
+            </a:r>
+            <a:r>
+              <a:rPr b="0" lang="en" sz="2800" spc="-1" strike="noStrike">
+                <a:solidFill>
+                  <a:srgbClr val="000000"/>
+                </a:solidFill>
+                <a:latin typeface="Arial"/>
+                <a:ea typeface="Arial"/>
+              </a:rPr>
+              <a:t> </a:t>
+            </a:r>
+            <a:r>
+              <a:rPr b="0" lang="en" sz="2800" spc="-1" strike="noStrike">
+                <a:solidFill>
+                  <a:srgbClr val="000000"/>
+                </a:solidFill>
+                <a:latin typeface="Arial"/>
+                <a:ea typeface="Arial"/>
+              </a:rPr>
+              <a:t>2</a:t>
             </a:r>
             <a:endParaRPr b="0" lang="en-US" sz="2800" spc="-1" strike="noStrike">
-              <a:solidFill>
-                <a:srgbClr val="000000"/>
-              </a:solidFill>
               <a:latin typeface="Arial"/>
             </a:endParaRPr>
           </a:p>
@@ -8614,18 +9457,18 @@
         <p:spPr>
           <a:xfrm>
             <a:off x="311760" y="1152360"/>
-            <a:ext cx="4259880" cy="3416040"/>
-          </a:xfrm>
-          <a:prstGeom prst="rect">
-            <a:avLst/>
-          </a:prstGeom>
-          <a:noFill/>
-          <a:ln w="0">
-            <a:noFill/>
-          </a:ln>
-        </p:spPr>
-        <p:txBody>
-          <a:bodyPr tIns="91440" bIns="91440" anchor="t">
+            <a:ext cx="4259520" cy="3415680"/>
+          </a:xfrm>
+          <a:prstGeom prst="rect">
+            <a:avLst/>
+          </a:prstGeom>
+          <a:noFill/>
+          <a:ln w="0">
+            <a:noFill/>
+          </a:ln>
+        </p:spPr>
+        <p:txBody>
+          <a:bodyPr lIns="0" rIns="0" tIns="91440" bIns="91440" anchor="t">
             <a:normAutofit/>
           </a:bodyPr>
           <a:p>
@@ -8649,12 +9492,9 @@
                 <a:latin typeface="Arial"/>
                 <a:ea typeface="Arial"/>
               </a:rPr>
-              <a:t>Snek learn about assigning data to variables and about data types, specifically integers. The Ancients programmed a trap that is only disarmed when the variables are assigned the correct value.</a:t>
+              <a:t>Snek learn about assigning data to variables and about data types, specifically integers. The Ancients programmed spike traps that are only disarmed when the variables are assigned the correct value.</a:t>
             </a:r>
             <a:endParaRPr b="0" lang="en-US" sz="1800" spc="-1" strike="noStrike">
-              <a:solidFill>
-                <a:srgbClr val="000000"/>
-              </a:solidFill>
               <a:latin typeface="Arial"/>
             </a:endParaRPr>
           </a:p>
@@ -8672,8 +9512,8 @@
         </p:blipFill>
         <p:spPr>
           <a:xfrm flipH="1">
-            <a:off x="4464720" y="1625040"/>
-            <a:ext cx="1107360" cy="829080"/>
+            <a:off x="4465080" y="1914480"/>
+            <a:ext cx="1107000" cy="828720"/>
           </a:xfrm>
           <a:prstGeom prst="rect">
             <a:avLst/>
@@ -8692,7 +9532,7 @@
         <p:spPr>
           <a:xfrm>
             <a:off x="3511800" y="755280"/>
-            <a:ext cx="3852720" cy="399960"/>
+            <a:ext cx="3852360" cy="399600"/>
           </a:xfrm>
           <a:prstGeom prst="rect">
             <a:avLst/>
@@ -8717,8 +9557,8 @@
         </p:nvSpPr>
         <p:spPr>
           <a:xfrm>
-            <a:off x="5358960" y="531360"/>
-            <a:ext cx="1029960" cy="395640"/>
+            <a:off x="5465520" y="685800"/>
+            <a:ext cx="1029600" cy="395640"/>
           </a:xfrm>
           <a:prstGeom prst="rect">
             <a:avLst/>
@@ -8735,7 +9575,7 @@
           <a:fontRef idx="minor"/>
         </p:style>
         <p:txBody>
-          <a:bodyPr tIns="91440" bIns="91440" anchor="t">
+          <a:bodyPr lIns="90000" rIns="90000" tIns="91440" bIns="91440" anchor="t">
             <a:spAutoFit/>
           </a:bodyPr>
           <a:p>
@@ -8773,7 +9613,7 @@
         <p:spPr>
           <a:xfrm>
             <a:off x="3664080" y="907920"/>
-            <a:ext cx="3852720" cy="399960"/>
+            <a:ext cx="3852360" cy="399600"/>
           </a:xfrm>
           <a:prstGeom prst="rect">
             <a:avLst/>
@@ -8798,8 +9638,8 @@
         </p:nvSpPr>
         <p:spPr>
           <a:xfrm>
-            <a:off x="6593760" y="531360"/>
-            <a:ext cx="1029960" cy="395640"/>
+            <a:off x="6593760" y="685800"/>
+            <a:ext cx="1029600" cy="395640"/>
           </a:xfrm>
           <a:prstGeom prst="rect">
             <a:avLst/>
@@ -8816,7 +9656,7 @@
           <a:fontRef idx="minor"/>
         </p:style>
         <p:txBody>
-          <a:bodyPr tIns="91440" bIns="91440" anchor="t">
+          <a:bodyPr lIns="90000" rIns="90000" tIns="91440" bIns="91440" anchor="t">
             <a:spAutoFit/>
           </a:bodyPr>
           <a:p>
@@ -8854,7 +9694,7 @@
         <p:spPr>
           <a:xfrm>
             <a:off x="5632200" y="929520"/>
-            <a:ext cx="2089440" cy="399960"/>
+            <a:ext cx="2089080" cy="399600"/>
           </a:xfrm>
           <a:prstGeom prst="rect">
             <a:avLst/>
@@ -8879,8 +9719,8 @@
         </p:nvSpPr>
         <p:spPr>
           <a:xfrm>
-            <a:off x="7828920" y="531360"/>
-            <a:ext cx="926640" cy="395640"/>
+            <a:off x="7989120" y="685800"/>
+            <a:ext cx="926280" cy="395640"/>
           </a:xfrm>
           <a:prstGeom prst="rect">
             <a:avLst/>
@@ -8897,7 +9737,7 @@
           <a:fontRef idx="minor"/>
         </p:style>
         <p:txBody>
-          <a:bodyPr tIns="91440" bIns="91440" anchor="t">
+          <a:bodyPr lIns="90000" rIns="90000" tIns="91440" bIns="91440" anchor="t">
             <a:spAutoFit/>
           </a:bodyPr>
           <a:p>
@@ -8926,28 +9766,65 @@
           </a:p>
         </p:txBody>
       </p:sp>
-      <p:sp>
-        <p:nvSpPr>
-          <p:cNvPr id="145" name="Google Shape;94;p16"/>
+      <p:cxnSp>
+        <p:nvCxnSpPr>
+          <p:cNvPr id="145" name=""/>
+          <p:cNvCxnSpPr/>
+          <p:nvPr/>
+        </p:nvCxnSpPr>
+        <p:spPr>
+          <a:xfrm>
+            <a:off x="0" y="0"/>
+            <a:ext cx="360" cy="360"/>
+          </a:xfrm>
+          <a:prstGeom prst="line">
+            <a:avLst/>
+          </a:prstGeom>
+          <a:ln w="0">
+            <a:solidFill>
+              <a:srgbClr val="3465a4"/>
+            </a:solidFill>
+          </a:ln>
+        </p:spPr>
+      </p:cxnSp>
+      <p:sp>
+        <p:nvSpPr>
+          <p:cNvPr id="146" name=""/>
           <p:cNvSpPr/>
           <p:nvPr/>
         </p:nvSpPr>
         <p:spPr>
           <a:xfrm>
-            <a:off x="4802760" y="2197800"/>
-            <a:ext cx="956520" cy="427680"/>
-          </a:xfrm>
-          <a:prstGeom prst="bentConnector3">
-            <a:avLst>
-              <a:gd name="adj1" fmla="val 50000"/>
-            </a:avLst>
-          </a:prstGeom>
-          <a:noFill/>
-          <a:ln w="9525">
+            <a:off x="5257800" y="2743200"/>
+            <a:ext cx="360" cy="457200"/>
+          </a:xfrm>
+          <a:custGeom>
+            <a:avLst/>
+            <a:gdLst/>
+            <a:ahLst/>
+            <a:rect l="l" t="t" r="r" b="b"/>
+            <a:pathLst>
+              <a:path w="21600" h="21600">
+                <a:moveTo>
+                  <a:pt x="10800" y="0"/>
+                </a:moveTo>
+                <a:lnTo>
+                  <a:pt x="21600" y="21600"/>
+                </a:lnTo>
+                <a:lnTo>
+                  <a:pt x="0" y="21600"/>
+                </a:lnTo>
+                <a:close/>
+              </a:path>
+            </a:pathLst>
+          </a:custGeom>
+          <a:solidFill>
+            <a:srgbClr val="729fcf"/>
+          </a:solidFill>
+          <a:ln w="0">
             <a:solidFill>
-              <a:srgbClr val="595959"/>
+              <a:srgbClr val="3465a4"/>
             </a:solidFill>
-            <a:round/>
           </a:ln>
         </p:spPr>
         <p:style>
@@ -8959,26 +9836,42 @@
       </p:sp>
       <p:sp>
         <p:nvSpPr>
-          <p:cNvPr id="146" name="Google Shape;95;p16"/>
+          <p:cNvPr id="147" name=""/>
           <p:cNvSpPr/>
           <p:nvPr/>
         </p:nvSpPr>
         <p:spPr>
-          <a:xfrm flipH="1" rot="10800000">
-            <a:off x="5759640" y="2019960"/>
-            <a:ext cx="728640" cy="601920"/>
-          </a:xfrm>
-          <a:prstGeom prst="curvedConnector3">
-            <a:avLst>
-              <a:gd name="adj1" fmla="val 50000"/>
-            </a:avLst>
-          </a:prstGeom>
-          <a:noFill/>
-          <a:ln w="9525">
+          <a:xfrm>
+            <a:off x="5257800" y="2286000"/>
+            <a:ext cx="228600" cy="1056960"/>
+          </a:xfrm>
+          <a:custGeom>
+            <a:avLst/>
+            <a:gdLst/>
+            <a:ahLst/>
+            <a:rect l="l" t="t" r="r" b="b"/>
+            <a:pathLst>
+              <a:path w="21600" h="21600">
+                <a:moveTo>
+                  <a:pt x="10800" y="0"/>
+                </a:moveTo>
+                <a:lnTo>
+                  <a:pt x="21600" y="21600"/>
+                </a:lnTo>
+                <a:lnTo>
+                  <a:pt x="0" y="21600"/>
+                </a:lnTo>
+                <a:close/>
+              </a:path>
+            </a:pathLst>
+          </a:custGeom>
+          <a:solidFill>
+            <a:srgbClr val="729fcf"/>
+          </a:solidFill>
+          <a:ln w="0">
             <a:solidFill>
-              <a:srgbClr val="595959"/>
+              <a:srgbClr val="3465a4"/>
             </a:solidFill>
-            <a:round/>
           </a:ln>
         </p:spPr>
         <p:style>
@@ -8990,14 +9883,14 @@
       </p:sp>
       <p:sp>
         <p:nvSpPr>
-          <p:cNvPr id="147" name="Google Shape;96;p16"/>
+          <p:cNvPr id="148" name=""/>
           <p:cNvSpPr/>
           <p:nvPr/>
         </p:nvSpPr>
         <p:spPr>
           <a:xfrm>
-            <a:off x="6501600" y="2019600"/>
-            <a:ext cx="227160" cy="1444320"/>
+            <a:off x="5486400" y="2286360"/>
+            <a:ext cx="228600" cy="1056960"/>
           </a:xfrm>
           <a:custGeom>
             <a:avLst/>
@@ -9007,20 +9900,25 @@
             <a:pathLst>
               <a:path w="21600" h="21600">
                 <a:moveTo>
-                  <a:pt x="0" y="0"/>
+                  <a:pt x="10800" y="0"/>
                 </a:moveTo>
                 <a:lnTo>
                   <a:pt x="21600" y="21600"/>
                 </a:lnTo>
+                <a:lnTo>
+                  <a:pt x="0" y="21600"/>
+                </a:lnTo>
+                <a:close/>
               </a:path>
             </a:pathLst>
           </a:custGeom>
-          <a:noFill/>
-          <a:ln w="9525">
+          <a:solidFill>
+            <a:srgbClr val="729fcf"/>
+          </a:solidFill>
+          <a:ln w="0">
             <a:solidFill>
-              <a:srgbClr val="595959"/>
+              <a:srgbClr val="3465a4"/>
             </a:solidFill>
-            <a:round/>
           </a:ln>
         </p:spPr>
         <p:style>
@@ -9032,14 +9930,14 @@
       </p:sp>
       <p:sp>
         <p:nvSpPr>
-          <p:cNvPr id="148" name="Google Shape;97;p16"/>
+          <p:cNvPr id="149" name=""/>
           <p:cNvSpPr/>
           <p:nvPr/>
         </p:nvSpPr>
         <p:spPr>
-          <a:xfrm flipH="1" rot="10800000">
-            <a:off x="6735960" y="2153880"/>
-            <a:ext cx="534960" cy="1317240"/>
+          <a:xfrm>
+            <a:off x="5715000" y="2286360"/>
+            <a:ext cx="228600" cy="1056960"/>
           </a:xfrm>
           <a:custGeom>
             <a:avLst/>
@@ -9049,20 +9947,25 @@
             <a:pathLst>
               <a:path w="21600" h="21600">
                 <a:moveTo>
-                  <a:pt x="0" y="0"/>
+                  <a:pt x="10800" y="0"/>
                 </a:moveTo>
                 <a:lnTo>
                   <a:pt x="21600" y="21600"/>
                 </a:lnTo>
+                <a:lnTo>
+                  <a:pt x="0" y="21600"/>
+                </a:lnTo>
+                <a:close/>
               </a:path>
             </a:pathLst>
           </a:custGeom>
-          <a:noFill/>
-          <a:ln w="9525">
+          <a:solidFill>
+            <a:srgbClr val="729fcf"/>
+          </a:solidFill>
+          <a:ln w="0">
             <a:solidFill>
-              <a:srgbClr val="595959"/>
+              <a:srgbClr val="3465a4"/>
             </a:solidFill>
-            <a:round/>
           </a:ln>
         </p:spPr>
         <p:style>
@@ -9074,26 +9977,42 @@
       </p:sp>
       <p:sp>
         <p:nvSpPr>
-          <p:cNvPr id="149" name="Google Shape;98;p16"/>
+          <p:cNvPr id="150" name=""/>
           <p:cNvSpPr/>
           <p:nvPr/>
         </p:nvSpPr>
         <p:spPr>
           <a:xfrm>
-            <a:off x="7270920" y="2160000"/>
-            <a:ext cx="963000" cy="902520"/>
-          </a:xfrm>
-          <a:prstGeom prst="curvedConnector3">
-            <a:avLst>
-              <a:gd name="adj1" fmla="val 50000"/>
-            </a:avLst>
-          </a:prstGeom>
-          <a:noFill/>
-          <a:ln w="9525">
+            <a:off x="5343480" y="2286360"/>
+            <a:ext cx="228600" cy="1056960"/>
+          </a:xfrm>
+          <a:custGeom>
+            <a:avLst/>
+            <a:gdLst/>
+            <a:ahLst/>
+            <a:rect l="l" t="t" r="r" b="b"/>
+            <a:pathLst>
+              <a:path w="21600" h="21600">
+                <a:moveTo>
+                  <a:pt x="10800" y="0"/>
+                </a:moveTo>
+                <a:lnTo>
+                  <a:pt x="21600" y="21600"/>
+                </a:lnTo>
+                <a:lnTo>
+                  <a:pt x="0" y="21600"/>
+                </a:lnTo>
+                <a:close/>
+              </a:path>
+            </a:pathLst>
+          </a:custGeom>
+          <a:solidFill>
+            <a:srgbClr val="729fcf"/>
+          </a:solidFill>
+          <a:ln w="0">
             <a:solidFill>
-              <a:srgbClr val="595959"/>
+              <a:srgbClr val="3465a4"/>
             </a:solidFill>
-            <a:round/>
           </a:ln>
         </p:spPr>
         <p:style>
@@ -9105,14 +10024,14 @@
       </p:sp>
       <p:sp>
         <p:nvSpPr>
-          <p:cNvPr id="150" name="Google Shape;99;p16"/>
+          <p:cNvPr id="151" name=""/>
           <p:cNvSpPr/>
           <p:nvPr/>
         </p:nvSpPr>
         <p:spPr>
-          <a:xfrm flipH="1">
-            <a:off x="7959960" y="3063240"/>
-            <a:ext cx="287280" cy="655200"/>
+          <a:xfrm>
+            <a:off x="5572080" y="2286360"/>
+            <a:ext cx="228600" cy="1056960"/>
           </a:xfrm>
           <a:custGeom>
             <a:avLst/>
@@ -9122,20 +10041,25 @@
             <a:pathLst>
               <a:path w="21600" h="21600">
                 <a:moveTo>
-                  <a:pt x="0" y="0"/>
+                  <a:pt x="10800" y="0"/>
                 </a:moveTo>
                 <a:lnTo>
                   <a:pt x="21600" y="21600"/>
                 </a:lnTo>
+                <a:lnTo>
+                  <a:pt x="0" y="21600"/>
+                </a:lnTo>
+                <a:close/>
               </a:path>
             </a:pathLst>
           </a:custGeom>
-          <a:noFill/>
-          <a:ln w="9525">
+          <a:solidFill>
+            <a:srgbClr val="729fcf"/>
+          </a:solidFill>
+          <a:ln w="0">
             <a:solidFill>
-              <a:srgbClr val="595959"/>
+              <a:srgbClr val="3465a4"/>
             </a:solidFill>
-            <a:round/>
           </a:ln>
         </p:spPr>
         <p:style>
@@ -9147,14 +10071,311 @@
       </p:sp>
       <p:sp>
         <p:nvSpPr>
-          <p:cNvPr id="151" name="Google Shape;100;p16"/>
+          <p:cNvPr id="152" name=""/>
           <p:cNvSpPr/>
           <p:nvPr/>
         </p:nvSpPr>
         <p:spPr>
-          <a:xfrm flipH="1" rot="10800000">
-            <a:off x="7959960" y="3726000"/>
-            <a:ext cx="461520" cy="6120"/>
+          <a:xfrm flipV="1">
+            <a:off x="5943600" y="2514600"/>
+            <a:ext cx="0" cy="828720"/>
+          </a:xfrm>
+          <a:prstGeom prst="line">
+            <a:avLst/>
+          </a:prstGeom>
+          <a:ln w="0">
+            <a:solidFill>
+              <a:srgbClr val="3465a4"/>
+            </a:solidFill>
+          </a:ln>
+        </p:spPr>
+        <p:style>
+          <a:lnRef idx="0"/>
+          <a:fillRef idx="0"/>
+          <a:effectRef idx="0"/>
+          <a:fontRef idx="minor"/>
+        </p:style>
+      </p:sp>
+      <p:sp>
+        <p:nvSpPr>
+          <p:cNvPr id="153" name=""/>
+          <p:cNvSpPr/>
+          <p:nvPr/>
+        </p:nvSpPr>
+        <p:spPr>
+          <a:xfrm>
+            <a:off x="5943600" y="2514600"/>
+            <a:ext cx="457200" cy="0"/>
+          </a:xfrm>
+          <a:prstGeom prst="line">
+            <a:avLst/>
+          </a:prstGeom>
+          <a:ln w="0">
+            <a:solidFill>
+              <a:srgbClr val="3465a4"/>
+            </a:solidFill>
+          </a:ln>
+        </p:spPr>
+        <p:style>
+          <a:lnRef idx="0"/>
+          <a:fillRef idx="0"/>
+          <a:effectRef idx="0"/>
+          <a:fontRef idx="minor"/>
+        </p:style>
+      </p:sp>
+      <p:sp>
+        <p:nvSpPr>
+          <p:cNvPr id="154" name=""/>
+          <p:cNvSpPr/>
+          <p:nvPr/>
+        </p:nvSpPr>
+        <p:spPr>
+          <a:xfrm flipV="1">
+            <a:off x="6400800" y="2514600"/>
+            <a:ext cx="0" cy="828720"/>
+          </a:xfrm>
+          <a:prstGeom prst="line">
+            <a:avLst/>
+          </a:prstGeom>
+          <a:ln w="0">
+            <a:solidFill>
+              <a:srgbClr val="3465a4"/>
+            </a:solidFill>
+          </a:ln>
+        </p:spPr>
+        <p:style>
+          <a:lnRef idx="0"/>
+          <a:fillRef idx="0"/>
+          <a:effectRef idx="0"/>
+          <a:fontRef idx="minor"/>
+        </p:style>
+      </p:sp>
+      <p:sp>
+        <p:nvSpPr>
+          <p:cNvPr id="155" name=""/>
+          <p:cNvSpPr/>
+          <p:nvPr/>
+        </p:nvSpPr>
+        <p:spPr>
+          <a:xfrm>
+            <a:off x="6400800" y="3343320"/>
+            <a:ext cx="457200" cy="0"/>
+          </a:xfrm>
+          <a:prstGeom prst="line">
+            <a:avLst/>
+          </a:prstGeom>
+          <a:ln w="0">
+            <a:solidFill>
+              <a:srgbClr val="3465a4"/>
+            </a:solidFill>
+          </a:ln>
+        </p:spPr>
+        <p:style>
+          <a:lnRef idx="0"/>
+          <a:fillRef idx="0"/>
+          <a:effectRef idx="0"/>
+          <a:fontRef idx="minor"/>
+        </p:style>
+      </p:sp>
+      <p:sp>
+        <p:nvSpPr>
+          <p:cNvPr id="156" name=""/>
+          <p:cNvSpPr/>
+          <p:nvPr/>
+        </p:nvSpPr>
+        <p:spPr>
+          <a:xfrm flipV="1">
+            <a:off x="6858000" y="2514600"/>
+            <a:ext cx="0" cy="828720"/>
+          </a:xfrm>
+          <a:prstGeom prst="line">
+            <a:avLst/>
+          </a:prstGeom>
+          <a:ln w="0">
+            <a:solidFill>
+              <a:srgbClr val="3465a4"/>
+            </a:solidFill>
+          </a:ln>
+        </p:spPr>
+        <p:style>
+          <a:lnRef idx="0"/>
+          <a:fillRef idx="0"/>
+          <a:effectRef idx="0"/>
+          <a:fontRef idx="minor"/>
+        </p:style>
+      </p:sp>
+      <p:sp>
+        <p:nvSpPr>
+          <p:cNvPr id="157" name=""/>
+          <p:cNvSpPr/>
+          <p:nvPr/>
+        </p:nvSpPr>
+        <p:spPr>
+          <a:xfrm flipV="1">
+            <a:off x="7772400" y="2514600"/>
+            <a:ext cx="0" cy="828720"/>
+          </a:xfrm>
+          <a:prstGeom prst="line">
+            <a:avLst/>
+          </a:prstGeom>
+          <a:ln w="0">
+            <a:solidFill>
+              <a:srgbClr val="3465a4"/>
+            </a:solidFill>
+          </a:ln>
+        </p:spPr>
+        <p:style>
+          <a:lnRef idx="0"/>
+          <a:fillRef idx="0"/>
+          <a:effectRef idx="0"/>
+          <a:fontRef idx="minor"/>
+        </p:style>
+      </p:sp>
+      <p:sp>
+        <p:nvSpPr>
+          <p:cNvPr id="158" name=""/>
+          <p:cNvSpPr/>
+          <p:nvPr/>
+        </p:nvSpPr>
+        <p:spPr>
+          <a:xfrm flipV="1">
+            <a:off x="8686800" y="2514600"/>
+            <a:ext cx="0" cy="828720"/>
+          </a:xfrm>
+          <a:prstGeom prst="line">
+            <a:avLst/>
+          </a:prstGeom>
+          <a:ln w="0">
+            <a:solidFill>
+              <a:srgbClr val="3465a4"/>
+            </a:solidFill>
+          </a:ln>
+        </p:spPr>
+        <p:style>
+          <a:lnRef idx="0"/>
+          <a:fillRef idx="0"/>
+          <a:effectRef idx="0"/>
+          <a:fontRef idx="minor"/>
+        </p:style>
+      </p:sp>
+      <p:sp>
+        <p:nvSpPr>
+          <p:cNvPr id="159" name=""/>
+          <p:cNvSpPr/>
+          <p:nvPr/>
+        </p:nvSpPr>
+        <p:spPr>
+          <a:xfrm>
+            <a:off x="7315200" y="2514600"/>
+            <a:ext cx="457200" cy="0"/>
+          </a:xfrm>
+          <a:prstGeom prst="line">
+            <a:avLst/>
+          </a:prstGeom>
+          <a:ln w="0">
+            <a:solidFill>
+              <a:srgbClr val="3465a4"/>
+            </a:solidFill>
+          </a:ln>
+        </p:spPr>
+        <p:style>
+          <a:lnRef idx="0"/>
+          <a:fillRef idx="0"/>
+          <a:effectRef idx="0"/>
+          <a:fontRef idx="minor"/>
+        </p:style>
+      </p:sp>
+      <p:sp>
+        <p:nvSpPr>
+          <p:cNvPr id="160" name=""/>
+          <p:cNvSpPr/>
+          <p:nvPr/>
+        </p:nvSpPr>
+        <p:spPr>
+          <a:xfrm>
+            <a:off x="6858000" y="2514600"/>
+            <a:ext cx="457200" cy="0"/>
+          </a:xfrm>
+          <a:prstGeom prst="line">
+            <a:avLst/>
+          </a:prstGeom>
+          <a:ln w="0">
+            <a:solidFill>
+              <a:srgbClr val="3465a4"/>
+            </a:solidFill>
+          </a:ln>
+        </p:spPr>
+        <p:style>
+          <a:lnRef idx="0"/>
+          <a:fillRef idx="0"/>
+          <a:effectRef idx="0"/>
+          <a:fontRef idx="minor"/>
+        </p:style>
+      </p:sp>
+      <p:sp>
+        <p:nvSpPr>
+          <p:cNvPr id="161" name=""/>
+          <p:cNvSpPr/>
+          <p:nvPr/>
+        </p:nvSpPr>
+        <p:spPr>
+          <a:xfrm>
+            <a:off x="8229600" y="3343320"/>
+            <a:ext cx="457200" cy="0"/>
+          </a:xfrm>
+          <a:prstGeom prst="line">
+            <a:avLst/>
+          </a:prstGeom>
+          <a:ln w="0">
+            <a:solidFill>
+              <a:srgbClr val="3465a4"/>
+            </a:solidFill>
+          </a:ln>
+        </p:spPr>
+        <p:style>
+          <a:lnRef idx="0"/>
+          <a:fillRef idx="0"/>
+          <a:effectRef idx="0"/>
+          <a:fontRef idx="minor"/>
+        </p:style>
+      </p:sp>
+      <p:sp>
+        <p:nvSpPr>
+          <p:cNvPr id="162" name=""/>
+          <p:cNvSpPr/>
+          <p:nvPr/>
+        </p:nvSpPr>
+        <p:spPr>
+          <a:xfrm>
+            <a:off x="7772400" y="3343320"/>
+            <a:ext cx="457200" cy="0"/>
+          </a:xfrm>
+          <a:prstGeom prst="line">
+            <a:avLst/>
+          </a:prstGeom>
+          <a:ln w="0">
+            <a:solidFill>
+              <a:srgbClr val="3465a4"/>
+            </a:solidFill>
+          </a:ln>
+        </p:spPr>
+        <p:style>
+          <a:lnRef idx="0"/>
+          <a:fillRef idx="0"/>
+          <a:effectRef idx="0"/>
+          <a:fontRef idx="minor"/>
+        </p:style>
+      </p:sp>
+      <p:sp>
+        <p:nvSpPr>
+          <p:cNvPr id="163" name=""/>
+          <p:cNvSpPr/>
+          <p:nvPr/>
+        </p:nvSpPr>
+        <p:spPr>
+          <a:xfrm>
+            <a:off x="6629400" y="2286000"/>
+            <a:ext cx="228600" cy="1056960"/>
           </a:xfrm>
           <a:custGeom>
             <a:avLst/>
@@ -9164,20 +10385,25 @@
             <a:pathLst>
               <a:path w="21600" h="21600">
                 <a:moveTo>
-                  <a:pt x="0" y="0"/>
+                  <a:pt x="10800" y="0"/>
                 </a:moveTo>
                 <a:lnTo>
                   <a:pt x="21600" y="21600"/>
                 </a:lnTo>
+                <a:lnTo>
+                  <a:pt x="0" y="21600"/>
+                </a:lnTo>
+                <a:close/>
               </a:path>
             </a:pathLst>
           </a:custGeom>
-          <a:noFill/>
-          <a:ln w="9525">
+          <a:solidFill>
+            <a:srgbClr val="729fcf"/>
+          </a:solidFill>
+          <a:ln w="0">
             <a:solidFill>
-              <a:srgbClr val="595959"/>
+              <a:srgbClr val="3465a4"/>
             </a:solidFill>
-            <a:round/>
           </a:ln>
         </p:spPr>
         <p:style>
@@ -9189,14 +10415,14 @@
       </p:sp>
       <p:sp>
         <p:nvSpPr>
-          <p:cNvPr id="152" name="Google Shape;101;p16"/>
+          <p:cNvPr id="164" name=""/>
           <p:cNvSpPr/>
           <p:nvPr/>
         </p:nvSpPr>
         <p:spPr>
-          <a:xfrm flipH="1" rot="10800000">
-            <a:off x="8448840" y="3083400"/>
-            <a:ext cx="126720" cy="648720"/>
+          <a:xfrm>
+            <a:off x="6400800" y="2286360"/>
+            <a:ext cx="228600" cy="1056960"/>
           </a:xfrm>
           <a:custGeom>
             <a:avLst/>
@@ -9206,20 +10432,25 @@
             <a:pathLst>
               <a:path w="21600" h="21600">
                 <a:moveTo>
-                  <a:pt x="0" y="0"/>
+                  <a:pt x="10800" y="0"/>
                 </a:moveTo>
                 <a:lnTo>
                   <a:pt x="21600" y="21600"/>
                 </a:lnTo>
+                <a:lnTo>
+                  <a:pt x="0" y="21600"/>
+                </a:lnTo>
+                <a:close/>
               </a:path>
             </a:pathLst>
           </a:custGeom>
-          <a:noFill/>
-          <a:ln w="9525">
+          <a:solidFill>
+            <a:srgbClr val="729fcf"/>
+          </a:solidFill>
+          <a:ln w="0">
             <a:solidFill>
-              <a:srgbClr val="595959"/>
+              <a:srgbClr val="3465a4"/>
             </a:solidFill>
-            <a:round/>
           </a:ln>
         </p:spPr>
         <p:style>
@@ -9231,14 +10462,14 @@
       </p:sp>
       <p:sp>
         <p:nvSpPr>
-          <p:cNvPr id="153" name="Google Shape;102;p16"/>
+          <p:cNvPr id="165" name=""/>
           <p:cNvSpPr/>
           <p:nvPr/>
         </p:nvSpPr>
         <p:spPr>
           <a:xfrm>
-            <a:off x="8568720" y="3089880"/>
-            <a:ext cx="555120" cy="6120"/>
+            <a:off x="7772400" y="2286000"/>
+            <a:ext cx="228600" cy="1056960"/>
           </a:xfrm>
           <a:custGeom>
             <a:avLst/>
@@ -9248,20 +10479,213 @@
             <a:pathLst>
               <a:path w="21600" h="21600">
                 <a:moveTo>
-                  <a:pt x="0" y="0"/>
+                  <a:pt x="10800" y="0"/>
                 </a:moveTo>
                 <a:lnTo>
                   <a:pt x="21600" y="21600"/>
                 </a:lnTo>
+                <a:lnTo>
+                  <a:pt x="0" y="21600"/>
+                </a:lnTo>
+                <a:close/>
               </a:path>
             </a:pathLst>
           </a:custGeom>
-          <a:noFill/>
-          <a:ln w="9525">
+          <a:solidFill>
+            <a:srgbClr val="729fcf"/>
+          </a:solidFill>
+          <a:ln w="0">
             <a:solidFill>
-              <a:srgbClr val="595959"/>
+              <a:srgbClr val="3465a4"/>
             </a:solidFill>
-            <a:round/>
+          </a:ln>
+        </p:spPr>
+        <p:style>
+          <a:lnRef idx="0"/>
+          <a:fillRef idx="0"/>
+          <a:effectRef idx="0"/>
+          <a:fontRef idx="minor"/>
+        </p:style>
+      </p:sp>
+      <p:sp>
+        <p:nvSpPr>
+          <p:cNvPr id="166" name=""/>
+          <p:cNvSpPr/>
+          <p:nvPr/>
+        </p:nvSpPr>
+        <p:spPr>
+          <a:xfrm>
+            <a:off x="8229600" y="2286000"/>
+            <a:ext cx="228600" cy="1056960"/>
+          </a:xfrm>
+          <a:custGeom>
+            <a:avLst/>
+            <a:gdLst/>
+            <a:ahLst/>
+            <a:rect l="l" t="t" r="r" b="b"/>
+            <a:pathLst>
+              <a:path w="21600" h="21600">
+                <a:moveTo>
+                  <a:pt x="10800" y="0"/>
+                </a:moveTo>
+                <a:lnTo>
+                  <a:pt x="21600" y="21600"/>
+                </a:lnTo>
+                <a:lnTo>
+                  <a:pt x="0" y="21600"/>
+                </a:lnTo>
+                <a:close/>
+              </a:path>
+            </a:pathLst>
+          </a:custGeom>
+          <a:solidFill>
+            <a:srgbClr val="729fcf"/>
+          </a:solidFill>
+          <a:ln w="0">
+            <a:solidFill>
+              <a:srgbClr val="3465a4"/>
+            </a:solidFill>
+          </a:ln>
+        </p:spPr>
+        <p:style>
+          <a:lnRef idx="0"/>
+          <a:fillRef idx="0"/>
+          <a:effectRef idx="0"/>
+          <a:fontRef idx="minor"/>
+        </p:style>
+      </p:sp>
+      <p:sp>
+        <p:nvSpPr>
+          <p:cNvPr id="167" name=""/>
+          <p:cNvSpPr/>
+          <p:nvPr/>
+        </p:nvSpPr>
+        <p:spPr>
+          <a:xfrm>
+            <a:off x="8001000" y="2286360"/>
+            <a:ext cx="228600" cy="1056960"/>
+          </a:xfrm>
+          <a:custGeom>
+            <a:avLst/>
+            <a:gdLst/>
+            <a:ahLst/>
+            <a:rect l="l" t="t" r="r" b="b"/>
+            <a:pathLst>
+              <a:path w="21600" h="21600">
+                <a:moveTo>
+                  <a:pt x="10800" y="0"/>
+                </a:moveTo>
+                <a:lnTo>
+                  <a:pt x="21600" y="21600"/>
+                </a:lnTo>
+                <a:lnTo>
+                  <a:pt x="0" y="21600"/>
+                </a:lnTo>
+                <a:close/>
+              </a:path>
+            </a:pathLst>
+          </a:custGeom>
+          <a:solidFill>
+            <a:srgbClr val="729fcf"/>
+          </a:solidFill>
+          <a:ln w="0">
+            <a:solidFill>
+              <a:srgbClr val="3465a4"/>
+            </a:solidFill>
+          </a:ln>
+        </p:spPr>
+        <p:style>
+          <a:lnRef idx="0"/>
+          <a:fillRef idx="0"/>
+          <a:effectRef idx="0"/>
+          <a:fontRef idx="minor"/>
+        </p:style>
+      </p:sp>
+      <p:sp>
+        <p:nvSpPr>
+          <p:cNvPr id="168" name=""/>
+          <p:cNvSpPr/>
+          <p:nvPr/>
+        </p:nvSpPr>
+        <p:spPr>
+          <a:xfrm>
+            <a:off x="5572080" y="2286720"/>
+            <a:ext cx="228600" cy="1056960"/>
+          </a:xfrm>
+          <a:custGeom>
+            <a:avLst/>
+            <a:gdLst/>
+            <a:ahLst/>
+            <a:rect l="l" t="t" r="r" b="b"/>
+            <a:pathLst>
+              <a:path w="21600" h="21600">
+                <a:moveTo>
+                  <a:pt x="10800" y="0"/>
+                </a:moveTo>
+                <a:lnTo>
+                  <a:pt x="21600" y="21600"/>
+                </a:lnTo>
+                <a:lnTo>
+                  <a:pt x="0" y="21600"/>
+                </a:lnTo>
+                <a:close/>
+              </a:path>
+            </a:pathLst>
+          </a:custGeom>
+          <a:solidFill>
+            <a:srgbClr val="729fcf"/>
+          </a:solidFill>
+          <a:ln w="0">
+            <a:solidFill>
+              <a:srgbClr val="3465a4"/>
+            </a:solidFill>
+          </a:ln>
+        </p:spPr>
+        <p:style>
+          <a:lnRef idx="0"/>
+          <a:fillRef idx="0"/>
+          <a:effectRef idx="0"/>
+          <a:fontRef idx="minor"/>
+        </p:style>
+      </p:sp>
+      <p:sp>
+        <p:nvSpPr>
+          <p:cNvPr id="169" name=""/>
+          <p:cNvSpPr/>
+          <p:nvPr/>
+        </p:nvSpPr>
+        <p:spPr>
+          <a:xfrm>
+            <a:off x="8458200" y="2286360"/>
+            <a:ext cx="228600" cy="1056960"/>
+          </a:xfrm>
+          <a:custGeom>
+            <a:avLst/>
+            <a:gdLst/>
+            <a:ahLst/>
+            <a:rect l="l" t="t" r="r" b="b"/>
+            <a:pathLst>
+              <a:path w="21600" h="21600">
+                <a:moveTo>
+                  <a:pt x="10800" y="0"/>
+                </a:moveTo>
+                <a:lnTo>
+                  <a:pt x="21600" y="21600"/>
+                </a:lnTo>
+                <a:lnTo>
+                  <a:pt x="0" y="21600"/>
+                </a:lnTo>
+                <a:close/>
+              </a:path>
+            </a:pathLst>
+          </a:custGeom>
+          <a:solidFill>
+            <a:srgbClr val="729fcf"/>
+          </a:solidFill>
+          <a:ln w="0">
+            <a:solidFill>
+              <a:srgbClr val="3465a4"/>
+            </a:solidFill>
           </a:ln>
         </p:spPr>
         <p:style>
@@ -9303,7 +10727,7 @@
       </p:grpSpPr>
       <p:sp>
         <p:nvSpPr>
-          <p:cNvPr id="154" name="PlaceHolder 1"/>
+          <p:cNvPr id="170" name="PlaceHolder 1"/>
           <p:cNvSpPr>
             <a:spLocks noGrp="1"/>
           </p:cNvSpPr>
@@ -9314,18 +10738,18 @@
         <p:spPr>
           <a:xfrm>
             <a:off x="311760" y="444960"/>
-            <a:ext cx="8520120" cy="572400"/>
-          </a:xfrm>
-          <a:prstGeom prst="rect">
-            <a:avLst/>
-          </a:prstGeom>
-          <a:noFill/>
-          <a:ln w="0">
-            <a:noFill/>
-          </a:ln>
-        </p:spPr>
-        <p:txBody>
-          <a:bodyPr tIns="91440" bIns="91440" anchor="t">
+            <a:ext cx="8519760" cy="572040"/>
+          </a:xfrm>
+          <a:prstGeom prst="rect">
+            <a:avLst/>
+          </a:prstGeom>
+          <a:noFill/>
+          <a:ln w="0">
+            <a:noFill/>
+          </a:ln>
+        </p:spPr>
+        <p:txBody>
+          <a:bodyPr lIns="0" rIns="0" tIns="91440" bIns="91440" anchor="t">
             <a:normAutofit fontScale="91000"/>
           </a:bodyPr>
           <a:p>
@@ -9346,20 +10770,117 @@
                 <a:latin typeface="Arial"/>
                 <a:ea typeface="Arial"/>
               </a:rPr>
-              <a:t>Variable Valley 3</a:t>
+              <a:t>V</a:t>
+            </a:r>
+            <a:r>
+              <a:rPr b="0" lang="en" sz="2800" spc="-1" strike="noStrike">
+                <a:solidFill>
+                  <a:srgbClr val="000000"/>
+                </a:solidFill>
+                <a:latin typeface="Arial"/>
+                <a:ea typeface="Arial"/>
+              </a:rPr>
+              <a:t>a</a:t>
+            </a:r>
+            <a:r>
+              <a:rPr b="0" lang="en" sz="2800" spc="-1" strike="noStrike">
+                <a:solidFill>
+                  <a:srgbClr val="000000"/>
+                </a:solidFill>
+                <a:latin typeface="Arial"/>
+                <a:ea typeface="Arial"/>
+              </a:rPr>
+              <a:t>ri</a:t>
+            </a:r>
+            <a:r>
+              <a:rPr b="0" lang="en" sz="2800" spc="-1" strike="noStrike">
+                <a:solidFill>
+                  <a:srgbClr val="000000"/>
+                </a:solidFill>
+                <a:latin typeface="Arial"/>
+                <a:ea typeface="Arial"/>
+              </a:rPr>
+              <a:t>a</a:t>
+            </a:r>
+            <a:r>
+              <a:rPr b="0" lang="en" sz="2800" spc="-1" strike="noStrike">
+                <a:solidFill>
+                  <a:srgbClr val="000000"/>
+                </a:solidFill>
+                <a:latin typeface="Arial"/>
+                <a:ea typeface="Arial"/>
+              </a:rPr>
+              <a:t>bl</a:t>
+            </a:r>
+            <a:r>
+              <a:rPr b="0" lang="en" sz="2800" spc="-1" strike="noStrike">
+                <a:solidFill>
+                  <a:srgbClr val="000000"/>
+                </a:solidFill>
+                <a:latin typeface="Arial"/>
+                <a:ea typeface="Arial"/>
+              </a:rPr>
+              <a:t>e </a:t>
+            </a:r>
+            <a:r>
+              <a:rPr b="0" lang="en" sz="2800" spc="-1" strike="noStrike">
+                <a:solidFill>
+                  <a:srgbClr val="000000"/>
+                </a:solidFill>
+                <a:latin typeface="Arial"/>
+                <a:ea typeface="Arial"/>
+              </a:rPr>
+              <a:t>V</a:t>
+            </a:r>
+            <a:r>
+              <a:rPr b="0" lang="en" sz="2800" spc="-1" strike="noStrike">
+                <a:solidFill>
+                  <a:srgbClr val="000000"/>
+                </a:solidFill>
+                <a:latin typeface="Arial"/>
+                <a:ea typeface="Arial"/>
+              </a:rPr>
+              <a:t>al</a:t>
+            </a:r>
+            <a:r>
+              <a:rPr b="0" lang="en" sz="2800" spc="-1" strike="noStrike">
+                <a:solidFill>
+                  <a:srgbClr val="000000"/>
+                </a:solidFill>
+                <a:latin typeface="Arial"/>
+                <a:ea typeface="Arial"/>
+              </a:rPr>
+              <a:t>le</a:t>
+            </a:r>
+            <a:r>
+              <a:rPr b="0" lang="en" sz="2800" spc="-1" strike="noStrike">
+                <a:solidFill>
+                  <a:srgbClr val="000000"/>
+                </a:solidFill>
+                <a:latin typeface="Arial"/>
+                <a:ea typeface="Arial"/>
+              </a:rPr>
+              <a:t>y </a:t>
+            </a:r>
+            <a:r>
+              <a:rPr b="0" lang="en" sz="2800" spc="-1" strike="noStrike">
+                <a:solidFill>
+                  <a:srgbClr val="000000"/>
+                </a:solidFill>
+                <a:latin typeface="Arial"/>
+                <a:ea typeface="Arial"/>
+              </a:rPr>
+              <a:t>3</a:t>
             </a:r>
             <a:endParaRPr b="0" lang="en-US" sz="2800" spc="-1" strike="noStrike">
-              <a:solidFill>
-                <a:srgbClr val="000000"/>
-              </a:solidFill>
-              <a:latin typeface="Arial"/>
-            </a:endParaRPr>
-          </a:p>
-        </p:txBody>
-      </p:sp>
-      <p:sp>
-        <p:nvSpPr>
-          <p:cNvPr id="155" name="PlaceHolder 2"/>
+              <a:latin typeface="Arial"/>
+            </a:endParaRPr>
+          </a:p>
+        </p:txBody>
+      </p:sp>
+      <p:sp>
+        <p:nvSpPr>
+          <p:cNvPr id="171" name="PlaceHolder 2"/>
           <p:cNvSpPr>
             <a:spLocks noGrp="1"/>
           </p:cNvSpPr>
@@ -9370,18 +10891,18 @@
         <p:spPr>
           <a:xfrm>
             <a:off x="311760" y="1152360"/>
-            <a:ext cx="4259880" cy="3416040"/>
-          </a:xfrm>
-          <a:prstGeom prst="rect">
-            <a:avLst/>
-          </a:prstGeom>
-          <a:noFill/>
-          <a:ln w="0">
-            <a:noFill/>
-          </a:ln>
-        </p:spPr>
-        <p:txBody>
-          <a:bodyPr tIns="91440" bIns="91440" anchor="t">
+            <a:ext cx="4259520" cy="3415680"/>
+          </a:xfrm>
+          <a:prstGeom prst="rect">
+            <a:avLst/>
+          </a:prstGeom>
+          <a:noFill/>
+          <a:ln w="0">
+            <a:noFill/>
+          </a:ln>
+        </p:spPr>
+        <p:txBody>
+          <a:bodyPr lIns="0" rIns="0" tIns="91440" bIns="91440" anchor="t">
             <a:normAutofit/>
           </a:bodyPr>
           <a:p>
@@ -9405,12 +10926,9 @@
                 <a:latin typeface="Arial"/>
                 <a:ea typeface="Arial"/>
               </a:rPr>
-              <a:t>Snek learns about the string data type. Snek has to be careful about the difference between similar seeming data (i.e. 5 &amp; 'five') in order to escape Variable Valley!</a:t>
+              <a:t>Snek learns about the string data type. Snek has to be careful about the difference between similar seeming data (i.e. 5 &amp; 'five') in order to escape Variable Valley! Snek has to choose the correct data types to put into the passcode to leave Variable Valley</a:t>
             </a:r>
             <a:endParaRPr b="0" lang="en-US" sz="1800" spc="-1" strike="noStrike">
-              <a:solidFill>
-                <a:srgbClr val="000000"/>
-              </a:solidFill>
               <a:latin typeface="Arial"/>
             </a:endParaRPr>
           </a:p>
@@ -9418,7 +10936,7 @@
       </p:sp>
       <p:pic>
         <p:nvPicPr>
-          <p:cNvPr id="156" name="Google Shape;109;p17" descr=""/>
+          <p:cNvPr id="172" name="Google Shape;109;p17" descr=""/>
           <p:cNvPicPr/>
           <p:nvPr/>
         </p:nvPicPr>
@@ -9428,8 +10946,8 @@
         </p:blipFill>
         <p:spPr>
           <a:xfrm flipH="1">
-            <a:off x="5052960" y="929520"/>
-            <a:ext cx="3109320" cy="2327400"/>
+            <a:off x="4571280" y="2971800"/>
+            <a:ext cx="1371600" cy="1026720"/>
           </a:xfrm>
           <a:prstGeom prst="rect">
             <a:avLst/>
@@ -9439,6 +10957,36 @@
           </a:ln>
         </p:spPr>
       </p:pic>
+      <p:sp>
+        <p:nvSpPr>
+          <p:cNvPr id="173" name=""/>
+          <p:cNvSpPr/>
+          <p:nvPr/>
+        </p:nvSpPr>
+        <p:spPr>
+          <a:xfrm>
+            <a:off x="6172200" y="1980360"/>
+            <a:ext cx="685800" cy="1143000"/>
+          </a:xfrm>
+          <a:prstGeom prst="rect">
+            <a:avLst/>
+          </a:prstGeom>
+          <a:solidFill>
+            <a:srgbClr val="cccccc"/>
+          </a:solidFill>
+          <a:ln w="0">
+            <a:solidFill>
+              <a:srgbClr val="3465a4"/>
+            </a:solidFill>
+          </a:ln>
+        </p:spPr>
+        <p:style>
+          <a:lnRef idx="0"/>
+          <a:fillRef idx="0"/>
+          <a:effectRef idx="0"/>
+          <a:fontRef idx="minor"/>
+        </p:style>
+      </p:sp>
     </p:spTree>
   </p:cSld>
   <mc:AlternateContent>
@@ -9471,14 +11019,14 @@
       </p:grpSpPr>
       <p:sp>
         <p:nvSpPr>
-          <p:cNvPr id="157" name="Google Shape;114;p18"/>
+          <p:cNvPr id="174" name="Google Shape;114;p18"/>
           <p:cNvSpPr/>
           <p:nvPr/>
         </p:nvSpPr>
         <p:spPr>
           <a:xfrm rot="16200000">
-            <a:off x="5324400" y="659160"/>
-            <a:ext cx="3886200" cy="3458160"/>
+            <a:off x="5324400" y="659520"/>
+            <a:ext cx="3885840" cy="3457800"/>
           </a:xfrm>
           <a:prstGeom prst="flowChartDelay">
             <a:avLst/>
@@ -9502,7 +11050,7 @@
       </p:sp>
       <p:sp>
         <p:nvSpPr>
-          <p:cNvPr id="158" name="PlaceHolder 1"/>
+          <p:cNvPr id="175" name="PlaceHolder 1"/>
           <p:cNvSpPr>
             <a:spLocks noGrp="1"/>
           </p:cNvSpPr>
@@ -9513,18 +11061,18 @@
         <p:spPr>
           <a:xfrm>
             <a:off x="311760" y="444960"/>
-            <a:ext cx="4590720" cy="572400"/>
-          </a:xfrm>
-          <a:prstGeom prst="rect">
-            <a:avLst/>
-          </a:prstGeom>
-          <a:noFill/>
-          <a:ln w="0">
-            <a:noFill/>
-          </a:ln>
-        </p:spPr>
-        <p:txBody>
-          <a:bodyPr tIns="91440" bIns="91440" anchor="t">
+            <a:ext cx="4590360" cy="572040"/>
+          </a:xfrm>
+          <a:prstGeom prst="rect">
+            <a:avLst/>
+          </a:prstGeom>
+          <a:noFill/>
+          <a:ln w="0">
+            <a:noFill/>
+          </a:ln>
+        </p:spPr>
+        <p:txBody>
+          <a:bodyPr lIns="0" rIns="0" tIns="91440" bIns="91440" anchor="t">
             <a:normAutofit fontScale="90000"/>
           </a:bodyPr>
           <a:p>
@@ -9545,7 +11093,177 @@
                 <a:latin typeface="Arial"/>
                 <a:ea typeface="Arial"/>
               </a:rPr>
-              <a:t>Transition to BBG </a:t>
+              <a:t>T</a:t>
+            </a:r>
+            <a:r>
+              <a:rPr b="0" lang="en" sz="2800" spc="-1" strike="noStrike">
+                <a:solidFill>
+                  <a:srgbClr val="000000"/>
+                </a:solidFill>
+                <a:latin typeface="Arial"/>
+                <a:ea typeface="Arial"/>
+              </a:rPr>
+              <a:t>r</a:t>
+            </a:r>
+            <a:r>
+              <a:rPr b="0" lang="en" sz="2800" spc="-1" strike="noStrike">
+                <a:solidFill>
+                  <a:srgbClr val="000000"/>
+                </a:solidFill>
+                <a:latin typeface="Arial"/>
+                <a:ea typeface="Arial"/>
+              </a:rPr>
+              <a:t>a</a:t>
+            </a:r>
+            <a:r>
+              <a:rPr b="0" lang="en" sz="2800" spc="-1" strike="noStrike">
+                <a:solidFill>
+                  <a:srgbClr val="000000"/>
+                </a:solidFill>
+                <a:latin typeface="Arial"/>
+                <a:ea typeface="Arial"/>
+              </a:rPr>
+              <a:t>n</a:t>
+            </a:r>
+            <a:r>
+              <a:rPr b="0" lang="en" sz="2800" spc="-1" strike="noStrike">
+                <a:solidFill>
+                  <a:srgbClr val="000000"/>
+                </a:solidFill>
+                <a:latin typeface="Arial"/>
+                <a:ea typeface="Arial"/>
+              </a:rPr>
+              <a:t>s</a:t>
+            </a:r>
+            <a:r>
+              <a:rPr b="0" lang="en" sz="2800" spc="-1" strike="noStrike">
+                <a:solidFill>
+                  <a:srgbClr val="000000"/>
+                </a:solidFill>
+                <a:latin typeface="Arial"/>
+                <a:ea typeface="Arial"/>
+              </a:rPr>
+              <a:t>i</a:t>
+            </a:r>
+            <a:r>
+              <a:rPr b="0" lang="en" sz="2800" spc="-1" strike="noStrike">
+                <a:solidFill>
+                  <a:srgbClr val="000000"/>
+                </a:solidFill>
+                <a:latin typeface="Arial"/>
+                <a:ea typeface="Arial"/>
+              </a:rPr>
+              <a:t>t</a:t>
+            </a:r>
+            <a:r>
+              <a:rPr b="0" lang="en" sz="2800" spc="-1" strike="noStrike">
+                <a:solidFill>
+                  <a:srgbClr val="000000"/>
+                </a:solidFill>
+                <a:latin typeface="Arial"/>
+                <a:ea typeface="Arial"/>
+              </a:rPr>
+              <a:t>i</a:t>
+            </a:r>
+            <a:r>
+              <a:rPr b="0" lang="en" sz="2800" spc="-1" strike="noStrike">
+                <a:solidFill>
+                  <a:srgbClr val="000000"/>
+                </a:solidFill>
+                <a:latin typeface="Arial"/>
+                <a:ea typeface="Arial"/>
+              </a:rPr>
+              <a:t>o</a:t>
+            </a:r>
+            <a:r>
+              <a:rPr b="0" lang="en" sz="2800" spc="-1" strike="noStrike">
+                <a:solidFill>
+                  <a:srgbClr val="000000"/>
+                </a:solidFill>
+                <a:latin typeface="Arial"/>
+                <a:ea typeface="Arial"/>
+              </a:rPr>
+              <a:t>n</a:t>
+            </a:r>
+            <a:r>
+              <a:rPr b="0" lang="en" sz="2800" spc="-1" strike="noStrike">
+                <a:solidFill>
+                  <a:srgbClr val="000000"/>
+                </a:solidFill>
+                <a:latin typeface="Arial"/>
+                <a:ea typeface="Arial"/>
+              </a:rPr>
+              <a:t> </a:t>
+            </a:r>
+            <a:r>
+              <a:rPr b="0" lang="en" sz="2800" spc="-1" strike="noStrike">
+                <a:solidFill>
+                  <a:srgbClr val="000000"/>
+                </a:solidFill>
+                <a:latin typeface="Arial"/>
+                <a:ea typeface="Arial"/>
+              </a:rPr>
+              <a:t>t</a:t>
+            </a:r>
+            <a:r>
+              <a:rPr b="0" lang="en" sz="2800" spc="-1" strike="noStrike">
+                <a:solidFill>
+                  <a:srgbClr val="000000"/>
+                </a:solidFill>
+                <a:latin typeface="Arial"/>
+                <a:ea typeface="Arial"/>
+              </a:rPr>
+              <a:t>o</a:t>
+            </a:r>
+            <a:r>
+              <a:rPr b="0" lang="en" sz="2800" spc="-1" strike="noStrike">
+                <a:solidFill>
+                  <a:srgbClr val="000000"/>
+                </a:solidFill>
+                <a:latin typeface="Arial"/>
+                <a:ea typeface="Arial"/>
+              </a:rPr>
+              <a:t> </a:t>
+            </a:r>
+            <a:r>
+              <a:rPr b="0" lang="en" sz="2800" spc="-1" strike="noStrike">
+                <a:solidFill>
+                  <a:srgbClr val="000000"/>
+                </a:solidFill>
+                <a:latin typeface="Arial"/>
+                <a:ea typeface="Arial"/>
+              </a:rPr>
+              <a:t>B</a:t>
+            </a:r>
+            <a:r>
+              <a:rPr b="0" lang="en" sz="2800" spc="-1" strike="noStrike">
+                <a:solidFill>
+                  <a:srgbClr val="000000"/>
+                </a:solidFill>
+                <a:latin typeface="Arial"/>
+                <a:ea typeface="Arial"/>
+              </a:rPr>
+              <a:t>B</a:t>
+            </a:r>
+            <a:r>
+              <a:rPr b="0" lang="en" sz="2800" spc="-1" strike="noStrike">
+                <a:solidFill>
+                  <a:srgbClr val="000000"/>
+                </a:solidFill>
+                <a:latin typeface="Arial"/>
+                <a:ea typeface="Arial"/>
+              </a:rPr>
+              <a:t>G</a:t>
+            </a:r>
+            <a:r>
+              <a:rPr b="0" lang="en" sz="2800" spc="-1" strike="noStrike">
+                <a:solidFill>
+                  <a:srgbClr val="000000"/>
+                </a:solidFill>
+                <a:latin typeface="Arial"/>
+                <a:ea typeface="Arial"/>
+              </a:rPr>
+              <a:t> </a:t>
             </a:r>
             <a:r>
               <a:rPr b="0" lang="en" sz="1300" spc="-1" strike="noStrike">
@@ -9555,20 +11273,207 @@
                 <a:latin typeface="Arial"/>
                 <a:ea typeface="Arial"/>
               </a:rPr>
-              <a:t>Nice, but not necessary</a:t>
+              <a:t>N</a:t>
+            </a:r>
+            <a:r>
+              <a:rPr b="0" lang="en" sz="1300" spc="-1" strike="noStrike">
+                <a:solidFill>
+                  <a:srgbClr val="000000"/>
+                </a:solidFill>
+                <a:latin typeface="Arial"/>
+                <a:ea typeface="Arial"/>
+              </a:rPr>
+              <a:t>i</a:t>
+            </a:r>
+            <a:r>
+              <a:rPr b="0" lang="en" sz="1300" spc="-1" strike="noStrike">
+                <a:solidFill>
+                  <a:srgbClr val="000000"/>
+                </a:solidFill>
+                <a:latin typeface="Arial"/>
+                <a:ea typeface="Arial"/>
+              </a:rPr>
+              <a:t>c</a:t>
+            </a:r>
+            <a:r>
+              <a:rPr b="0" lang="en" sz="1300" spc="-1" strike="noStrike">
+                <a:solidFill>
+                  <a:srgbClr val="000000"/>
+                </a:solidFill>
+                <a:latin typeface="Arial"/>
+                <a:ea typeface="Arial"/>
+              </a:rPr>
+              <a:t>e</a:t>
+            </a:r>
+            <a:r>
+              <a:rPr b="0" lang="en" sz="1300" spc="-1" strike="noStrike">
+                <a:solidFill>
+                  <a:srgbClr val="000000"/>
+                </a:solidFill>
+                <a:latin typeface="Arial"/>
+                <a:ea typeface="Arial"/>
+              </a:rPr>
+              <a:t>, </a:t>
+            </a:r>
+            <a:r>
+              <a:rPr b="0" lang="en" sz="1300" spc="-1" strike="noStrike">
+                <a:solidFill>
+                  <a:srgbClr val="000000"/>
+                </a:solidFill>
+                <a:latin typeface="Arial"/>
+                <a:ea typeface="Arial"/>
+              </a:rPr>
+              <a:t>b</a:t>
+            </a:r>
+            <a:r>
+              <a:rPr b="0" lang="en" sz="1300" spc="-1" strike="noStrike">
+                <a:solidFill>
+                  <a:srgbClr val="000000"/>
+                </a:solidFill>
+                <a:latin typeface="Arial"/>
+                <a:ea typeface="Arial"/>
+              </a:rPr>
+              <a:t>u</a:t>
+            </a:r>
+            <a:r>
+              <a:rPr b="0" lang="en" sz="1300" spc="-1" strike="noStrike">
+                <a:solidFill>
+                  <a:srgbClr val="000000"/>
+                </a:solidFill>
+                <a:latin typeface="Arial"/>
+                <a:ea typeface="Arial"/>
+              </a:rPr>
+              <a:t>t </a:t>
+            </a:r>
+            <a:r>
+              <a:rPr b="0" lang="en" sz="1300" spc="-1" strike="noStrike">
+                <a:solidFill>
+                  <a:srgbClr val="000000"/>
+                </a:solidFill>
+                <a:latin typeface="Arial"/>
+                <a:ea typeface="Arial"/>
+              </a:rPr>
+              <a:t>n</a:t>
+            </a:r>
+            <a:r>
+              <a:rPr b="0" lang="en" sz="1300" spc="-1" strike="noStrike">
+                <a:solidFill>
+                  <a:srgbClr val="000000"/>
+                </a:solidFill>
+                <a:latin typeface="Arial"/>
+                <a:ea typeface="Arial"/>
+              </a:rPr>
+              <a:t>o</a:t>
+            </a:r>
+            <a:r>
+              <a:rPr b="0" lang="en" sz="1300" spc="-1" strike="noStrike">
+                <a:solidFill>
+                  <a:srgbClr val="000000"/>
+                </a:solidFill>
+                <a:latin typeface="Arial"/>
+                <a:ea typeface="Arial"/>
+              </a:rPr>
+              <a:t>t </a:t>
+            </a:r>
+            <a:r>
+              <a:rPr b="0" lang="en" sz="1300" spc="-1" strike="noStrike">
+                <a:solidFill>
+                  <a:srgbClr val="000000"/>
+                </a:solidFill>
+                <a:latin typeface="Arial"/>
+                <a:ea typeface="Arial"/>
+              </a:rPr>
+              <a:t>n</a:t>
+            </a:r>
+            <a:r>
+              <a:rPr b="0" lang="en" sz="1300" spc="-1" strike="noStrike">
+                <a:solidFill>
+                  <a:srgbClr val="000000"/>
+                </a:solidFill>
+                <a:latin typeface="Arial"/>
+                <a:ea typeface="Arial"/>
+              </a:rPr>
+              <a:t>e</a:t>
+            </a:r>
+            <a:r>
+              <a:rPr b="0" lang="en" sz="1300" spc="-1" strike="noStrike">
+                <a:solidFill>
+                  <a:srgbClr val="000000"/>
+                </a:solidFill>
+                <a:latin typeface="Arial"/>
+                <a:ea typeface="Arial"/>
+              </a:rPr>
+              <a:t>c</a:t>
+            </a:r>
+            <a:r>
+              <a:rPr b="0" lang="en" sz="1300" spc="-1" strike="noStrike">
+                <a:solidFill>
+                  <a:srgbClr val="000000"/>
+                </a:solidFill>
+                <a:latin typeface="Arial"/>
+                <a:ea typeface="Arial"/>
+              </a:rPr>
+              <a:t>e</a:t>
+            </a:r>
+            <a:r>
+              <a:rPr b="0" lang="en" sz="1300" spc="-1" strike="noStrike">
+                <a:solidFill>
+                  <a:srgbClr val="000000"/>
+                </a:solidFill>
+                <a:latin typeface="Arial"/>
+                <a:ea typeface="Arial"/>
+              </a:rPr>
+              <a:t>s</a:t>
+            </a:r>
+            <a:r>
+              <a:rPr b="0" lang="en" sz="1300" spc="-1" strike="noStrike">
+                <a:solidFill>
+                  <a:srgbClr val="000000"/>
+                </a:solidFill>
+                <a:latin typeface="Arial"/>
+                <a:ea typeface="Arial"/>
+              </a:rPr>
+              <a:t>s</a:t>
+            </a:r>
+            <a:r>
+              <a:rPr b="0" lang="en" sz="1300" spc="-1" strike="noStrike">
+                <a:solidFill>
+                  <a:srgbClr val="000000"/>
+                </a:solidFill>
+                <a:latin typeface="Arial"/>
+                <a:ea typeface="Arial"/>
+              </a:rPr>
+              <a:t>a</a:t>
+            </a:r>
+            <a:r>
+              <a:rPr b="0" lang="en" sz="1300" spc="-1" strike="noStrike">
+                <a:solidFill>
+                  <a:srgbClr val="000000"/>
+                </a:solidFill>
+                <a:latin typeface="Arial"/>
+                <a:ea typeface="Arial"/>
+              </a:rPr>
+              <a:t>r</a:t>
+            </a:r>
+            <a:r>
+              <a:rPr b="0" lang="en" sz="1300" spc="-1" strike="noStrike">
+                <a:solidFill>
+                  <a:srgbClr val="000000"/>
+                </a:solidFill>
+                <a:latin typeface="Arial"/>
+                <a:ea typeface="Arial"/>
+              </a:rPr>
+              <a:t>y</a:t>
             </a:r>
             <a:endParaRPr b="0" lang="en-US" sz="1300" spc="-1" strike="noStrike">
-              <a:solidFill>
-                <a:srgbClr val="000000"/>
-              </a:solidFill>
-              <a:latin typeface="Arial"/>
-            </a:endParaRPr>
-          </a:p>
-        </p:txBody>
-      </p:sp>
-      <p:sp>
-        <p:nvSpPr>
-          <p:cNvPr id="159" name="PlaceHolder 2"/>
+              <a:latin typeface="Arial"/>
+            </a:endParaRPr>
+          </a:p>
+        </p:txBody>
+      </p:sp>
+      <p:sp>
+        <p:nvSpPr>
+          <p:cNvPr id="176" name="PlaceHolder 2"/>
           <p:cNvSpPr>
             <a:spLocks noGrp="1"/>
           </p:cNvSpPr>
@@ -9579,18 +11484,18 @@
         <p:spPr>
           <a:xfrm>
             <a:off x="311760" y="1152360"/>
-            <a:ext cx="4259880" cy="3416040"/>
-          </a:xfrm>
-          <a:prstGeom prst="rect">
-            <a:avLst/>
-          </a:prstGeom>
-          <a:noFill/>
-          <a:ln w="0">
-            <a:noFill/>
-          </a:ln>
-        </p:spPr>
-        <p:txBody>
-          <a:bodyPr tIns="91440" bIns="91440" anchor="t">
+            <a:ext cx="4259520" cy="3415680"/>
+          </a:xfrm>
+          <a:prstGeom prst="rect">
+            <a:avLst/>
+          </a:prstGeom>
+          <a:noFill/>
+          <a:ln w="0">
+            <a:noFill/>
+          </a:ln>
+        </p:spPr>
+        <p:txBody>
+          <a:bodyPr lIns="0" rIns="0" tIns="91440" bIns="91440" anchor="t">
             <a:normAutofit/>
           </a:bodyPr>
           <a:p>
@@ -9617,24 +11522,21 @@
               <a:t>Snek puts Variable Valley behind him. He is ready for whatever comes next</a:t>
             </a:r>
             <a:endParaRPr b="0" lang="en-US" sz="1800" spc="-1" strike="noStrike">
-              <a:solidFill>
-                <a:srgbClr val="000000"/>
-              </a:solidFill>
-              <a:latin typeface="Arial"/>
-            </a:endParaRPr>
-          </a:p>
-        </p:txBody>
-      </p:sp>
-      <p:sp>
-        <p:nvSpPr>
-          <p:cNvPr id="160" name="Google Shape;117;p18"/>
+              <a:latin typeface="Arial"/>
+            </a:endParaRPr>
+          </a:p>
+        </p:txBody>
+      </p:sp>
+      <p:sp>
+        <p:nvSpPr>
+          <p:cNvPr id="177" name="Google Shape;117;p18"/>
           <p:cNvSpPr/>
           <p:nvPr/>
         </p:nvSpPr>
         <p:spPr>
           <a:xfrm>
             <a:off x="6167160" y="0"/>
-            <a:ext cx="2474640" cy="395640"/>
+            <a:ext cx="2474280" cy="395640"/>
           </a:xfrm>
           <a:prstGeom prst="rect">
             <a:avLst/>
@@ -9651,7 +11553,7 @@
           <a:fontRef idx="minor"/>
         </p:style>
         <p:txBody>
-          <a:bodyPr tIns="91440" bIns="91440" anchor="t">
+          <a:bodyPr lIns="90000" rIns="90000" tIns="91440" bIns="91440" anchor="t">
             <a:spAutoFit/>
           </a:bodyPr>
           <a:p>
@@ -9682,7 +11584,7 @@
       </p:sp>
       <p:pic>
         <p:nvPicPr>
-          <p:cNvPr id="161" name="Google Shape;118;p18" descr=""/>
+          <p:cNvPr id="178" name="Google Shape;118;p18" descr=""/>
           <p:cNvPicPr/>
           <p:nvPr/>
         </p:nvPicPr>
@@ -9692,8 +11594,8 @@
         </p:blipFill>
         <p:spPr>
           <a:xfrm flipH="1">
-            <a:off x="4364280" y="3544920"/>
-            <a:ext cx="1107360" cy="829080"/>
+            <a:off x="4364640" y="3544920"/>
+            <a:ext cx="1107000" cy="828720"/>
           </a:xfrm>
           <a:prstGeom prst="rect">
             <a:avLst/>
@@ -9735,7 +11637,7 @@
       </p:grpSpPr>
       <p:sp>
         <p:nvSpPr>
-          <p:cNvPr id="162" name="PlaceHolder 1"/>
+          <p:cNvPr id="179" name="PlaceHolder 1"/>
           <p:cNvSpPr>
             <a:spLocks noGrp="1"/>
           </p:cNvSpPr>
@@ -9746,18 +11648,18 @@
         <p:spPr>
           <a:xfrm>
             <a:off x="311760" y="444960"/>
-            <a:ext cx="8520120" cy="572400"/>
-          </a:xfrm>
-          <a:prstGeom prst="rect">
-            <a:avLst/>
-          </a:prstGeom>
-          <a:noFill/>
-          <a:ln w="0">
-            <a:noFill/>
-          </a:ln>
-        </p:spPr>
-        <p:txBody>
-          <a:bodyPr tIns="91440" bIns="91440" anchor="t">
+            <a:ext cx="8519760" cy="572040"/>
+          </a:xfrm>
+          <a:prstGeom prst="rect">
+            <a:avLst/>
+          </a:prstGeom>
+          <a:noFill/>
+          <a:ln w="0">
+            <a:noFill/>
+          </a:ln>
+        </p:spPr>
+        <p:txBody>
+          <a:bodyPr lIns="0" rIns="0" tIns="91440" bIns="91440" anchor="t">
             <a:normAutofit fontScale="91000"/>
           </a:bodyPr>
           <a:p>
@@ -9778,20 +11680,57 @@
                 <a:latin typeface="Arial"/>
                 <a:ea typeface="Arial"/>
               </a:rPr>
-              <a:t>BBG 1</a:t>
+              <a:t>B</a:t>
+            </a:r>
+            <a:r>
+              <a:rPr b="0" lang="en" sz="2800" spc="-1" strike="noStrike">
+                <a:solidFill>
+                  <a:srgbClr val="000000"/>
+                </a:solidFill>
+                <a:latin typeface="Arial"/>
+                <a:ea typeface="Arial"/>
+              </a:rPr>
+              <a:t>B</a:t>
+            </a:r>
+            <a:r>
+              <a:rPr b="0" lang="en" sz="2800" spc="-1" strike="noStrike">
+                <a:solidFill>
+                  <a:srgbClr val="000000"/>
+                </a:solidFill>
+                <a:latin typeface="Arial"/>
+                <a:ea typeface="Arial"/>
+              </a:rPr>
+              <a:t>G</a:t>
+            </a:r>
+            <a:r>
+              <a:rPr b="0" lang="en" sz="2800" spc="-1" strike="noStrike">
+                <a:solidFill>
+                  <a:srgbClr val="000000"/>
+                </a:solidFill>
+                <a:latin typeface="Arial"/>
+                <a:ea typeface="Arial"/>
+              </a:rPr>
+              <a:t> </a:t>
+            </a:r>
+            <a:r>
+              <a:rPr b="0" lang="en" sz="2800" spc="-1" strike="noStrike">
+                <a:solidFill>
+                  <a:srgbClr val="000000"/>
+                </a:solidFill>
+                <a:latin typeface="Arial"/>
+                <a:ea typeface="Arial"/>
+              </a:rPr>
+              <a:t>1</a:t>
             </a:r>
             <a:endParaRPr b="0" lang="en-US" sz="2800" spc="-1" strike="noStrike">
-              <a:solidFill>
-                <a:srgbClr val="000000"/>
-              </a:solidFill>
-              <a:latin typeface="Arial"/>
-            </a:endParaRPr>
-          </a:p>
-        </p:txBody>
-      </p:sp>
-      <p:sp>
-        <p:nvSpPr>
-          <p:cNvPr id="163" name="PlaceHolder 2"/>
+              <a:latin typeface="Arial"/>
+            </a:endParaRPr>
+          </a:p>
+        </p:txBody>
+      </p:sp>
+      <p:sp>
+        <p:nvSpPr>
+          <p:cNvPr id="180" name="PlaceHolder 2"/>
           <p:cNvSpPr>
             <a:spLocks noGrp="1"/>
           </p:cNvSpPr>
@@ -9802,18 +11741,18 @@
         <p:spPr>
           <a:xfrm>
             <a:off x="311760" y="1152360"/>
-            <a:ext cx="4259880" cy="3416040"/>
-          </a:xfrm>
-          <a:prstGeom prst="rect">
-            <a:avLst/>
-          </a:prstGeom>
-          <a:noFill/>
-          <a:ln w="0">
-            <a:noFill/>
-          </a:ln>
-        </p:spPr>
-        <p:txBody>
-          <a:bodyPr tIns="91440" bIns="91440" anchor="t">
+            <a:ext cx="4259520" cy="3415680"/>
+          </a:xfrm>
+          <a:prstGeom prst="rect">
+            <a:avLst/>
+          </a:prstGeom>
+          <a:noFill/>
+          <a:ln w="0">
+            <a:noFill/>
+          </a:ln>
+        </p:spPr>
+        <p:txBody>
+          <a:bodyPr lIns="0" rIns="0" tIns="91440" bIns="91440" anchor="t">
             <a:normAutofit/>
           </a:bodyPr>
           <a:p>
@@ -9840,9 +11779,6 @@
               <a:t>Snek is out of the deepest part of the tomb, but is now in the Boolean Burial Grounds. The tomb was locked down long ago, and Snek is stuck behind several locked doors and gates. Snek learns about AND, OR, and NOT. And not a moment too soon, because that's the secret to start escaping the burial grounds</a:t>
             </a:r>
             <a:endParaRPr b="0" lang="en-US" sz="1800" spc="-1" strike="noStrike">
-              <a:solidFill>
-                <a:srgbClr val="000000"/>
-              </a:solidFill>
               <a:latin typeface="Arial"/>
             </a:endParaRPr>
           </a:p>
@@ -9850,7 +11786,7 @@
       </p:sp>
       <p:pic>
         <p:nvPicPr>
-          <p:cNvPr id="164" name="Google Shape;125;p19" descr=""/>
+          <p:cNvPr id="181" name="Google Shape;125;p19" descr=""/>
           <p:cNvPicPr/>
           <p:nvPr/>
         </p:nvPicPr>
@@ -9861,7 +11797,7 @@
         <p:spPr>
           <a:xfrm>
             <a:off x="4710960" y="380880"/>
-            <a:ext cx="3762000" cy="1218960"/>
+            <a:ext cx="3761640" cy="1218600"/>
           </a:xfrm>
           <a:prstGeom prst="rect">
             <a:avLst/>
@@ -9873,14 +11809,14 @@
       </p:pic>
       <p:sp>
         <p:nvSpPr>
-          <p:cNvPr id="165" name="Google Shape;126;p19"/>
+          <p:cNvPr id="182" name="Google Shape;126;p19"/>
           <p:cNvSpPr/>
           <p:nvPr/>
         </p:nvSpPr>
         <p:spPr>
           <a:xfrm>
             <a:off x="4806000" y="1152360"/>
-            <a:ext cx="133560" cy="1250640"/>
+            <a:ext cx="133200" cy="1250280"/>
           </a:xfrm>
           <a:prstGeom prst="flowChartExtract">
             <a:avLst/>
@@ -9904,14 +11840,14 @@
       </p:sp>
       <p:sp>
         <p:nvSpPr>
-          <p:cNvPr id="166" name="Google Shape;127;p19"/>
+          <p:cNvPr id="183" name="Google Shape;127;p19"/>
           <p:cNvSpPr/>
           <p:nvPr/>
         </p:nvSpPr>
         <p:spPr>
           <a:xfrm>
             <a:off x="4842720" y="976320"/>
-            <a:ext cx="60120" cy="106920"/>
+            <a:ext cx="59760" cy="106560"/>
           </a:xfrm>
           <a:prstGeom prst="rect">
             <a:avLst/>
@@ -9935,14 +11871,14 @@
       </p:sp>
       <p:sp>
         <p:nvSpPr>
-          <p:cNvPr id="167" name="Google Shape;128;p19"/>
+          <p:cNvPr id="184" name="Google Shape;128;p19"/>
           <p:cNvSpPr/>
           <p:nvPr/>
         </p:nvSpPr>
         <p:spPr>
           <a:xfrm>
             <a:off x="4675680" y="2655000"/>
-            <a:ext cx="875880" cy="1491120"/>
+            <a:ext cx="875520" cy="1490760"/>
           </a:xfrm>
           <a:prstGeom prst="rect">
             <a:avLst/>
@@ -9966,14 +11902,14 @@
       </p:sp>
       <p:sp>
         <p:nvSpPr>
-          <p:cNvPr id="168" name="Google Shape;129;p19"/>
+          <p:cNvPr id="185" name="Google Shape;129;p19"/>
           <p:cNvSpPr/>
           <p:nvPr/>
         </p:nvSpPr>
         <p:spPr>
           <a:xfrm>
             <a:off x="4715640" y="2735280"/>
-            <a:ext cx="795600" cy="365040"/>
+            <a:ext cx="795240" cy="365760"/>
           </a:xfrm>
           <a:prstGeom prst="rect">
             <a:avLst/>
@@ -9990,7 +11926,7 @@
           <a:fontRef idx="minor"/>
         </p:style>
         <p:txBody>
-          <a:bodyPr tIns="182880" bIns="182880" anchor="t">
+          <a:bodyPr lIns="90000" rIns="90000" tIns="183600" bIns="183600" anchor="t">
             <a:spAutoFit/>
           </a:bodyPr>
           <a:p>
@@ -10021,14 +11957,14 @@
       </p:sp>
       <p:sp>
         <p:nvSpPr>
-          <p:cNvPr id="169" name="Google Shape;130;p19"/>
+          <p:cNvPr id="186" name="Google Shape;130;p19"/>
           <p:cNvSpPr/>
           <p:nvPr/>
         </p:nvSpPr>
         <p:spPr>
           <a:xfrm>
             <a:off x="4762440" y="3163680"/>
-            <a:ext cx="715320" cy="902520"/>
+            <a:ext cx="714960" cy="902160"/>
           </a:xfrm>
           <a:prstGeom prst="roundRect">
             <a:avLst>
@@ -10054,14 +11990,14 @@
       </p:sp>
       <p:sp>
         <p:nvSpPr>
-          <p:cNvPr id="170" name="Google Shape;131;p19"/>
+          <p:cNvPr id="187" name="Google Shape;131;p19"/>
           <p:cNvSpPr/>
           <p:nvPr/>
         </p:nvSpPr>
         <p:spPr>
           <a:xfrm>
             <a:off x="5120280" y="3163680"/>
-            <a:ext cx="360" cy="902520"/>
+            <a:ext cx="360" cy="902160"/>
           </a:xfrm>
           <a:custGeom>
             <a:avLst/>
@@ -10096,14 +12032,14 @@
       </p:sp>
       <p:sp>
         <p:nvSpPr>
-          <p:cNvPr id="171" name="Google Shape;132;p19"/>
+          <p:cNvPr id="188" name="Google Shape;132;p19"/>
           <p:cNvSpPr/>
           <p:nvPr/>
         </p:nvSpPr>
         <p:spPr>
           <a:xfrm>
             <a:off x="4769280" y="3390840"/>
-            <a:ext cx="722160" cy="6120"/>
+            <a:ext cx="721800" cy="5760"/>
           </a:xfrm>
           <a:custGeom>
             <a:avLst/>
@@ -10138,14 +12074,14 @@
       </p:sp>
       <p:sp>
         <p:nvSpPr>
-          <p:cNvPr id="172" name="Google Shape;133;p19"/>
+          <p:cNvPr id="189" name="Google Shape;133;p19"/>
           <p:cNvSpPr/>
           <p:nvPr/>
         </p:nvSpPr>
         <p:spPr>
           <a:xfrm>
             <a:off x="4762440" y="3615120"/>
-            <a:ext cx="715320" cy="360"/>
+            <a:ext cx="714960" cy="360"/>
           </a:xfrm>
           <a:custGeom>
             <a:avLst/>
@@ -10180,14 +12116,14 @@
       </p:sp>
       <p:sp>
         <p:nvSpPr>
-          <p:cNvPr id="173" name="Google Shape;134;p19"/>
+          <p:cNvPr id="190" name="Google Shape;134;p19"/>
           <p:cNvSpPr/>
           <p:nvPr/>
         </p:nvSpPr>
         <p:spPr>
           <a:xfrm>
             <a:off x="4762440" y="3839040"/>
-            <a:ext cx="708840" cy="6120"/>
+            <a:ext cx="708480" cy="5760"/>
           </a:xfrm>
           <a:custGeom>
             <a:avLst/>
@@ -10222,14 +12158,14 @@
       </p:sp>
       <p:sp>
         <p:nvSpPr>
-          <p:cNvPr id="174" name="Google Shape;135;p19"/>
+          <p:cNvPr id="191" name="Google Shape;135;p19"/>
           <p:cNvSpPr/>
           <p:nvPr/>
         </p:nvSpPr>
         <p:spPr>
           <a:xfrm>
             <a:off x="4842720" y="3104640"/>
-            <a:ext cx="294120" cy="305280"/>
+            <a:ext cx="293760" cy="305280"/>
           </a:xfrm>
           <a:prstGeom prst="rect">
             <a:avLst/>
@@ -10246,7 +12182,7 @@
           <a:fontRef idx="minor"/>
         </p:style>
         <p:txBody>
-          <a:bodyPr tIns="153360" bIns="153360" anchor="t">
+          <a:bodyPr lIns="90000" rIns="90000" tIns="153360" bIns="153360" anchor="t">
             <a:spAutoFit/>
           </a:bodyPr>
           <a:p>
@@ -10277,14 +12213,14 @@
       </p:sp>
       <p:sp>
         <p:nvSpPr>
-          <p:cNvPr id="175" name="Google Shape;136;p19"/>
+          <p:cNvPr id="192" name="Google Shape;136;p19"/>
           <p:cNvSpPr/>
           <p:nvPr/>
         </p:nvSpPr>
         <p:spPr>
           <a:xfrm>
             <a:off x="5137200" y="3302640"/>
-            <a:ext cx="294120" cy="305280"/>
+            <a:ext cx="293760" cy="305280"/>
           </a:xfrm>
           <a:prstGeom prst="rect">
             <a:avLst/>
@@ -10301,7 +12237,7 @@
           <a:fontRef idx="minor"/>
         </p:style>
         <p:txBody>
-          <a:bodyPr tIns="153360" bIns="153360" anchor="t">
+          <a:bodyPr lIns="90000" rIns="90000" tIns="153360" bIns="153360" anchor="t">
             <a:spAutoFit/>
           </a:bodyPr>
           <a:p>
@@ -10332,14 +12268,14 @@
       </p:sp>
       <p:sp>
         <p:nvSpPr>
-          <p:cNvPr id="176" name="Google Shape;137;p19"/>
+          <p:cNvPr id="193" name="Google Shape;137;p19"/>
           <p:cNvSpPr/>
           <p:nvPr/>
         </p:nvSpPr>
         <p:spPr>
           <a:xfrm>
             <a:off x="5137200" y="3104640"/>
-            <a:ext cx="294120" cy="305280"/>
+            <a:ext cx="293760" cy="305280"/>
           </a:xfrm>
           <a:prstGeom prst="rect">
             <a:avLst/>
@@ -10356,7 +12292,7 @@
           <a:fontRef idx="minor"/>
         </p:style>
         <p:txBody>
-          <a:bodyPr tIns="153360" bIns="153360" anchor="t">
+          <a:bodyPr lIns="90000" rIns="90000" tIns="153360" bIns="153360" anchor="t">
             <a:spAutoFit/>
           </a:bodyPr>
           <a:p>
@@ -10387,14 +12323,14 @@
       </p:sp>
       <p:sp>
         <p:nvSpPr>
-          <p:cNvPr id="177" name="Google Shape;138;p19"/>
+          <p:cNvPr id="194" name="Google Shape;138;p19"/>
           <p:cNvSpPr/>
           <p:nvPr/>
         </p:nvSpPr>
         <p:spPr>
           <a:xfrm>
             <a:off x="4842720" y="3528000"/>
-            <a:ext cx="294120" cy="305280"/>
+            <a:ext cx="293760" cy="305280"/>
           </a:xfrm>
           <a:prstGeom prst="rect">
             <a:avLst/>
@@ -10411,7 +12347,7 @@
           <a:fontRef idx="minor"/>
         </p:style>
         <p:txBody>
-          <a:bodyPr tIns="153360" bIns="153360" anchor="t">
+          <a:bodyPr lIns="90000" rIns="90000" tIns="153360" bIns="153360" anchor="t">
             <a:spAutoFit/>
           </a:bodyPr>
           <a:p>
@@ -10442,14 +12378,14 @@
       </p:sp>
       <p:sp>
         <p:nvSpPr>
-          <p:cNvPr id="178" name="Google Shape;139;p19"/>
+          <p:cNvPr id="195" name="Google Shape;139;p19"/>
           <p:cNvSpPr/>
           <p:nvPr/>
         </p:nvSpPr>
         <p:spPr>
           <a:xfrm>
             <a:off x="4842720" y="3302640"/>
-            <a:ext cx="294120" cy="305280"/>
+            <a:ext cx="293760" cy="305280"/>
           </a:xfrm>
           <a:prstGeom prst="rect">
             <a:avLst/>
@@ -10466,7 +12402,7 @@
           <a:fontRef idx="minor"/>
         </p:style>
         <p:txBody>
-          <a:bodyPr tIns="153360" bIns="153360" anchor="t">
+          <a:bodyPr lIns="90000" rIns="90000" tIns="153360" bIns="153360" anchor="t">
             <a:spAutoFit/>
           </a:bodyPr>
           <a:p>
@@ -10497,14 +12433,14 @@
       </p:sp>
       <p:sp>
         <p:nvSpPr>
-          <p:cNvPr id="179" name="Google Shape;140;p19"/>
+          <p:cNvPr id="196" name="Google Shape;140;p19"/>
           <p:cNvSpPr/>
           <p:nvPr/>
         </p:nvSpPr>
         <p:spPr>
           <a:xfrm>
             <a:off x="4842720" y="3786480"/>
-            <a:ext cx="294120" cy="305280"/>
+            <a:ext cx="293760" cy="305280"/>
           </a:xfrm>
           <a:prstGeom prst="rect">
             <a:avLst/>
@@ -10521,7 +12457,7 @@
           <a:fontRef idx="minor"/>
         </p:style>
         <p:txBody>
-          <a:bodyPr tIns="153360" bIns="153360" anchor="t">
+          <a:bodyPr lIns="90000" rIns="90000" tIns="153360" bIns="153360" anchor="t">
             <a:spAutoFit/>
           </a:bodyPr>
           <a:p>
@@ -10552,14 +12488,14 @@
       </p:sp>
       <p:sp>
         <p:nvSpPr>
-          <p:cNvPr id="180" name="Google Shape;141;p19"/>
+          <p:cNvPr id="197" name="Google Shape;141;p19"/>
           <p:cNvSpPr/>
           <p:nvPr/>
         </p:nvSpPr>
         <p:spPr>
           <a:xfrm>
             <a:off x="5137200" y="3528000"/>
-            <a:ext cx="294120" cy="305280"/>
+            <a:ext cx="293760" cy="305280"/>
           </a:xfrm>
           <a:prstGeom prst="rect">
             <a:avLst/>
@@ -10576,7 +12512,7 @@
           <a:fontRef idx="minor"/>
         </p:style>
         <p:txBody>
-          <a:bodyPr tIns="153360" bIns="153360" anchor="t">
+          <a:bodyPr lIns="90000" rIns="90000" tIns="153360" bIns="153360" anchor="t">
             <a:spAutoFit/>
           </a:bodyPr>
           <a:p>
@@ -10607,14 +12543,14 @@
       </p:sp>
       <p:sp>
         <p:nvSpPr>
-          <p:cNvPr id="181" name="Google Shape;142;p19"/>
+          <p:cNvPr id="198" name="Google Shape;142;p19"/>
           <p:cNvSpPr/>
           <p:nvPr/>
         </p:nvSpPr>
         <p:spPr>
           <a:xfrm>
             <a:off x="5137200" y="3786480"/>
-            <a:ext cx="294120" cy="305280"/>
+            <a:ext cx="293760" cy="305280"/>
           </a:xfrm>
           <a:prstGeom prst="rect">
             <a:avLst/>
@@ -10631,7 +12567,7 @@
           <a:fontRef idx="minor"/>
         </p:style>
         <p:txBody>
-          <a:bodyPr tIns="153360" bIns="153360" anchor="t">
+          <a:bodyPr lIns="90000" rIns="90000" tIns="153360" bIns="153360" anchor="t">
             <a:spAutoFit/>
           </a:bodyPr>
           <a:p>
@@ -10692,7 +12628,7 @@
       </p:grpSpPr>
       <p:sp>
         <p:nvSpPr>
-          <p:cNvPr id="182" name="PlaceHolder 1"/>
+          <p:cNvPr id="199" name="PlaceHolder 1"/>
           <p:cNvSpPr>
             <a:spLocks noGrp="1"/>
           </p:cNvSpPr>
@@ -10703,18 +12639,18 @@
         <p:spPr>
           <a:xfrm>
             <a:off x="311760" y="444960"/>
-            <a:ext cx="8520120" cy="572400"/>
-          </a:xfrm>
-          <a:prstGeom prst="rect">
-            <a:avLst/>
-          </a:prstGeom>
-          <a:noFill/>
-          <a:ln w="0">
-            <a:noFill/>
-          </a:ln>
-        </p:spPr>
-        <p:txBody>
-          <a:bodyPr tIns="91440" bIns="91440" anchor="t">
+            <a:ext cx="8519760" cy="572040"/>
+          </a:xfrm>
+          <a:prstGeom prst="rect">
+            <a:avLst/>
+          </a:prstGeom>
+          <a:noFill/>
+          <a:ln w="0">
+            <a:noFill/>
+          </a:ln>
+        </p:spPr>
+        <p:txBody>
+          <a:bodyPr lIns="0" rIns="0" tIns="91440" bIns="91440" anchor="t">
             <a:normAutofit fontScale="91000"/>
           </a:bodyPr>
           <a:p>
@@ -10735,20 +12671,27 @@
                 <a:latin typeface="Arial"/>
                 <a:ea typeface="Arial"/>
               </a:rPr>
-              <a:t>BBG 2</a:t>
+              <a:t>BB</a:t>
+            </a:r>
+            <a:r>
+              <a:rPr b="0" lang="en" sz="2800" spc="-1" strike="noStrike">
+                <a:solidFill>
+                  <a:srgbClr val="000000"/>
+                </a:solidFill>
+                <a:latin typeface="Arial"/>
+                <a:ea typeface="Arial"/>
+              </a:rPr>
+              <a:t>G 2</a:t>
             </a:r>
             <a:endParaRPr b="0" lang="en-US" sz="2800" spc="-1" strike="noStrike">
-              <a:solidFill>
-                <a:srgbClr val="000000"/>
-              </a:solidFill>
-              <a:latin typeface="Arial"/>
-            </a:endParaRPr>
-          </a:p>
-        </p:txBody>
-      </p:sp>
-      <p:sp>
-        <p:nvSpPr>
-          <p:cNvPr id="183" name="PlaceHolder 2"/>
+              <a:latin typeface="Arial"/>
+            </a:endParaRPr>
+          </a:p>
+        </p:txBody>
+      </p:sp>
+      <p:sp>
+        <p:nvSpPr>
+          <p:cNvPr id="200" name="PlaceHolder 2"/>
           <p:cNvSpPr>
             <a:spLocks noGrp="1"/>
           </p:cNvSpPr>
@@ -10759,18 +12702,18 @@
         <p:spPr>
           <a:xfrm>
             <a:off x="311760" y="1152360"/>
-            <a:ext cx="4259880" cy="3416040"/>
-          </a:xfrm>
-          <a:prstGeom prst="rect">
-            <a:avLst/>
-          </a:prstGeom>
-          <a:noFill/>
-          <a:ln w="0">
-            <a:noFill/>
-          </a:ln>
-        </p:spPr>
-        <p:txBody>
-          <a:bodyPr tIns="91440" bIns="91440" anchor="t">
+            <a:ext cx="4259520" cy="3415680"/>
+          </a:xfrm>
+          <a:prstGeom prst="rect">
+            <a:avLst/>
+          </a:prstGeom>
+          <a:noFill/>
+          <a:ln w="0">
+            <a:noFill/>
+          </a:ln>
+        </p:spPr>
+        <p:txBody>
+          <a:bodyPr lIns="0" rIns="0" tIns="91440" bIns="91440" anchor="t">
             <a:normAutofit/>
           </a:bodyPr>
           <a:p>
@@ -10797,9 +12740,6 @@
               <a:t>The button combinations get more difficult with compound logic statements! Will Snek ever get out of here?</a:t>
             </a:r>
             <a:endParaRPr b="0" lang="en-US" sz="1800" spc="-1" strike="noStrike">
-              <a:solidFill>
-                <a:srgbClr val="000000"/>
-              </a:solidFill>
               <a:latin typeface="Arial"/>
             </a:endParaRPr>
           </a:p>
@@ -10837,7 +12777,7 @@
       </p:grpSpPr>
       <p:sp>
         <p:nvSpPr>
-          <p:cNvPr id="184" name="PlaceHolder 1"/>
+          <p:cNvPr id="201" name="PlaceHolder 1"/>
           <p:cNvSpPr>
             <a:spLocks noGrp="1"/>
           </p:cNvSpPr>
@@ -10848,18 +12788,18 @@
         <p:spPr>
           <a:xfrm>
             <a:off x="311760" y="444960"/>
-            <a:ext cx="8520120" cy="572400"/>
-          </a:xfrm>
-          <a:prstGeom prst="rect">
-            <a:avLst/>
-          </a:prstGeom>
-          <a:noFill/>
-          <a:ln w="0">
-            <a:noFill/>
-          </a:ln>
-        </p:spPr>
-        <p:txBody>
-          <a:bodyPr tIns="91440" bIns="91440" anchor="t">
+            <a:ext cx="8519760" cy="572040"/>
+          </a:xfrm>
+          <a:prstGeom prst="rect">
+            <a:avLst/>
+          </a:prstGeom>
+          <a:noFill/>
+          <a:ln w="0">
+            <a:noFill/>
+          </a:ln>
+        </p:spPr>
+        <p:txBody>
+          <a:bodyPr lIns="0" rIns="0" tIns="91440" bIns="91440" anchor="t">
             <a:normAutofit fontScale="91000"/>
           </a:bodyPr>
           <a:p>
@@ -10880,20 +12820,27 @@
                 <a:latin typeface="Arial"/>
                 <a:ea typeface="Arial"/>
               </a:rPr>
-              <a:t>BBG 3</a:t>
+              <a:t>BBG </a:t>
+            </a:r>
+            <a:r>
+              <a:rPr b="0" lang="en" sz="2800" spc="-1" strike="noStrike">
+                <a:solidFill>
+                  <a:srgbClr val="000000"/>
+                </a:solidFill>
+                <a:latin typeface="Arial"/>
+                <a:ea typeface="Arial"/>
+              </a:rPr>
+              <a:t>3</a:t>
             </a:r>
             <a:endParaRPr b="0" lang="en-US" sz="2800" spc="-1" strike="noStrike">
-              <a:solidFill>
-                <a:srgbClr val="000000"/>
-              </a:solidFill>
-              <a:latin typeface="Arial"/>
-            </a:endParaRPr>
-          </a:p>
-        </p:txBody>
-      </p:sp>
-      <p:sp>
-        <p:nvSpPr>
-          <p:cNvPr id="185" name="PlaceHolder 2"/>
+              <a:latin typeface="Arial"/>
+            </a:endParaRPr>
+          </a:p>
+        </p:txBody>
+      </p:sp>
+      <p:sp>
+        <p:nvSpPr>
+          <p:cNvPr id="202" name="PlaceHolder 2"/>
           <p:cNvSpPr>
             <a:spLocks noGrp="1"/>
           </p:cNvSpPr>
@@ -10904,18 +12851,18 @@
         <p:spPr>
           <a:xfrm>
             <a:off x="311760" y="1152360"/>
-            <a:ext cx="4259880" cy="3416040"/>
-          </a:xfrm>
-          <a:prstGeom prst="rect">
-            <a:avLst/>
-          </a:prstGeom>
-          <a:noFill/>
-          <a:ln w="0">
-            <a:noFill/>
-          </a:ln>
-        </p:spPr>
-        <p:txBody>
-          <a:bodyPr tIns="91440" bIns="91440" anchor="t">
+            <a:ext cx="4259520" cy="3415680"/>
+          </a:xfrm>
+          <a:prstGeom prst="rect">
+            <a:avLst/>
+          </a:prstGeom>
+          <a:noFill/>
+          <a:ln w="0">
+            <a:noFill/>
+          </a:ln>
+        </p:spPr>
+        <p:txBody>
+          <a:bodyPr lIns="0" rIns="0" tIns="91440" bIns="91440" anchor="t">
             <a:normAutofit/>
           </a:bodyPr>
           <a:p>
@@ -10942,9 +12889,6 @@
               <a:t>The Ancients were very crafty people. Not only are there more keypads than before, but the last door requires specific keypads be activated to return power to the door. But which keypads? Good thing Snek is a Boolean Logic expert! Snek uses the knowledge to know which keypads to activate and the buttons to press on each one!</a:t>
             </a:r>
             <a:endParaRPr b="0" lang="en-US" sz="1800" spc="-1" strike="noStrike">
-              <a:solidFill>
-                <a:srgbClr val="000000"/>
-              </a:solidFill>
               <a:latin typeface="Arial"/>
             </a:endParaRPr>
           </a:p>
